--- a/Data Insights From dashboards.pptx
+++ b/Data Insights From dashboards.pptx
@@ -1,32 +1,32 @@
 
 <file path=ppt/presentation.xml><?xml version="1.0" encoding="utf-8"?>
-<p:presentation xmlns:a="http://schemas.openxmlformats.org/drawingml/2006/main" xmlns:r="http://schemas.openxmlformats.org/officeDocument/2006/relationships" xmlns:mc="http://schemas.openxmlformats.org/markup-compatibility/2006" xmlns:mv="urn:schemas-microsoft-com:mac:vml" xmlns:p="http://schemas.openxmlformats.org/presentationml/2006/main" xmlns:c="http://schemas.openxmlformats.org/drawingml/2006/chart" xmlns:dgm="http://schemas.openxmlformats.org/drawingml/2006/diagram" xmlns:o="urn:schemas-microsoft-com:office:office" xmlns:v="urn:schemas-microsoft-com:vml" xmlns:pvml="urn:schemas-microsoft-com:office:powerpoint" xmlns:com="http://schemas.openxmlformats.org/drawingml/2006/compatibility" xmlns:p14="http://schemas.microsoft.com/office/powerpoint/2010/main" xmlns:p15="http://schemas.microsoft.com/office/powerpoint/2012/main" xmlns:ahyp="http://schemas.microsoft.com/office/drawing/2018/hyperlinkcolor" autoCompressPictures="0" embedTrueTypeFonts="1" strictFirstAndLastChars="0" saveSubsetFonts="1">
+<p:presentation xmlns:a="http://schemas.openxmlformats.org/drawingml/2006/main" xmlns:r="http://schemas.openxmlformats.org/officeDocument/2006/relationships" xmlns:p="http://schemas.openxmlformats.org/presentationml/2006/main" strictFirstAndLastChars="0" embedTrueTypeFonts="1" saveSubsetFonts="1" autoCompressPictures="0">
   <p:sldMasterIdLst>
-    <p:sldMasterId id="2147483659" r:id="rId4"/>
+    <p:sldMasterId id="2147483659" r:id="rId1"/>
   </p:sldMasterIdLst>
   <p:notesMasterIdLst>
-    <p:notesMasterId r:id="rId5"/>
+    <p:notesMasterId r:id="rId7"/>
   </p:notesMasterIdLst>
   <p:sldIdLst>
-    <p:sldId id="256" r:id="rId6"/>
-    <p:sldId id="257" r:id="rId7"/>
-    <p:sldId id="258" r:id="rId8"/>
-    <p:sldId id="259" r:id="rId9"/>
-    <p:sldId id="260" r:id="rId10"/>
+    <p:sldId id="256" r:id="rId2"/>
+    <p:sldId id="257" r:id="rId3"/>
+    <p:sldId id="258" r:id="rId4"/>
+    <p:sldId id="259" r:id="rId5"/>
+    <p:sldId id="260" r:id="rId6"/>
   </p:sldIdLst>
-  <p:sldSz cy="5143500" cx="9144000"/>
+  <p:sldSz cx="9144000" cy="5143500" type="screen16x9"/>
   <p:notesSz cx="6858000" cy="9144000"/>
   <p:embeddedFontLst>
     <p:embeddedFont>
-      <p:font typeface="Roboto"/>
-      <p:regular r:id="rId11"/>
-      <p:bold r:id="rId12"/>
-      <p:italic r:id="rId13"/>
-      <p:boldItalic r:id="rId14"/>
+      <p:font typeface="Roboto" panose="02000000000000000000" pitchFamily="2" charset="0"/>
+      <p:regular r:id="rId8"/>
+      <p:bold r:id="rId9"/>
+      <p:italic r:id="rId10"/>
+      <p:boldItalic r:id="rId11"/>
     </p:embeddedFont>
   </p:embeddedFontLst>
   <p:defaultTextStyle>
-    <a:defPPr lvl="0" marR="0" rtl="0" algn="l">
+    <a:defPPr marR="0" lvl="0" algn="l" rtl="0">
       <a:lnSpc>
         <a:spcPct val="100000"/>
       </a:lnSpc>
@@ -37,7 +37,7 @@
         <a:spcPts val="0"/>
       </a:spcAft>
     </a:defPPr>
-    <a:lvl1pPr lvl="0" marR="0" rtl="0" algn="l">
+    <a:lvl1pPr marR="0" lvl="0" algn="l" rtl="0">
       <a:lnSpc>
         <a:spcPct val="100000"/>
       </a:lnSpc>
@@ -51,7 +51,7 @@
         <a:srgbClr val="000000"/>
       </a:buClr>
       <a:buFont typeface="Arial"/>
-      <a:defRPr b="0" i="0" sz="1400" u="none" cap="none" strike="noStrike">
+      <a:defRPr sz="1400" b="0" i="0" u="none" strike="noStrike" cap="none">
         <a:solidFill>
           <a:srgbClr val="000000"/>
         </a:solidFill>
@@ -61,7 +61,7 @@
         <a:sym typeface="Arial"/>
       </a:defRPr>
     </a:lvl1pPr>
-    <a:lvl2pPr lvl="1" marR="0" rtl="0" algn="l">
+    <a:lvl2pPr marR="0" lvl="1" algn="l" rtl="0">
       <a:lnSpc>
         <a:spcPct val="100000"/>
       </a:lnSpc>
@@ -75,7 +75,7 @@
         <a:srgbClr val="000000"/>
       </a:buClr>
       <a:buFont typeface="Arial"/>
-      <a:defRPr b="0" i="0" sz="1400" u="none" cap="none" strike="noStrike">
+      <a:defRPr sz="1400" b="0" i="0" u="none" strike="noStrike" cap="none">
         <a:solidFill>
           <a:srgbClr val="000000"/>
         </a:solidFill>
@@ -85,7 +85,7 @@
         <a:sym typeface="Arial"/>
       </a:defRPr>
     </a:lvl2pPr>
-    <a:lvl3pPr lvl="2" marR="0" rtl="0" algn="l">
+    <a:lvl3pPr marR="0" lvl="2" algn="l" rtl="0">
       <a:lnSpc>
         <a:spcPct val="100000"/>
       </a:lnSpc>
@@ -99,7 +99,7 @@
         <a:srgbClr val="000000"/>
       </a:buClr>
       <a:buFont typeface="Arial"/>
-      <a:defRPr b="0" i="0" sz="1400" u="none" cap="none" strike="noStrike">
+      <a:defRPr sz="1400" b="0" i="0" u="none" strike="noStrike" cap="none">
         <a:solidFill>
           <a:srgbClr val="000000"/>
         </a:solidFill>
@@ -109,7 +109,7 @@
         <a:sym typeface="Arial"/>
       </a:defRPr>
     </a:lvl3pPr>
-    <a:lvl4pPr lvl="3" marR="0" rtl="0" algn="l">
+    <a:lvl4pPr marR="0" lvl="3" algn="l" rtl="0">
       <a:lnSpc>
         <a:spcPct val="100000"/>
       </a:lnSpc>
@@ -123,7 +123,7 @@
         <a:srgbClr val="000000"/>
       </a:buClr>
       <a:buFont typeface="Arial"/>
-      <a:defRPr b="0" i="0" sz="1400" u="none" cap="none" strike="noStrike">
+      <a:defRPr sz="1400" b="0" i="0" u="none" strike="noStrike" cap="none">
         <a:solidFill>
           <a:srgbClr val="000000"/>
         </a:solidFill>
@@ -133,7 +133,7 @@
         <a:sym typeface="Arial"/>
       </a:defRPr>
     </a:lvl4pPr>
-    <a:lvl5pPr lvl="4" marR="0" rtl="0" algn="l">
+    <a:lvl5pPr marR="0" lvl="4" algn="l" rtl="0">
       <a:lnSpc>
         <a:spcPct val="100000"/>
       </a:lnSpc>
@@ -147,7 +147,7 @@
         <a:srgbClr val="000000"/>
       </a:buClr>
       <a:buFont typeface="Arial"/>
-      <a:defRPr b="0" i="0" sz="1400" u="none" cap="none" strike="noStrike">
+      <a:defRPr sz="1400" b="0" i="0" u="none" strike="noStrike" cap="none">
         <a:solidFill>
           <a:srgbClr val="000000"/>
         </a:solidFill>
@@ -157,7 +157,7 @@
         <a:sym typeface="Arial"/>
       </a:defRPr>
     </a:lvl5pPr>
-    <a:lvl6pPr lvl="5" marR="0" rtl="0" algn="l">
+    <a:lvl6pPr marR="0" lvl="5" algn="l" rtl="0">
       <a:lnSpc>
         <a:spcPct val="100000"/>
       </a:lnSpc>
@@ -171,7 +171,7 @@
         <a:srgbClr val="000000"/>
       </a:buClr>
       <a:buFont typeface="Arial"/>
-      <a:defRPr b="0" i="0" sz="1400" u="none" cap="none" strike="noStrike">
+      <a:defRPr sz="1400" b="0" i="0" u="none" strike="noStrike" cap="none">
         <a:solidFill>
           <a:srgbClr val="000000"/>
         </a:solidFill>
@@ -181,7 +181,7 @@
         <a:sym typeface="Arial"/>
       </a:defRPr>
     </a:lvl6pPr>
-    <a:lvl7pPr lvl="6" marR="0" rtl="0" algn="l">
+    <a:lvl7pPr marR="0" lvl="6" algn="l" rtl="0">
       <a:lnSpc>
         <a:spcPct val="100000"/>
       </a:lnSpc>
@@ -195,7 +195,7 @@
         <a:srgbClr val="000000"/>
       </a:buClr>
       <a:buFont typeface="Arial"/>
-      <a:defRPr b="0" i="0" sz="1400" u="none" cap="none" strike="noStrike">
+      <a:defRPr sz="1400" b="0" i="0" u="none" strike="noStrike" cap="none">
         <a:solidFill>
           <a:srgbClr val="000000"/>
         </a:solidFill>
@@ -205,7 +205,7 @@
         <a:sym typeface="Arial"/>
       </a:defRPr>
     </a:lvl7pPr>
-    <a:lvl8pPr lvl="7" marR="0" rtl="0" algn="l">
+    <a:lvl8pPr marR="0" lvl="7" algn="l" rtl="0">
       <a:lnSpc>
         <a:spcPct val="100000"/>
       </a:lnSpc>
@@ -219,7 +219,7 @@
         <a:srgbClr val="000000"/>
       </a:buClr>
       <a:buFont typeface="Arial"/>
-      <a:defRPr b="0" i="0" sz="1400" u="none" cap="none" strike="noStrike">
+      <a:defRPr sz="1400" b="0" i="0" u="none" strike="noStrike" cap="none">
         <a:solidFill>
           <a:srgbClr val="000000"/>
         </a:solidFill>
@@ -229,7 +229,7 @@
         <a:sym typeface="Arial"/>
       </a:defRPr>
     </a:lvl8pPr>
-    <a:lvl9pPr lvl="8" marR="0" rtl="0" algn="l">
+    <a:lvl9pPr marR="0" lvl="8" algn="l" rtl="0">
       <a:lnSpc>
         <a:spcPct val="100000"/>
       </a:lnSpc>
@@ -243,7 +243,7 @@
         <a:srgbClr val="000000"/>
       </a:buClr>
       <a:buFont typeface="Arial"/>
-      <a:defRPr b="0" i="0" sz="1400" u="none" cap="none" strike="noStrike">
+      <a:defRPr sz="1400" b="0" i="0" u="none" strike="noStrike" cap="none">
         <a:solidFill>
           <a:srgbClr val="000000"/>
         </a:solidFill>
@@ -256,7 +256,7 @@
   </p:defaultTextStyle>
   <p:extLst>
     <p:ext uri="{EFAFB233-063F-42B5-8137-9DF3F51BA10A}">
-      <p15:sldGuideLst>
+      <p15:sldGuideLst xmlns:p15="http://schemas.microsoft.com/office/powerpoint/2012/main">
         <p15:guide id="1" orient="horz" pos="1620">
           <p15:clr>
             <a:srgbClr val="747775"/>
@@ -274,11 +274,16 @@
 </file>
 
 <file path=ppt/notesMasters/notesMaster1.xml><?xml version="1.0" encoding="utf-8"?>
-<p:notesMaster xmlns:a="http://schemas.openxmlformats.org/drawingml/2006/main" xmlns:r="http://schemas.openxmlformats.org/officeDocument/2006/relationships" xmlns:mc="http://schemas.openxmlformats.org/markup-compatibility/2006" xmlns:mv="urn:schemas-microsoft-com:mac:vml" xmlns:p="http://schemas.openxmlformats.org/presentationml/2006/main" xmlns:c="http://schemas.openxmlformats.org/drawingml/2006/chart" xmlns:dgm="http://schemas.openxmlformats.org/drawingml/2006/diagram" xmlns:o="urn:schemas-microsoft-com:office:office" xmlns:v="urn:schemas-microsoft-com:vml" xmlns:pvml="urn:schemas-microsoft-com:office:powerpoint" xmlns:com="http://schemas.openxmlformats.org/drawingml/2006/compatibility" xmlns:p14="http://schemas.microsoft.com/office/powerpoint/2010/main" xmlns:p15="http://schemas.microsoft.com/office/powerpoint/2012/main" xmlns:ahyp="http://schemas.microsoft.com/office/drawing/2018/hyperlinkcolor">
+<p:notesMaster xmlns:a="http://schemas.openxmlformats.org/drawingml/2006/main" xmlns:r="http://schemas.openxmlformats.org/officeDocument/2006/relationships" xmlns:p="http://schemas.openxmlformats.org/presentationml/2006/main">
   <p:cSld>
+    <p:bg>
+      <p:bgRef idx="1001">
+        <a:schemeClr val="bg1"/>
+      </p:bgRef>
+    </p:bg>
     <p:spTree>
       <p:nvGrpSpPr>
-        <p:cNvPr id="2" name="Shape 2"/>
+        <p:cNvPr id="1" name="Shape 2"/>
         <p:cNvGrpSpPr/>
         <p:nvPr/>
       </p:nvGrpSpPr>
@@ -293,9 +298,11 @@
       <p:sp>
         <p:nvSpPr>
           <p:cNvPr id="3" name="Google Shape;3;n"/>
-          <p:cNvSpPr/>
+          <p:cNvSpPr>
+            <a:spLocks noGrp="1" noRot="1" noChangeAspect="1"/>
+          </p:cNvSpPr>
           <p:nvPr>
-            <p:ph idx="2" type="sldImg"/>
+            <p:ph type="sldImg" idx="2"/>
           </p:nvPr>
         </p:nvSpPr>
         <p:spPr>
@@ -304,9 +311,13 @@
             <a:ext cx="6096075" cy="3429000"/>
           </a:xfrm>
           <a:custGeom>
-            <a:rect b="b" l="l" r="r" t="t"/>
+            <a:avLst/>
+            <a:gdLst/>
+            <a:ahLst/>
+            <a:cxnLst/>
+            <a:rect l="l" t="t" r="r" b="b"/>
             <a:pathLst>
-              <a:path extrusionOk="0" h="120000" w="120000">
+              <a:path w="120000" h="120000" extrusionOk="0">
                 <a:moveTo>
                   <a:pt x="0" y="0"/>
                 </a:moveTo>
@@ -324,23 +335,25 @@
             </a:pathLst>
           </a:custGeom>
           <a:noFill/>
-          <a:ln cap="flat" cmpd="sng" w="9525">
+          <a:ln w="9525" cap="flat" cmpd="sng">
             <a:solidFill>
               <a:srgbClr val="000000"/>
             </a:solidFill>
             <a:prstDash val="solid"/>
             <a:round/>
-            <a:headEnd len="sm" w="sm" type="none"/>
-            <a:tailEnd len="sm" w="sm" type="none"/>
+            <a:headEnd type="none" w="sm" len="sm"/>
+            <a:tailEnd type="none" w="sm" len="sm"/>
           </a:ln>
         </p:spPr>
       </p:sp>
       <p:sp>
         <p:nvSpPr>
           <p:cNvPr id="4" name="Google Shape;4;n"/>
-          <p:cNvSpPr txBox="1"/>
+          <p:cNvSpPr txBox="1">
+            <a:spLocks noGrp="1"/>
+          </p:cNvSpPr>
           <p:nvPr>
-            <p:ph idx="1" type="body"/>
+            <p:ph type="body" idx="1"/>
           </p:nvPr>
         </p:nvSpPr>
         <p:spPr>
@@ -357,11 +370,11 @@
           </a:ln>
         </p:spPr>
         <p:txBody>
-          <a:bodyPr anchorCtr="0" anchor="t" bIns="91425" lIns="91425" spcFirstLastPara="1" rIns="91425" wrap="square" tIns="91425">
+          <a:bodyPr spcFirstLastPara="1" wrap="square" lIns="91425" tIns="91425" rIns="91425" bIns="91425" anchor="t" anchorCtr="0">
             <a:noAutofit/>
           </a:bodyPr>
           <a:lstStyle>
-            <a:lvl1pPr indent="-298450" lvl="0" marL="457200">
+            <a:lvl1pPr marL="457200" lvl="0" indent="-298450">
               <a:spcBef>
                 <a:spcPts val="0"/>
               </a:spcBef>
@@ -372,7 +385,7 @@
               <a:buChar char="●"/>
               <a:defRPr sz="1100"/>
             </a:lvl1pPr>
-            <a:lvl2pPr indent="-298450" lvl="1" marL="914400">
+            <a:lvl2pPr marL="914400" lvl="1" indent="-298450">
               <a:spcBef>
                 <a:spcPts val="0"/>
               </a:spcBef>
@@ -383,7 +396,7 @@
               <a:buChar char="○"/>
               <a:defRPr sz="1100"/>
             </a:lvl2pPr>
-            <a:lvl3pPr indent="-298450" lvl="2" marL="1371600">
+            <a:lvl3pPr marL="1371600" lvl="2" indent="-298450">
               <a:spcBef>
                 <a:spcPts val="0"/>
               </a:spcBef>
@@ -394,7 +407,7 @@
               <a:buChar char="■"/>
               <a:defRPr sz="1100"/>
             </a:lvl3pPr>
-            <a:lvl4pPr indent="-298450" lvl="3" marL="1828800">
+            <a:lvl4pPr marL="1828800" lvl="3" indent="-298450">
               <a:spcBef>
                 <a:spcPts val="0"/>
               </a:spcBef>
@@ -405,7 +418,7 @@
               <a:buChar char="●"/>
               <a:defRPr sz="1100"/>
             </a:lvl4pPr>
-            <a:lvl5pPr indent="-298450" lvl="4" marL="2286000">
+            <a:lvl5pPr marL="2286000" lvl="4" indent="-298450">
               <a:spcBef>
                 <a:spcPts val="0"/>
               </a:spcBef>
@@ -416,7 +429,7 @@
               <a:buChar char="○"/>
               <a:defRPr sz="1100"/>
             </a:lvl5pPr>
-            <a:lvl6pPr indent="-298450" lvl="5" marL="2743200">
+            <a:lvl6pPr marL="2743200" lvl="5" indent="-298450">
               <a:spcBef>
                 <a:spcPts val="0"/>
               </a:spcBef>
@@ -427,7 +440,7 @@
               <a:buChar char="■"/>
               <a:defRPr sz="1100"/>
             </a:lvl6pPr>
-            <a:lvl7pPr indent="-298450" lvl="6" marL="3200400">
+            <a:lvl7pPr marL="3200400" lvl="6" indent="-298450">
               <a:spcBef>
                 <a:spcPts val="0"/>
               </a:spcBef>
@@ -438,7 +451,7 @@
               <a:buChar char="●"/>
               <a:defRPr sz="1100"/>
             </a:lvl7pPr>
-            <a:lvl8pPr indent="-298450" lvl="7" marL="3657600">
+            <a:lvl8pPr marL="3657600" lvl="7" indent="-298450">
               <a:spcBef>
                 <a:spcPts val="0"/>
               </a:spcBef>
@@ -449,7 +462,7 @@
               <a:buChar char="○"/>
               <a:defRPr sz="1100"/>
             </a:lvl8pPr>
-            <a:lvl9pPr indent="-298450" lvl="8" marL="4114800">
+            <a:lvl9pPr marL="4114800" lvl="8" indent="-298450">
               <a:spcBef>
                 <a:spcPts val="0"/>
               </a:spcBef>
@@ -461,14 +474,16 @@
               <a:defRPr sz="1100"/>
             </a:lvl9pPr>
           </a:lstStyle>
-          <a:p/>
+          <a:p>
+            <a:endParaRPr/>
+          </a:p>
         </p:txBody>
       </p:sp>
     </p:spTree>
   </p:cSld>
-  <p:clrMap accent1="accent1" accent2="accent2" accent3="accent3" accent4="accent4" accent5="accent5" accent6="accent6" bg1="lt1" bg2="dk2" tx1="dk1" tx2="lt2" folHlink="folHlink" hlink="hlink"/>
+  <p:clrMap bg1="lt1" tx1="dk1" bg2="dk2" tx2="lt2" accent1="accent1" accent2="accent2" accent3="accent3" accent4="accent4" accent5="accent5" accent6="accent6" hlink="hlink" folHlink="folHlink"/>
   <p:notesStyle>
-    <a:defPPr lvl="0" marR="0" rtl="0" algn="l">
+    <a:defPPr marR="0" lvl="0" algn="l" rtl="0">
       <a:lnSpc>
         <a:spcPct val="100000"/>
       </a:lnSpc>
@@ -479,7 +494,7 @@
         <a:spcPts val="0"/>
       </a:spcAft>
     </a:defPPr>
-    <a:lvl1pPr lvl="0" marR="0" rtl="0" algn="l">
+    <a:lvl1pPr marR="0" lvl="0" algn="l" rtl="0">
       <a:lnSpc>
         <a:spcPct val="100000"/>
       </a:lnSpc>
@@ -493,7 +508,7 @@
         <a:srgbClr val="000000"/>
       </a:buClr>
       <a:buFont typeface="Arial"/>
-      <a:defRPr b="0" i="0" sz="1400" u="none" cap="none" strike="noStrike">
+      <a:defRPr sz="1400" b="0" i="0" u="none" strike="noStrike" cap="none">
         <a:solidFill>
           <a:srgbClr val="000000"/>
         </a:solidFill>
@@ -503,7 +518,7 @@
         <a:sym typeface="Arial"/>
       </a:defRPr>
     </a:lvl1pPr>
-    <a:lvl2pPr lvl="1" marR="0" rtl="0" algn="l">
+    <a:lvl2pPr marR="0" lvl="1" algn="l" rtl="0">
       <a:lnSpc>
         <a:spcPct val="100000"/>
       </a:lnSpc>
@@ -517,7 +532,7 @@
         <a:srgbClr val="000000"/>
       </a:buClr>
       <a:buFont typeface="Arial"/>
-      <a:defRPr b="0" i="0" sz="1400" u="none" cap="none" strike="noStrike">
+      <a:defRPr sz="1400" b="0" i="0" u="none" strike="noStrike" cap="none">
         <a:solidFill>
           <a:srgbClr val="000000"/>
         </a:solidFill>
@@ -527,7 +542,7 @@
         <a:sym typeface="Arial"/>
       </a:defRPr>
     </a:lvl2pPr>
-    <a:lvl3pPr lvl="2" marR="0" rtl="0" algn="l">
+    <a:lvl3pPr marR="0" lvl="2" algn="l" rtl="0">
       <a:lnSpc>
         <a:spcPct val="100000"/>
       </a:lnSpc>
@@ -541,7 +556,7 @@
         <a:srgbClr val="000000"/>
       </a:buClr>
       <a:buFont typeface="Arial"/>
-      <a:defRPr b="0" i="0" sz="1400" u="none" cap="none" strike="noStrike">
+      <a:defRPr sz="1400" b="0" i="0" u="none" strike="noStrike" cap="none">
         <a:solidFill>
           <a:srgbClr val="000000"/>
         </a:solidFill>
@@ -551,7 +566,7 @@
         <a:sym typeface="Arial"/>
       </a:defRPr>
     </a:lvl3pPr>
-    <a:lvl4pPr lvl="3" marR="0" rtl="0" algn="l">
+    <a:lvl4pPr marR="0" lvl="3" algn="l" rtl="0">
       <a:lnSpc>
         <a:spcPct val="100000"/>
       </a:lnSpc>
@@ -565,7 +580,7 @@
         <a:srgbClr val="000000"/>
       </a:buClr>
       <a:buFont typeface="Arial"/>
-      <a:defRPr b="0" i="0" sz="1400" u="none" cap="none" strike="noStrike">
+      <a:defRPr sz="1400" b="0" i="0" u="none" strike="noStrike" cap="none">
         <a:solidFill>
           <a:srgbClr val="000000"/>
         </a:solidFill>
@@ -575,7 +590,7 @@
         <a:sym typeface="Arial"/>
       </a:defRPr>
     </a:lvl4pPr>
-    <a:lvl5pPr lvl="4" marR="0" rtl="0" algn="l">
+    <a:lvl5pPr marR="0" lvl="4" algn="l" rtl="0">
       <a:lnSpc>
         <a:spcPct val="100000"/>
       </a:lnSpc>
@@ -589,7 +604,7 @@
         <a:srgbClr val="000000"/>
       </a:buClr>
       <a:buFont typeface="Arial"/>
-      <a:defRPr b="0" i="0" sz="1400" u="none" cap="none" strike="noStrike">
+      <a:defRPr sz="1400" b="0" i="0" u="none" strike="noStrike" cap="none">
         <a:solidFill>
           <a:srgbClr val="000000"/>
         </a:solidFill>
@@ -599,7 +614,7 @@
         <a:sym typeface="Arial"/>
       </a:defRPr>
     </a:lvl5pPr>
-    <a:lvl6pPr lvl="5" marR="0" rtl="0" algn="l">
+    <a:lvl6pPr marR="0" lvl="5" algn="l" rtl="0">
       <a:lnSpc>
         <a:spcPct val="100000"/>
       </a:lnSpc>
@@ -613,7 +628,7 @@
         <a:srgbClr val="000000"/>
       </a:buClr>
       <a:buFont typeface="Arial"/>
-      <a:defRPr b="0" i="0" sz="1400" u="none" cap="none" strike="noStrike">
+      <a:defRPr sz="1400" b="0" i="0" u="none" strike="noStrike" cap="none">
         <a:solidFill>
           <a:srgbClr val="000000"/>
         </a:solidFill>
@@ -623,7 +638,7 @@
         <a:sym typeface="Arial"/>
       </a:defRPr>
     </a:lvl6pPr>
-    <a:lvl7pPr lvl="6" marR="0" rtl="0" algn="l">
+    <a:lvl7pPr marR="0" lvl="6" algn="l" rtl="0">
       <a:lnSpc>
         <a:spcPct val="100000"/>
       </a:lnSpc>
@@ -637,7 +652,7 @@
         <a:srgbClr val="000000"/>
       </a:buClr>
       <a:buFont typeface="Arial"/>
-      <a:defRPr b="0" i="0" sz="1400" u="none" cap="none" strike="noStrike">
+      <a:defRPr sz="1400" b="0" i="0" u="none" strike="noStrike" cap="none">
         <a:solidFill>
           <a:srgbClr val="000000"/>
         </a:solidFill>
@@ -647,7 +662,7 @@
         <a:sym typeface="Arial"/>
       </a:defRPr>
     </a:lvl7pPr>
-    <a:lvl8pPr lvl="7" marR="0" rtl="0" algn="l">
+    <a:lvl8pPr marR="0" lvl="7" algn="l" rtl="0">
       <a:lnSpc>
         <a:spcPct val="100000"/>
       </a:lnSpc>
@@ -661,7 +676,7 @@
         <a:srgbClr val="000000"/>
       </a:buClr>
       <a:buFont typeface="Arial"/>
-      <a:defRPr b="0" i="0" sz="1400" u="none" cap="none" strike="noStrike">
+      <a:defRPr sz="1400" b="0" i="0" u="none" strike="noStrike" cap="none">
         <a:solidFill>
           <a:srgbClr val="000000"/>
         </a:solidFill>
@@ -671,7 +686,7 @@
         <a:sym typeface="Arial"/>
       </a:defRPr>
     </a:lvl8pPr>
-    <a:lvl9pPr lvl="8" marR="0" rtl="0" algn="l">
+    <a:lvl9pPr marR="0" lvl="8" algn="l" rtl="0">
       <a:lnSpc>
         <a:spcPct val="100000"/>
       </a:lnSpc>
@@ -685,7 +700,7 @@
         <a:srgbClr val="000000"/>
       </a:buClr>
       <a:buFont typeface="Arial"/>
-      <a:defRPr b="0" i="0" sz="1400" u="none" cap="none" strike="noStrike">
+      <a:defRPr sz="1400" b="0" i="0" u="none" strike="noStrike" cap="none">
         <a:solidFill>
           <a:srgbClr val="000000"/>
         </a:solidFill>
@@ -700,11 +715,11 @@
 </file>
 
 <file path=ppt/notesSlides/notesSlide1.xml><?xml version="1.0" encoding="utf-8"?>
-<p:notes xmlns:a="http://schemas.openxmlformats.org/drawingml/2006/main" xmlns:r="http://schemas.openxmlformats.org/officeDocument/2006/relationships" xmlns:mc="http://schemas.openxmlformats.org/markup-compatibility/2006" xmlns:mv="urn:schemas-microsoft-com:mac:vml" xmlns:p="http://schemas.openxmlformats.org/presentationml/2006/main" xmlns:c="http://schemas.openxmlformats.org/drawingml/2006/chart" xmlns:dgm="http://schemas.openxmlformats.org/drawingml/2006/diagram" xmlns:o="urn:schemas-microsoft-com:office:office" xmlns:v="urn:schemas-microsoft-com:vml" xmlns:pvml="urn:schemas-microsoft-com:office:powerpoint" xmlns:com="http://schemas.openxmlformats.org/drawingml/2006/compatibility" xmlns:p14="http://schemas.microsoft.com/office/powerpoint/2010/main" xmlns:p15="http://schemas.microsoft.com/office/powerpoint/2012/main" xmlns:ahyp="http://schemas.microsoft.com/office/drawing/2018/hyperlinkcolor" showMasterPhAnim="0" showMasterSp="0">
+<p:notes xmlns:a="http://schemas.openxmlformats.org/drawingml/2006/main" xmlns:r="http://schemas.openxmlformats.org/officeDocument/2006/relationships" xmlns:p="http://schemas.openxmlformats.org/presentationml/2006/main" showMasterSp="0" showMasterPhAnim="0">
   <p:cSld>
     <p:spTree>
       <p:nvGrpSpPr>
-        <p:cNvPr id="50" name="Shape 50"/>
+        <p:cNvPr id="1" name="Shape 50"/>
         <p:cNvGrpSpPr/>
         <p:nvPr/>
       </p:nvGrpSpPr>
@@ -719,9 +734,11 @@
       <p:sp>
         <p:nvSpPr>
           <p:cNvPr id="51" name="Google Shape;51;p:notes"/>
-          <p:cNvSpPr/>
+          <p:cNvSpPr>
+            <a:spLocks noGrp="1" noRot="1" noChangeAspect="1"/>
+          </p:cNvSpPr>
           <p:nvPr>
-            <p:ph idx="2" type="sldImg"/>
+            <p:ph type="sldImg" idx="2"/>
           </p:nvPr>
         </p:nvSpPr>
         <p:spPr>
@@ -730,9 +747,13 @@
             <a:ext cx="6096075" cy="3429000"/>
           </a:xfrm>
           <a:custGeom>
-            <a:rect b="b" l="l" r="r" t="t"/>
+            <a:avLst/>
+            <a:gdLst/>
+            <a:ahLst/>
+            <a:cxnLst/>
+            <a:rect l="l" t="t" r="r" b="b"/>
             <a:pathLst>
-              <a:path extrusionOk="0" h="120000" w="120000">
+              <a:path w="120000" h="120000" extrusionOk="0">
                 <a:moveTo>
                   <a:pt x="0" y="0"/>
                 </a:moveTo>
@@ -754,9 +775,11 @@
       <p:sp>
         <p:nvSpPr>
           <p:cNvPr id="52" name="Google Shape;52;p:notes"/>
-          <p:cNvSpPr txBox="1"/>
+          <p:cNvSpPr txBox="1">
+            <a:spLocks noGrp="1"/>
+          </p:cNvSpPr>
           <p:nvPr>
-            <p:ph idx="1" type="body"/>
+            <p:ph type="body" idx="1"/>
           </p:nvPr>
         </p:nvSpPr>
         <p:spPr>
@@ -769,12 +792,12 @@
           </a:prstGeom>
         </p:spPr>
         <p:txBody>
-          <a:bodyPr anchorCtr="0" anchor="t" bIns="91425" lIns="91425" spcFirstLastPara="1" rIns="91425" wrap="square" tIns="91425">
+          <a:bodyPr spcFirstLastPara="1" wrap="square" lIns="91425" tIns="91425" rIns="91425" bIns="91425" anchor="t" anchorCtr="0">
             <a:noAutofit/>
           </a:bodyPr>
           <a:lstStyle/>
           <a:p>
-            <a:pPr indent="0" lvl="0" marL="0" rtl="0" algn="l">
+            <a:pPr marL="0" lvl="0" indent="0" algn="l" rtl="0">
               <a:spcBef>
                 <a:spcPts val="0"/>
               </a:spcBef>
@@ -783,9 +806,6 @@
               </a:spcAft>
               <a:buNone/>
             </a:pPr>
-            <a:r>
-              <a:t/>
-            </a:r>
             <a:endParaRPr/>
           </a:p>
         </p:txBody>
@@ -799,11 +819,11 @@
 </file>
 
 <file path=ppt/notesSlides/notesSlide2.xml><?xml version="1.0" encoding="utf-8"?>
-<p:notes xmlns:a="http://schemas.openxmlformats.org/drawingml/2006/main" xmlns:r="http://schemas.openxmlformats.org/officeDocument/2006/relationships" xmlns:mc="http://schemas.openxmlformats.org/markup-compatibility/2006" xmlns:mv="urn:schemas-microsoft-com:mac:vml" xmlns:p="http://schemas.openxmlformats.org/presentationml/2006/main" xmlns:c="http://schemas.openxmlformats.org/drawingml/2006/chart" xmlns:dgm="http://schemas.openxmlformats.org/drawingml/2006/diagram" xmlns:o="urn:schemas-microsoft-com:office:office" xmlns:v="urn:schemas-microsoft-com:vml" xmlns:pvml="urn:schemas-microsoft-com:office:powerpoint" xmlns:com="http://schemas.openxmlformats.org/drawingml/2006/compatibility" xmlns:p14="http://schemas.microsoft.com/office/powerpoint/2010/main" xmlns:p15="http://schemas.microsoft.com/office/powerpoint/2012/main" xmlns:ahyp="http://schemas.microsoft.com/office/drawing/2018/hyperlinkcolor" showMasterPhAnim="0" showMasterSp="0">
+<p:notes xmlns:a="http://schemas.openxmlformats.org/drawingml/2006/main" xmlns:r="http://schemas.openxmlformats.org/officeDocument/2006/relationships" xmlns:p="http://schemas.openxmlformats.org/presentationml/2006/main" showMasterSp="0" showMasterPhAnim="0">
   <p:cSld>
     <p:spTree>
       <p:nvGrpSpPr>
-        <p:cNvPr id="56" name="Shape 56"/>
+        <p:cNvPr id="1" name="Shape 56"/>
         <p:cNvGrpSpPr/>
         <p:nvPr/>
       </p:nvGrpSpPr>
@@ -818,20 +838,26 @@
       <p:sp>
         <p:nvSpPr>
           <p:cNvPr id="57" name="Google Shape;57;g2e0345e8a2e_0_0:notes"/>
-          <p:cNvSpPr/>
+          <p:cNvSpPr>
+            <a:spLocks noGrp="1" noRot="1" noChangeAspect="1"/>
+          </p:cNvSpPr>
           <p:nvPr>
-            <p:ph idx="2" type="sldImg"/>
+            <p:ph type="sldImg" idx="2"/>
           </p:nvPr>
         </p:nvSpPr>
         <p:spPr>
           <a:xfrm>
-            <a:off x="381300" y="685800"/>
+            <a:off x="381000" y="685800"/>
             <a:ext cx="6096000" cy="3429000"/>
           </a:xfrm>
           <a:custGeom>
-            <a:rect b="b" l="l" r="r" t="t"/>
+            <a:avLst/>
+            <a:gdLst/>
+            <a:ahLst/>
+            <a:cxnLst/>
+            <a:rect l="l" t="t" r="r" b="b"/>
             <a:pathLst>
-              <a:path extrusionOk="0" h="120000" w="120000">
+              <a:path w="120000" h="120000" extrusionOk="0">
                 <a:moveTo>
                   <a:pt x="0" y="0"/>
                 </a:moveTo>
@@ -853,9 +879,11 @@
       <p:sp>
         <p:nvSpPr>
           <p:cNvPr id="58" name="Google Shape;58;g2e0345e8a2e_0_0:notes"/>
-          <p:cNvSpPr txBox="1"/>
+          <p:cNvSpPr txBox="1">
+            <a:spLocks noGrp="1"/>
+          </p:cNvSpPr>
           <p:nvPr>
-            <p:ph idx="1" type="body"/>
+            <p:ph type="body" idx="1"/>
           </p:nvPr>
         </p:nvSpPr>
         <p:spPr>
@@ -868,12 +896,12 @@
           </a:prstGeom>
         </p:spPr>
         <p:txBody>
-          <a:bodyPr anchorCtr="0" anchor="t" bIns="91425" lIns="91425" spcFirstLastPara="1" rIns="91425" wrap="square" tIns="91425">
+          <a:bodyPr spcFirstLastPara="1" wrap="square" lIns="91425" tIns="91425" rIns="91425" bIns="91425" anchor="t" anchorCtr="0">
             <a:noAutofit/>
           </a:bodyPr>
           <a:lstStyle/>
           <a:p>
-            <a:pPr indent="0" lvl="0" marL="0" rtl="0" algn="l">
+            <a:pPr marL="0" lvl="0" indent="0" algn="l" rtl="0">
               <a:spcBef>
                 <a:spcPts val="0"/>
               </a:spcBef>
@@ -882,9 +910,6 @@
               </a:spcAft>
               <a:buNone/>
             </a:pPr>
-            <a:r>
-              <a:t/>
-            </a:r>
             <a:endParaRPr/>
           </a:p>
         </p:txBody>
@@ -898,11 +923,11 @@
 </file>
 
 <file path=ppt/notesSlides/notesSlide3.xml><?xml version="1.0" encoding="utf-8"?>
-<p:notes xmlns:a="http://schemas.openxmlformats.org/drawingml/2006/main" xmlns:r="http://schemas.openxmlformats.org/officeDocument/2006/relationships" xmlns:mc="http://schemas.openxmlformats.org/markup-compatibility/2006" xmlns:mv="urn:schemas-microsoft-com:mac:vml" xmlns:p="http://schemas.openxmlformats.org/presentationml/2006/main" xmlns:c="http://schemas.openxmlformats.org/drawingml/2006/chart" xmlns:dgm="http://schemas.openxmlformats.org/drawingml/2006/diagram" xmlns:o="urn:schemas-microsoft-com:office:office" xmlns:v="urn:schemas-microsoft-com:vml" xmlns:pvml="urn:schemas-microsoft-com:office:powerpoint" xmlns:com="http://schemas.openxmlformats.org/drawingml/2006/compatibility" xmlns:p14="http://schemas.microsoft.com/office/powerpoint/2010/main" xmlns:p15="http://schemas.microsoft.com/office/powerpoint/2012/main" xmlns:ahyp="http://schemas.microsoft.com/office/drawing/2018/hyperlinkcolor" showMasterPhAnim="0" showMasterSp="0">
+<p:notes xmlns:a="http://schemas.openxmlformats.org/drawingml/2006/main" xmlns:r="http://schemas.openxmlformats.org/officeDocument/2006/relationships" xmlns:p="http://schemas.openxmlformats.org/presentationml/2006/main" showMasterSp="0" showMasterPhAnim="0">
   <p:cSld>
     <p:spTree>
       <p:nvGrpSpPr>
-        <p:cNvPr id="63" name="Shape 63"/>
+        <p:cNvPr id="1" name="Shape 63"/>
         <p:cNvGrpSpPr/>
         <p:nvPr/>
       </p:nvGrpSpPr>
@@ -917,20 +942,26 @@
       <p:sp>
         <p:nvSpPr>
           <p:cNvPr id="64" name="Google Shape;64;g2e0345e8ad2_0_0:notes"/>
-          <p:cNvSpPr/>
+          <p:cNvSpPr>
+            <a:spLocks noGrp="1" noRot="1" noChangeAspect="1"/>
+          </p:cNvSpPr>
           <p:nvPr>
-            <p:ph idx="2" type="sldImg"/>
+            <p:ph type="sldImg" idx="2"/>
           </p:nvPr>
         </p:nvSpPr>
         <p:spPr>
           <a:xfrm>
-            <a:off x="381300" y="685800"/>
+            <a:off x="381000" y="685800"/>
             <a:ext cx="6096000" cy="3429000"/>
           </a:xfrm>
           <a:custGeom>
-            <a:rect b="b" l="l" r="r" t="t"/>
+            <a:avLst/>
+            <a:gdLst/>
+            <a:ahLst/>
+            <a:cxnLst/>
+            <a:rect l="l" t="t" r="r" b="b"/>
             <a:pathLst>
-              <a:path extrusionOk="0" h="120000" w="120000">
+              <a:path w="120000" h="120000" extrusionOk="0">
                 <a:moveTo>
                   <a:pt x="0" y="0"/>
                 </a:moveTo>
@@ -952,9 +983,11 @@
       <p:sp>
         <p:nvSpPr>
           <p:cNvPr id="65" name="Google Shape;65;g2e0345e8ad2_0_0:notes"/>
-          <p:cNvSpPr txBox="1"/>
+          <p:cNvSpPr txBox="1">
+            <a:spLocks noGrp="1"/>
+          </p:cNvSpPr>
           <p:nvPr>
-            <p:ph idx="1" type="body"/>
+            <p:ph type="body" idx="1"/>
           </p:nvPr>
         </p:nvSpPr>
         <p:spPr>
@@ -967,12 +1000,12 @@
           </a:prstGeom>
         </p:spPr>
         <p:txBody>
-          <a:bodyPr anchorCtr="0" anchor="t" bIns="91425" lIns="91425" spcFirstLastPara="1" rIns="91425" wrap="square" tIns="91425">
+          <a:bodyPr spcFirstLastPara="1" wrap="square" lIns="91425" tIns="91425" rIns="91425" bIns="91425" anchor="t" anchorCtr="0">
             <a:noAutofit/>
           </a:bodyPr>
           <a:lstStyle/>
           <a:p>
-            <a:pPr indent="0" lvl="0" marL="0" rtl="0" algn="l">
+            <a:pPr marL="0" lvl="0" indent="0" algn="l" rtl="0">
               <a:spcBef>
                 <a:spcPts val="0"/>
               </a:spcBef>
@@ -981,9 +1014,6 @@
               </a:spcAft>
               <a:buNone/>
             </a:pPr>
-            <a:r>
-              <a:t/>
-            </a:r>
             <a:endParaRPr/>
           </a:p>
         </p:txBody>
@@ -997,11 +1027,11 @@
 </file>
 
 <file path=ppt/notesSlides/notesSlide4.xml><?xml version="1.0" encoding="utf-8"?>
-<p:notes xmlns:a="http://schemas.openxmlformats.org/drawingml/2006/main" xmlns:r="http://schemas.openxmlformats.org/officeDocument/2006/relationships" xmlns:mc="http://schemas.openxmlformats.org/markup-compatibility/2006" xmlns:mv="urn:schemas-microsoft-com:mac:vml" xmlns:p="http://schemas.openxmlformats.org/presentationml/2006/main" xmlns:c="http://schemas.openxmlformats.org/drawingml/2006/chart" xmlns:dgm="http://schemas.openxmlformats.org/drawingml/2006/diagram" xmlns:o="urn:schemas-microsoft-com:office:office" xmlns:v="urn:schemas-microsoft-com:vml" xmlns:pvml="urn:schemas-microsoft-com:office:powerpoint" xmlns:com="http://schemas.openxmlformats.org/drawingml/2006/compatibility" xmlns:p14="http://schemas.microsoft.com/office/powerpoint/2010/main" xmlns:p15="http://schemas.microsoft.com/office/powerpoint/2012/main" xmlns:ahyp="http://schemas.microsoft.com/office/drawing/2018/hyperlinkcolor" showMasterPhAnim="0" showMasterSp="0">
+<p:notes xmlns:a="http://schemas.openxmlformats.org/drawingml/2006/main" xmlns:r="http://schemas.openxmlformats.org/officeDocument/2006/relationships" xmlns:p="http://schemas.openxmlformats.org/presentationml/2006/main" showMasterSp="0" showMasterPhAnim="0">
   <p:cSld>
     <p:spTree>
       <p:nvGrpSpPr>
-        <p:cNvPr id="69" name="Shape 69"/>
+        <p:cNvPr id="1" name="Shape 69"/>
         <p:cNvGrpSpPr/>
         <p:nvPr/>
       </p:nvGrpSpPr>
@@ -1016,9 +1046,11 @@
       <p:sp>
         <p:nvSpPr>
           <p:cNvPr id="70" name="Google Shape;70;g2e0345e8ad2_0_8:notes"/>
-          <p:cNvSpPr/>
+          <p:cNvSpPr>
+            <a:spLocks noGrp="1" noRot="1" noChangeAspect="1"/>
+          </p:cNvSpPr>
           <p:nvPr>
-            <p:ph idx="2" type="sldImg"/>
+            <p:ph type="sldImg" idx="2"/>
           </p:nvPr>
         </p:nvSpPr>
         <p:spPr>
@@ -1027,9 +1059,13 @@
             <a:ext cx="6096000" cy="3429000"/>
           </a:xfrm>
           <a:custGeom>
-            <a:rect b="b" l="l" r="r" t="t"/>
+            <a:avLst/>
+            <a:gdLst/>
+            <a:ahLst/>
+            <a:cxnLst/>
+            <a:rect l="l" t="t" r="r" b="b"/>
             <a:pathLst>
-              <a:path extrusionOk="0" h="120000" w="120000">
+              <a:path w="120000" h="120000" extrusionOk="0">
                 <a:moveTo>
                   <a:pt x="0" y="0"/>
                 </a:moveTo>
@@ -1051,9 +1087,11 @@
       <p:sp>
         <p:nvSpPr>
           <p:cNvPr id="71" name="Google Shape;71;g2e0345e8ad2_0_8:notes"/>
-          <p:cNvSpPr txBox="1"/>
+          <p:cNvSpPr txBox="1">
+            <a:spLocks noGrp="1"/>
+          </p:cNvSpPr>
           <p:nvPr>
-            <p:ph idx="1" type="body"/>
+            <p:ph type="body" idx="1"/>
           </p:nvPr>
         </p:nvSpPr>
         <p:spPr>
@@ -1066,12 +1104,12 @@
           </a:prstGeom>
         </p:spPr>
         <p:txBody>
-          <a:bodyPr anchorCtr="0" anchor="t" bIns="91425" lIns="91425" spcFirstLastPara="1" rIns="91425" wrap="square" tIns="91425">
+          <a:bodyPr spcFirstLastPara="1" wrap="square" lIns="91425" tIns="91425" rIns="91425" bIns="91425" anchor="t" anchorCtr="0">
             <a:noAutofit/>
           </a:bodyPr>
           <a:lstStyle/>
           <a:p>
-            <a:pPr indent="0" lvl="0" marL="0" rtl="0" algn="l">
+            <a:pPr marL="0" lvl="0" indent="0" algn="l" rtl="0">
               <a:spcBef>
                 <a:spcPts val="0"/>
               </a:spcBef>
@@ -1080,9 +1118,6 @@
               </a:spcAft>
               <a:buNone/>
             </a:pPr>
-            <a:r>
-              <a:t/>
-            </a:r>
             <a:endParaRPr/>
           </a:p>
         </p:txBody>
@@ -1096,11 +1131,11 @@
 </file>
 
 <file path=ppt/notesSlides/notesSlide5.xml><?xml version="1.0" encoding="utf-8"?>
-<p:notes xmlns:a="http://schemas.openxmlformats.org/drawingml/2006/main" xmlns:r="http://schemas.openxmlformats.org/officeDocument/2006/relationships" xmlns:mc="http://schemas.openxmlformats.org/markup-compatibility/2006" xmlns:mv="urn:schemas-microsoft-com:mac:vml" xmlns:p="http://schemas.openxmlformats.org/presentationml/2006/main" xmlns:c="http://schemas.openxmlformats.org/drawingml/2006/chart" xmlns:dgm="http://schemas.openxmlformats.org/drawingml/2006/diagram" xmlns:o="urn:schemas-microsoft-com:office:office" xmlns:v="urn:schemas-microsoft-com:vml" xmlns:pvml="urn:schemas-microsoft-com:office:powerpoint" xmlns:com="http://schemas.openxmlformats.org/drawingml/2006/compatibility" xmlns:p14="http://schemas.microsoft.com/office/powerpoint/2010/main" xmlns:p15="http://schemas.microsoft.com/office/powerpoint/2012/main" xmlns:ahyp="http://schemas.microsoft.com/office/drawing/2018/hyperlinkcolor" showMasterPhAnim="0" showMasterSp="0">
+<p:notes xmlns:a="http://schemas.openxmlformats.org/drawingml/2006/main" xmlns:r="http://schemas.openxmlformats.org/officeDocument/2006/relationships" xmlns:p="http://schemas.openxmlformats.org/presentationml/2006/main" showMasterSp="0" showMasterPhAnim="0">
   <p:cSld>
     <p:spTree>
       <p:nvGrpSpPr>
-        <p:cNvPr id="76" name="Shape 76"/>
+        <p:cNvPr id="1" name="Shape 76"/>
         <p:cNvGrpSpPr/>
         <p:nvPr/>
       </p:nvGrpSpPr>
@@ -1115,9 +1150,11 @@
       <p:sp>
         <p:nvSpPr>
           <p:cNvPr id="77" name="Google Shape;77;g2e0345e8ad2_0_15:notes"/>
-          <p:cNvSpPr/>
+          <p:cNvSpPr>
+            <a:spLocks noGrp="1" noRot="1" noChangeAspect="1"/>
+          </p:cNvSpPr>
           <p:nvPr>
-            <p:ph idx="2" type="sldImg"/>
+            <p:ph type="sldImg" idx="2"/>
           </p:nvPr>
         </p:nvSpPr>
         <p:spPr>
@@ -1126,9 +1163,13 @@
             <a:ext cx="6096000" cy="3429000"/>
           </a:xfrm>
           <a:custGeom>
-            <a:rect b="b" l="l" r="r" t="t"/>
+            <a:avLst/>
+            <a:gdLst/>
+            <a:ahLst/>
+            <a:cxnLst/>
+            <a:rect l="l" t="t" r="r" b="b"/>
             <a:pathLst>
-              <a:path extrusionOk="0" h="120000" w="120000">
+              <a:path w="120000" h="120000" extrusionOk="0">
                 <a:moveTo>
                   <a:pt x="0" y="0"/>
                 </a:moveTo>
@@ -1150,9 +1191,11 @@
       <p:sp>
         <p:nvSpPr>
           <p:cNvPr id="78" name="Google Shape;78;g2e0345e8ad2_0_15:notes"/>
-          <p:cNvSpPr txBox="1"/>
+          <p:cNvSpPr txBox="1">
+            <a:spLocks noGrp="1"/>
+          </p:cNvSpPr>
           <p:nvPr>
-            <p:ph idx="1" type="body"/>
+            <p:ph type="body" idx="1"/>
           </p:nvPr>
         </p:nvSpPr>
         <p:spPr>
@@ -1165,12 +1208,12 @@
           </a:prstGeom>
         </p:spPr>
         <p:txBody>
-          <a:bodyPr anchorCtr="0" anchor="t" bIns="91425" lIns="91425" spcFirstLastPara="1" rIns="91425" wrap="square" tIns="91425">
+          <a:bodyPr spcFirstLastPara="1" wrap="square" lIns="91425" tIns="91425" rIns="91425" bIns="91425" anchor="t" anchorCtr="0">
             <a:noAutofit/>
           </a:bodyPr>
           <a:lstStyle/>
           <a:p>
-            <a:pPr indent="0" lvl="0" marL="0" rtl="0" algn="l">
+            <a:pPr marL="0" lvl="0" indent="0" algn="l" rtl="0">
               <a:spcBef>
                 <a:spcPts val="0"/>
               </a:spcBef>
@@ -1179,9 +1222,6 @@
               </a:spcAft>
               <a:buNone/>
             </a:pPr>
-            <a:r>
-              <a:t/>
-            </a:r>
             <a:endParaRPr/>
           </a:p>
         </p:txBody>
@@ -1195,11 +1235,11 @@
 </file>
 
 <file path=ppt/slideLayouts/slideLayout1.xml><?xml version="1.0" encoding="utf-8"?>
-<p:sldLayout xmlns:a="http://schemas.openxmlformats.org/drawingml/2006/main" xmlns:r="http://schemas.openxmlformats.org/officeDocument/2006/relationships" xmlns:mc="http://schemas.openxmlformats.org/markup-compatibility/2006" xmlns:mv="urn:schemas-microsoft-com:mac:vml" xmlns:p="http://schemas.openxmlformats.org/presentationml/2006/main" xmlns:c="http://schemas.openxmlformats.org/drawingml/2006/chart" xmlns:dgm="http://schemas.openxmlformats.org/drawingml/2006/diagram" xmlns:o="urn:schemas-microsoft-com:office:office" xmlns:v="urn:schemas-microsoft-com:vml" xmlns:pvml="urn:schemas-microsoft-com:office:powerpoint" xmlns:com="http://schemas.openxmlformats.org/drawingml/2006/compatibility" xmlns:p14="http://schemas.microsoft.com/office/powerpoint/2010/main" xmlns:p15="http://schemas.microsoft.com/office/powerpoint/2012/main" xmlns:ahyp="http://schemas.microsoft.com/office/drawing/2018/hyperlinkcolor" matchingName="Title slide" type="title">
+<p:sldLayout xmlns:a="http://schemas.openxmlformats.org/drawingml/2006/main" xmlns:r="http://schemas.openxmlformats.org/officeDocument/2006/relationships" xmlns:p="http://schemas.openxmlformats.org/presentationml/2006/main" matchingName="Title slide" type="title">
   <p:cSld name="TITLE">
     <p:spTree>
       <p:nvGrpSpPr>
-        <p:cNvPr id="9" name="Shape 9"/>
+        <p:cNvPr id="1" name="Shape 9"/>
         <p:cNvGrpSpPr/>
         <p:nvPr/>
       </p:nvGrpSpPr>
@@ -1214,7 +1254,9 @@
       <p:sp>
         <p:nvSpPr>
           <p:cNvPr id="10" name="Google Shape;10;p2"/>
-          <p:cNvSpPr txBox="1"/>
+          <p:cNvSpPr txBox="1">
+            <a:spLocks noGrp="1"/>
+          </p:cNvSpPr>
           <p:nvPr>
             <p:ph type="ctrTitle"/>
           </p:nvPr>
@@ -1229,7 +1271,7 @@
           </a:prstGeom>
         </p:spPr>
         <p:txBody>
-          <a:bodyPr anchorCtr="0" anchor="b" bIns="91425" lIns="91425" spcFirstLastPara="1" rIns="91425" wrap="square" tIns="91425">
+          <a:bodyPr spcFirstLastPara="1" wrap="square" lIns="91425" tIns="91425" rIns="91425" bIns="91425" anchor="b" anchorCtr="0">
             <a:normAutofit/>
           </a:bodyPr>
           <a:lstStyle>
@@ -1333,15 +1375,19 @@
               <a:defRPr sz="5200"/>
             </a:lvl9pPr>
           </a:lstStyle>
-          <a:p/>
+          <a:p>
+            <a:endParaRPr/>
+          </a:p>
         </p:txBody>
       </p:sp>
       <p:sp>
         <p:nvSpPr>
           <p:cNvPr id="11" name="Google Shape;11;p2"/>
-          <p:cNvSpPr txBox="1"/>
+          <p:cNvSpPr txBox="1">
+            <a:spLocks noGrp="1"/>
+          </p:cNvSpPr>
           <p:nvPr>
-            <p:ph idx="1" type="subTitle"/>
+            <p:ph type="subTitle" idx="1"/>
           </p:nvPr>
         </p:nvSpPr>
         <p:spPr>
@@ -1354,7 +1400,7 @@
           </a:prstGeom>
         </p:spPr>
         <p:txBody>
-          <a:bodyPr anchorCtr="0" anchor="t" bIns="91425" lIns="91425" spcFirstLastPara="1" rIns="91425" wrap="square" tIns="91425">
+          <a:bodyPr spcFirstLastPara="1" wrap="square" lIns="91425" tIns="91425" rIns="91425" bIns="91425" anchor="t" anchorCtr="0">
             <a:normAutofit/>
           </a:bodyPr>
           <a:lstStyle>
@@ -1485,15 +1531,19 @@
               <a:defRPr sz="2800"/>
             </a:lvl9pPr>
           </a:lstStyle>
-          <a:p/>
+          <a:p>
+            <a:endParaRPr/>
+          </a:p>
         </p:txBody>
       </p:sp>
       <p:sp>
         <p:nvSpPr>
           <p:cNvPr id="12" name="Google Shape;12;p2"/>
-          <p:cNvSpPr txBox="1"/>
+          <p:cNvSpPr txBox="1">
+            <a:spLocks noGrp="1"/>
+          </p:cNvSpPr>
           <p:nvPr>
-            <p:ph idx="12" type="sldNum"/>
+            <p:ph type="sldNum" idx="12"/>
           </p:nvPr>
         </p:nvSpPr>
         <p:spPr>
@@ -1506,7 +1556,7 @@
           </a:prstGeom>
         </p:spPr>
         <p:txBody>
-          <a:bodyPr anchorCtr="0" anchor="ctr" bIns="91425" lIns="91425" spcFirstLastPara="1" rIns="91425" wrap="square" tIns="91425">
+          <a:bodyPr spcFirstLastPara="1" wrap="square" lIns="91425" tIns="91425" rIns="91425" bIns="91425" anchor="ctr" anchorCtr="0">
             <a:normAutofit/>
           </a:bodyPr>
           <a:lstStyle>
@@ -1548,7 +1598,7 @@
             </a:lvl9pPr>
           </a:lstStyle>
           <a:p>
-            <a:pPr indent="0" lvl="0" marL="0" rtl="0" algn="r">
+            <a:pPr marL="0" lvl="0" indent="0" algn="r" rtl="0">
               <a:spcBef>
                 <a:spcPts val="0"/>
               </a:spcBef>
@@ -1574,11 +1624,11 @@
 </file>
 
 <file path=ppt/slideLayouts/slideLayout10.xml><?xml version="1.0" encoding="utf-8"?>
-<p:sldLayout xmlns:a="http://schemas.openxmlformats.org/drawingml/2006/main" xmlns:r="http://schemas.openxmlformats.org/officeDocument/2006/relationships" xmlns:mc="http://schemas.openxmlformats.org/markup-compatibility/2006" xmlns:mv="urn:schemas-microsoft-com:mac:vml" xmlns:p="http://schemas.openxmlformats.org/presentationml/2006/main" xmlns:c="http://schemas.openxmlformats.org/drawingml/2006/chart" xmlns:dgm="http://schemas.openxmlformats.org/drawingml/2006/diagram" xmlns:o="urn:schemas-microsoft-com:office:office" xmlns:v="urn:schemas-microsoft-com:vml" xmlns:pvml="urn:schemas-microsoft-com:office:powerpoint" xmlns:com="http://schemas.openxmlformats.org/drawingml/2006/compatibility" xmlns:p14="http://schemas.microsoft.com/office/powerpoint/2010/main" xmlns:p15="http://schemas.microsoft.com/office/powerpoint/2012/main" xmlns:ahyp="http://schemas.microsoft.com/office/drawing/2018/hyperlinkcolor" matchingName="Big number">
+<p:sldLayout xmlns:a="http://schemas.openxmlformats.org/drawingml/2006/main" xmlns:r="http://schemas.openxmlformats.org/officeDocument/2006/relationships" xmlns:p="http://schemas.openxmlformats.org/presentationml/2006/main" matchingName="Big number">
   <p:cSld name="BIG_NUMBER">
     <p:spTree>
       <p:nvGrpSpPr>
-        <p:cNvPr id="44" name="Shape 44"/>
+        <p:cNvPr id="1" name="Shape 44"/>
         <p:cNvGrpSpPr/>
         <p:nvPr/>
       </p:nvGrpSpPr>
@@ -1593,9 +1643,11 @@
       <p:sp>
         <p:nvSpPr>
           <p:cNvPr id="45" name="Google Shape;45;p11"/>
-          <p:cNvSpPr txBox="1"/>
+          <p:cNvSpPr txBox="1">
+            <a:spLocks noGrp="1"/>
+          </p:cNvSpPr>
           <p:nvPr>
-            <p:ph hasCustomPrompt="1" type="title"/>
+            <p:ph type="title" hasCustomPrompt="1"/>
           </p:nvPr>
         </p:nvSpPr>
         <p:spPr>
@@ -1608,7 +1660,7 @@
           </a:prstGeom>
         </p:spPr>
         <p:txBody>
-          <a:bodyPr anchorCtr="0" anchor="b" bIns="91425" lIns="91425" spcFirstLastPara="1" rIns="91425" wrap="square" tIns="91425">
+          <a:bodyPr spcFirstLastPara="1" wrap="square" lIns="91425" tIns="91425" rIns="91425" bIns="91425" anchor="b" anchorCtr="0">
             <a:normAutofit/>
           </a:bodyPr>
           <a:lstStyle>
@@ -1722,9 +1774,11 @@
       <p:sp>
         <p:nvSpPr>
           <p:cNvPr id="46" name="Google Shape;46;p11"/>
-          <p:cNvSpPr txBox="1"/>
+          <p:cNvSpPr txBox="1">
+            <a:spLocks noGrp="1"/>
+          </p:cNvSpPr>
           <p:nvPr>
-            <p:ph idx="1" type="body"/>
+            <p:ph type="body" idx="1"/>
           </p:nvPr>
         </p:nvSpPr>
         <p:spPr>
@@ -1737,11 +1791,11 @@
           </a:prstGeom>
         </p:spPr>
         <p:txBody>
-          <a:bodyPr anchorCtr="0" anchor="t" bIns="91425" lIns="91425" spcFirstLastPara="1" rIns="91425" wrap="square" tIns="91425">
+          <a:bodyPr spcFirstLastPara="1" wrap="square" lIns="91425" tIns="91425" rIns="91425" bIns="91425" anchor="t" anchorCtr="0">
             <a:normAutofit/>
           </a:bodyPr>
           <a:lstStyle>
-            <a:lvl1pPr indent="-342900" lvl="0" marL="457200" algn="ctr">
+            <a:lvl1pPr marL="457200" lvl="0" indent="-342900" algn="ctr">
               <a:spcBef>
                 <a:spcPts val="0"/>
               </a:spcBef>
@@ -1752,7 +1806,7 @@
               <a:buChar char="●"/>
               <a:defRPr/>
             </a:lvl1pPr>
-            <a:lvl2pPr indent="-317500" lvl="1" marL="914400" algn="ctr">
+            <a:lvl2pPr marL="914400" lvl="1" indent="-317500" algn="ctr">
               <a:spcBef>
                 <a:spcPts val="0"/>
               </a:spcBef>
@@ -1763,7 +1817,7 @@
               <a:buChar char="○"/>
               <a:defRPr/>
             </a:lvl2pPr>
-            <a:lvl3pPr indent="-317500" lvl="2" marL="1371600" algn="ctr">
+            <a:lvl3pPr marL="1371600" lvl="2" indent="-317500" algn="ctr">
               <a:spcBef>
                 <a:spcPts val="0"/>
               </a:spcBef>
@@ -1774,7 +1828,7 @@
               <a:buChar char="■"/>
               <a:defRPr/>
             </a:lvl3pPr>
-            <a:lvl4pPr indent="-317500" lvl="3" marL="1828800" algn="ctr">
+            <a:lvl4pPr marL="1828800" lvl="3" indent="-317500" algn="ctr">
               <a:spcBef>
                 <a:spcPts val="0"/>
               </a:spcBef>
@@ -1785,7 +1839,7 @@
               <a:buChar char="●"/>
               <a:defRPr/>
             </a:lvl4pPr>
-            <a:lvl5pPr indent="-317500" lvl="4" marL="2286000" algn="ctr">
+            <a:lvl5pPr marL="2286000" lvl="4" indent="-317500" algn="ctr">
               <a:spcBef>
                 <a:spcPts val="0"/>
               </a:spcBef>
@@ -1796,7 +1850,7 @@
               <a:buChar char="○"/>
               <a:defRPr/>
             </a:lvl5pPr>
-            <a:lvl6pPr indent="-317500" lvl="5" marL="2743200" algn="ctr">
+            <a:lvl6pPr marL="2743200" lvl="5" indent="-317500" algn="ctr">
               <a:spcBef>
                 <a:spcPts val="0"/>
               </a:spcBef>
@@ -1807,7 +1861,7 @@
               <a:buChar char="■"/>
               <a:defRPr/>
             </a:lvl6pPr>
-            <a:lvl7pPr indent="-317500" lvl="6" marL="3200400" algn="ctr">
+            <a:lvl7pPr marL="3200400" lvl="6" indent="-317500" algn="ctr">
               <a:spcBef>
                 <a:spcPts val="0"/>
               </a:spcBef>
@@ -1818,7 +1872,7 @@
               <a:buChar char="●"/>
               <a:defRPr/>
             </a:lvl7pPr>
-            <a:lvl8pPr indent="-317500" lvl="7" marL="3657600" algn="ctr">
+            <a:lvl8pPr marL="3657600" lvl="7" indent="-317500" algn="ctr">
               <a:spcBef>
                 <a:spcPts val="0"/>
               </a:spcBef>
@@ -1829,7 +1883,7 @@
               <a:buChar char="○"/>
               <a:defRPr/>
             </a:lvl8pPr>
-            <a:lvl9pPr indent="-317500" lvl="8" marL="4114800" algn="ctr">
+            <a:lvl9pPr marL="4114800" lvl="8" indent="-317500" algn="ctr">
               <a:spcBef>
                 <a:spcPts val="0"/>
               </a:spcBef>
@@ -1841,15 +1895,19 @@
               <a:defRPr/>
             </a:lvl9pPr>
           </a:lstStyle>
-          <a:p/>
+          <a:p>
+            <a:endParaRPr/>
+          </a:p>
         </p:txBody>
       </p:sp>
       <p:sp>
         <p:nvSpPr>
           <p:cNvPr id="47" name="Google Shape;47;p11"/>
-          <p:cNvSpPr txBox="1"/>
+          <p:cNvSpPr txBox="1">
+            <a:spLocks noGrp="1"/>
+          </p:cNvSpPr>
           <p:nvPr>
-            <p:ph idx="12" type="sldNum"/>
+            <p:ph type="sldNum" idx="12"/>
           </p:nvPr>
         </p:nvSpPr>
         <p:spPr>
@@ -1862,7 +1920,7 @@
           </a:prstGeom>
         </p:spPr>
         <p:txBody>
-          <a:bodyPr anchorCtr="0" anchor="ctr" bIns="91425" lIns="91425" spcFirstLastPara="1" rIns="91425" wrap="square" tIns="91425">
+          <a:bodyPr spcFirstLastPara="1" wrap="square" lIns="91425" tIns="91425" rIns="91425" bIns="91425" anchor="ctr" anchorCtr="0">
             <a:normAutofit/>
           </a:bodyPr>
           <a:lstStyle>
@@ -1904,7 +1962,7 @@
             </a:lvl9pPr>
           </a:lstStyle>
           <a:p>
-            <a:pPr indent="0" lvl="0" marL="0" rtl="0" algn="r">
+            <a:pPr marL="0" lvl="0" indent="0" algn="r" rtl="0">
               <a:spcBef>
                 <a:spcPts val="0"/>
               </a:spcBef>
@@ -1930,11 +1988,11 @@
 </file>
 
 <file path=ppt/slideLayouts/slideLayout11.xml><?xml version="1.0" encoding="utf-8"?>
-<p:sldLayout xmlns:a="http://schemas.openxmlformats.org/drawingml/2006/main" xmlns:r="http://schemas.openxmlformats.org/officeDocument/2006/relationships" xmlns:mc="http://schemas.openxmlformats.org/markup-compatibility/2006" xmlns:mv="urn:schemas-microsoft-com:mac:vml" xmlns:p="http://schemas.openxmlformats.org/presentationml/2006/main" xmlns:c="http://schemas.openxmlformats.org/drawingml/2006/chart" xmlns:dgm="http://schemas.openxmlformats.org/drawingml/2006/diagram" xmlns:o="urn:schemas-microsoft-com:office:office" xmlns:v="urn:schemas-microsoft-com:vml" xmlns:pvml="urn:schemas-microsoft-com:office:powerpoint" xmlns:com="http://schemas.openxmlformats.org/drawingml/2006/compatibility" xmlns:p14="http://schemas.microsoft.com/office/powerpoint/2010/main" xmlns:p15="http://schemas.microsoft.com/office/powerpoint/2012/main" xmlns:ahyp="http://schemas.microsoft.com/office/drawing/2018/hyperlinkcolor" matchingName="Blank" type="blank">
+<p:sldLayout xmlns:a="http://schemas.openxmlformats.org/drawingml/2006/main" xmlns:r="http://schemas.openxmlformats.org/officeDocument/2006/relationships" xmlns:p="http://schemas.openxmlformats.org/presentationml/2006/main" matchingName="Blank" type="blank">
   <p:cSld name="BLANK">
     <p:spTree>
       <p:nvGrpSpPr>
-        <p:cNvPr id="48" name="Shape 48"/>
+        <p:cNvPr id="1" name="Shape 48"/>
         <p:cNvGrpSpPr/>
         <p:nvPr/>
       </p:nvGrpSpPr>
@@ -1949,9 +2007,11 @@
       <p:sp>
         <p:nvSpPr>
           <p:cNvPr id="49" name="Google Shape;49;p12"/>
-          <p:cNvSpPr txBox="1"/>
+          <p:cNvSpPr txBox="1">
+            <a:spLocks noGrp="1"/>
+          </p:cNvSpPr>
           <p:nvPr>
-            <p:ph idx="12" type="sldNum"/>
+            <p:ph type="sldNum" idx="12"/>
           </p:nvPr>
         </p:nvSpPr>
         <p:spPr>
@@ -1964,7 +2024,7 @@
           </a:prstGeom>
         </p:spPr>
         <p:txBody>
-          <a:bodyPr anchorCtr="0" anchor="ctr" bIns="91425" lIns="91425" spcFirstLastPara="1" rIns="91425" wrap="square" tIns="91425">
+          <a:bodyPr spcFirstLastPara="1" wrap="square" lIns="91425" tIns="91425" rIns="91425" bIns="91425" anchor="ctr" anchorCtr="0">
             <a:normAutofit/>
           </a:bodyPr>
           <a:lstStyle>
@@ -2006,7 +2066,7 @@
             </a:lvl9pPr>
           </a:lstStyle>
           <a:p>
-            <a:pPr indent="0" lvl="0" marL="0" rtl="0" algn="r">
+            <a:pPr marL="0" lvl="0" indent="0" algn="r" rtl="0">
               <a:spcBef>
                 <a:spcPts val="0"/>
               </a:spcBef>
@@ -2032,11 +2092,11 @@
 </file>
 
 <file path=ppt/slideLayouts/slideLayout2.xml><?xml version="1.0" encoding="utf-8"?>
-<p:sldLayout xmlns:a="http://schemas.openxmlformats.org/drawingml/2006/main" xmlns:r="http://schemas.openxmlformats.org/officeDocument/2006/relationships" xmlns:mc="http://schemas.openxmlformats.org/markup-compatibility/2006" xmlns:mv="urn:schemas-microsoft-com:mac:vml" xmlns:p="http://schemas.openxmlformats.org/presentationml/2006/main" xmlns:c="http://schemas.openxmlformats.org/drawingml/2006/chart" xmlns:dgm="http://schemas.openxmlformats.org/drawingml/2006/diagram" xmlns:o="urn:schemas-microsoft-com:office:office" xmlns:v="urn:schemas-microsoft-com:vml" xmlns:pvml="urn:schemas-microsoft-com:office:powerpoint" xmlns:com="http://schemas.openxmlformats.org/drawingml/2006/compatibility" xmlns:p14="http://schemas.microsoft.com/office/powerpoint/2010/main" xmlns:p15="http://schemas.microsoft.com/office/powerpoint/2012/main" xmlns:ahyp="http://schemas.microsoft.com/office/drawing/2018/hyperlinkcolor" matchingName="Section header" type="secHead">
+<p:sldLayout xmlns:a="http://schemas.openxmlformats.org/drawingml/2006/main" xmlns:r="http://schemas.openxmlformats.org/officeDocument/2006/relationships" xmlns:p="http://schemas.openxmlformats.org/presentationml/2006/main" matchingName="Section header" type="secHead">
   <p:cSld name="SECTION_HEADER">
     <p:spTree>
       <p:nvGrpSpPr>
-        <p:cNvPr id="13" name="Shape 13"/>
+        <p:cNvPr id="1" name="Shape 13"/>
         <p:cNvGrpSpPr/>
         <p:nvPr/>
       </p:nvGrpSpPr>
@@ -2051,7 +2111,9 @@
       <p:sp>
         <p:nvSpPr>
           <p:cNvPr id="14" name="Google Shape;14;p3"/>
-          <p:cNvSpPr txBox="1"/>
+          <p:cNvSpPr txBox="1">
+            <a:spLocks noGrp="1"/>
+          </p:cNvSpPr>
           <p:nvPr>
             <p:ph type="title"/>
           </p:nvPr>
@@ -2066,7 +2128,7 @@
           </a:prstGeom>
         </p:spPr>
         <p:txBody>
-          <a:bodyPr anchorCtr="0" anchor="ctr" bIns="91425" lIns="91425" spcFirstLastPara="1" rIns="91425" wrap="square" tIns="91425">
+          <a:bodyPr spcFirstLastPara="1" wrap="square" lIns="91425" tIns="91425" rIns="91425" bIns="91425" anchor="ctr" anchorCtr="0">
             <a:normAutofit/>
           </a:bodyPr>
           <a:lstStyle>
@@ -2170,15 +2232,19 @@
               <a:defRPr sz="3600"/>
             </a:lvl9pPr>
           </a:lstStyle>
-          <a:p/>
+          <a:p>
+            <a:endParaRPr/>
+          </a:p>
         </p:txBody>
       </p:sp>
       <p:sp>
         <p:nvSpPr>
           <p:cNvPr id="15" name="Google Shape;15;p3"/>
-          <p:cNvSpPr txBox="1"/>
+          <p:cNvSpPr txBox="1">
+            <a:spLocks noGrp="1"/>
+          </p:cNvSpPr>
           <p:nvPr>
-            <p:ph idx="12" type="sldNum"/>
+            <p:ph type="sldNum" idx="12"/>
           </p:nvPr>
         </p:nvSpPr>
         <p:spPr>
@@ -2191,7 +2257,7 @@
           </a:prstGeom>
         </p:spPr>
         <p:txBody>
-          <a:bodyPr anchorCtr="0" anchor="ctr" bIns="91425" lIns="91425" spcFirstLastPara="1" rIns="91425" wrap="square" tIns="91425">
+          <a:bodyPr spcFirstLastPara="1" wrap="square" lIns="91425" tIns="91425" rIns="91425" bIns="91425" anchor="ctr" anchorCtr="0">
             <a:normAutofit/>
           </a:bodyPr>
           <a:lstStyle>
@@ -2233,7 +2299,7 @@
             </a:lvl9pPr>
           </a:lstStyle>
           <a:p>
-            <a:pPr indent="0" lvl="0" marL="0" rtl="0" algn="r">
+            <a:pPr marL="0" lvl="0" indent="0" algn="r" rtl="0">
               <a:spcBef>
                 <a:spcPts val="0"/>
               </a:spcBef>
@@ -2259,11 +2325,11 @@
 </file>
 
 <file path=ppt/slideLayouts/slideLayout3.xml><?xml version="1.0" encoding="utf-8"?>
-<p:sldLayout xmlns:a="http://schemas.openxmlformats.org/drawingml/2006/main" xmlns:r="http://schemas.openxmlformats.org/officeDocument/2006/relationships" xmlns:mc="http://schemas.openxmlformats.org/markup-compatibility/2006" xmlns:mv="urn:schemas-microsoft-com:mac:vml" xmlns:p="http://schemas.openxmlformats.org/presentationml/2006/main" xmlns:c="http://schemas.openxmlformats.org/drawingml/2006/chart" xmlns:dgm="http://schemas.openxmlformats.org/drawingml/2006/diagram" xmlns:o="urn:schemas-microsoft-com:office:office" xmlns:v="urn:schemas-microsoft-com:vml" xmlns:pvml="urn:schemas-microsoft-com:office:powerpoint" xmlns:com="http://schemas.openxmlformats.org/drawingml/2006/compatibility" xmlns:p14="http://schemas.microsoft.com/office/powerpoint/2010/main" xmlns:p15="http://schemas.microsoft.com/office/powerpoint/2012/main" xmlns:ahyp="http://schemas.microsoft.com/office/drawing/2018/hyperlinkcolor" matchingName="Title and body" type="tx">
+<p:sldLayout xmlns:a="http://schemas.openxmlformats.org/drawingml/2006/main" xmlns:r="http://schemas.openxmlformats.org/officeDocument/2006/relationships" xmlns:p="http://schemas.openxmlformats.org/presentationml/2006/main" matchingName="Title and body" type="tx">
   <p:cSld name="TITLE_AND_BODY">
     <p:spTree>
       <p:nvGrpSpPr>
-        <p:cNvPr id="16" name="Shape 16"/>
+        <p:cNvPr id="1" name="Shape 16"/>
         <p:cNvGrpSpPr/>
         <p:nvPr/>
       </p:nvGrpSpPr>
@@ -2278,7 +2344,9 @@
       <p:sp>
         <p:nvSpPr>
           <p:cNvPr id="17" name="Google Shape;17;p4"/>
-          <p:cNvSpPr txBox="1"/>
+          <p:cNvSpPr txBox="1">
+            <a:spLocks noGrp="1"/>
+          </p:cNvSpPr>
           <p:nvPr>
             <p:ph type="title"/>
           </p:nvPr>
@@ -2293,7 +2361,7 @@
           </a:prstGeom>
         </p:spPr>
         <p:txBody>
-          <a:bodyPr anchorCtr="0" anchor="t" bIns="91425" lIns="91425" spcFirstLastPara="1" rIns="91425" wrap="square" tIns="91425">
+          <a:bodyPr spcFirstLastPara="1" wrap="square" lIns="91425" tIns="91425" rIns="91425" bIns="91425" anchor="t" anchorCtr="0">
             <a:normAutofit/>
           </a:bodyPr>
           <a:lstStyle>
@@ -2397,15 +2465,19 @@
               <a:defRPr/>
             </a:lvl9pPr>
           </a:lstStyle>
-          <a:p/>
+          <a:p>
+            <a:endParaRPr/>
+          </a:p>
         </p:txBody>
       </p:sp>
       <p:sp>
         <p:nvSpPr>
           <p:cNvPr id="18" name="Google Shape;18;p4"/>
-          <p:cNvSpPr txBox="1"/>
+          <p:cNvSpPr txBox="1">
+            <a:spLocks noGrp="1"/>
+          </p:cNvSpPr>
           <p:nvPr>
-            <p:ph idx="1" type="body"/>
+            <p:ph type="body" idx="1"/>
           </p:nvPr>
         </p:nvSpPr>
         <p:spPr>
@@ -2418,11 +2490,11 @@
           </a:prstGeom>
         </p:spPr>
         <p:txBody>
-          <a:bodyPr anchorCtr="0" anchor="t" bIns="91425" lIns="91425" spcFirstLastPara="1" rIns="91425" wrap="square" tIns="91425">
+          <a:bodyPr spcFirstLastPara="1" wrap="square" lIns="91425" tIns="91425" rIns="91425" bIns="91425" anchor="t" anchorCtr="0">
             <a:normAutofit/>
           </a:bodyPr>
           <a:lstStyle>
-            <a:lvl1pPr indent="-342900" lvl="0" marL="457200">
+            <a:lvl1pPr marL="457200" lvl="0" indent="-342900">
               <a:spcBef>
                 <a:spcPts val="0"/>
               </a:spcBef>
@@ -2433,7 +2505,7 @@
               <a:buChar char="●"/>
               <a:defRPr/>
             </a:lvl1pPr>
-            <a:lvl2pPr indent="-317500" lvl="1" marL="914400">
+            <a:lvl2pPr marL="914400" lvl="1" indent="-317500">
               <a:spcBef>
                 <a:spcPts val="0"/>
               </a:spcBef>
@@ -2444,7 +2516,7 @@
               <a:buChar char="○"/>
               <a:defRPr/>
             </a:lvl2pPr>
-            <a:lvl3pPr indent="-317500" lvl="2" marL="1371600">
+            <a:lvl3pPr marL="1371600" lvl="2" indent="-317500">
               <a:spcBef>
                 <a:spcPts val="0"/>
               </a:spcBef>
@@ -2455,7 +2527,7 @@
               <a:buChar char="■"/>
               <a:defRPr/>
             </a:lvl3pPr>
-            <a:lvl4pPr indent="-317500" lvl="3" marL="1828800">
+            <a:lvl4pPr marL="1828800" lvl="3" indent="-317500">
               <a:spcBef>
                 <a:spcPts val="0"/>
               </a:spcBef>
@@ -2466,7 +2538,7 @@
               <a:buChar char="●"/>
               <a:defRPr/>
             </a:lvl4pPr>
-            <a:lvl5pPr indent="-317500" lvl="4" marL="2286000">
+            <a:lvl5pPr marL="2286000" lvl="4" indent="-317500">
               <a:spcBef>
                 <a:spcPts val="0"/>
               </a:spcBef>
@@ -2477,7 +2549,7 @@
               <a:buChar char="○"/>
               <a:defRPr/>
             </a:lvl5pPr>
-            <a:lvl6pPr indent="-317500" lvl="5" marL="2743200">
+            <a:lvl6pPr marL="2743200" lvl="5" indent="-317500">
               <a:spcBef>
                 <a:spcPts val="0"/>
               </a:spcBef>
@@ -2488,7 +2560,7 @@
               <a:buChar char="■"/>
               <a:defRPr/>
             </a:lvl6pPr>
-            <a:lvl7pPr indent="-317500" lvl="6" marL="3200400">
+            <a:lvl7pPr marL="3200400" lvl="6" indent="-317500">
               <a:spcBef>
                 <a:spcPts val="0"/>
               </a:spcBef>
@@ -2499,7 +2571,7 @@
               <a:buChar char="●"/>
               <a:defRPr/>
             </a:lvl7pPr>
-            <a:lvl8pPr indent="-317500" lvl="7" marL="3657600">
+            <a:lvl8pPr marL="3657600" lvl="7" indent="-317500">
               <a:spcBef>
                 <a:spcPts val="0"/>
               </a:spcBef>
@@ -2510,7 +2582,7 @@
               <a:buChar char="○"/>
               <a:defRPr/>
             </a:lvl8pPr>
-            <a:lvl9pPr indent="-317500" lvl="8" marL="4114800">
+            <a:lvl9pPr marL="4114800" lvl="8" indent="-317500">
               <a:spcBef>
                 <a:spcPts val="0"/>
               </a:spcBef>
@@ -2522,15 +2594,19 @@
               <a:defRPr/>
             </a:lvl9pPr>
           </a:lstStyle>
-          <a:p/>
+          <a:p>
+            <a:endParaRPr/>
+          </a:p>
         </p:txBody>
       </p:sp>
       <p:sp>
         <p:nvSpPr>
           <p:cNvPr id="19" name="Google Shape;19;p4"/>
-          <p:cNvSpPr txBox="1"/>
+          <p:cNvSpPr txBox="1">
+            <a:spLocks noGrp="1"/>
+          </p:cNvSpPr>
           <p:nvPr>
-            <p:ph idx="12" type="sldNum"/>
+            <p:ph type="sldNum" idx="12"/>
           </p:nvPr>
         </p:nvSpPr>
         <p:spPr>
@@ -2543,7 +2619,7 @@
           </a:prstGeom>
         </p:spPr>
         <p:txBody>
-          <a:bodyPr anchorCtr="0" anchor="ctr" bIns="91425" lIns="91425" spcFirstLastPara="1" rIns="91425" wrap="square" tIns="91425">
+          <a:bodyPr spcFirstLastPara="1" wrap="square" lIns="91425" tIns="91425" rIns="91425" bIns="91425" anchor="ctr" anchorCtr="0">
             <a:normAutofit/>
           </a:bodyPr>
           <a:lstStyle>
@@ -2585,7 +2661,7 @@
             </a:lvl9pPr>
           </a:lstStyle>
           <a:p>
-            <a:pPr indent="0" lvl="0" marL="0" rtl="0" algn="r">
+            <a:pPr marL="0" lvl="0" indent="0" algn="r" rtl="0">
               <a:spcBef>
                 <a:spcPts val="0"/>
               </a:spcBef>
@@ -2611,11 +2687,11 @@
 </file>
 
 <file path=ppt/slideLayouts/slideLayout4.xml><?xml version="1.0" encoding="utf-8"?>
-<p:sldLayout xmlns:a="http://schemas.openxmlformats.org/drawingml/2006/main" xmlns:r="http://schemas.openxmlformats.org/officeDocument/2006/relationships" xmlns:mc="http://schemas.openxmlformats.org/markup-compatibility/2006" xmlns:mv="urn:schemas-microsoft-com:mac:vml" xmlns:p="http://schemas.openxmlformats.org/presentationml/2006/main" xmlns:c="http://schemas.openxmlformats.org/drawingml/2006/chart" xmlns:dgm="http://schemas.openxmlformats.org/drawingml/2006/diagram" xmlns:o="urn:schemas-microsoft-com:office:office" xmlns:v="urn:schemas-microsoft-com:vml" xmlns:pvml="urn:schemas-microsoft-com:office:powerpoint" xmlns:com="http://schemas.openxmlformats.org/drawingml/2006/compatibility" xmlns:p14="http://schemas.microsoft.com/office/powerpoint/2010/main" xmlns:p15="http://schemas.microsoft.com/office/powerpoint/2012/main" xmlns:ahyp="http://schemas.microsoft.com/office/drawing/2018/hyperlinkcolor" matchingName="Title and two columns" type="twoColTx">
+<p:sldLayout xmlns:a="http://schemas.openxmlformats.org/drawingml/2006/main" xmlns:r="http://schemas.openxmlformats.org/officeDocument/2006/relationships" xmlns:p="http://schemas.openxmlformats.org/presentationml/2006/main" matchingName="Title and two columns" type="twoColTx">
   <p:cSld name="TITLE_AND_TWO_COLUMNS">
     <p:spTree>
       <p:nvGrpSpPr>
-        <p:cNvPr id="20" name="Shape 20"/>
+        <p:cNvPr id="1" name="Shape 20"/>
         <p:cNvGrpSpPr/>
         <p:nvPr/>
       </p:nvGrpSpPr>
@@ -2630,7 +2706,9 @@
       <p:sp>
         <p:nvSpPr>
           <p:cNvPr id="21" name="Google Shape;21;p5"/>
-          <p:cNvSpPr txBox="1"/>
+          <p:cNvSpPr txBox="1">
+            <a:spLocks noGrp="1"/>
+          </p:cNvSpPr>
           <p:nvPr>
             <p:ph type="title"/>
           </p:nvPr>
@@ -2645,7 +2723,7 @@
           </a:prstGeom>
         </p:spPr>
         <p:txBody>
-          <a:bodyPr anchorCtr="0" anchor="t" bIns="91425" lIns="91425" spcFirstLastPara="1" rIns="91425" wrap="square" tIns="91425">
+          <a:bodyPr spcFirstLastPara="1" wrap="square" lIns="91425" tIns="91425" rIns="91425" bIns="91425" anchor="t" anchorCtr="0">
             <a:normAutofit/>
           </a:bodyPr>
           <a:lstStyle>
@@ -2749,15 +2827,19 @@
               <a:defRPr/>
             </a:lvl9pPr>
           </a:lstStyle>
-          <a:p/>
+          <a:p>
+            <a:endParaRPr/>
+          </a:p>
         </p:txBody>
       </p:sp>
       <p:sp>
         <p:nvSpPr>
           <p:cNvPr id="22" name="Google Shape;22;p5"/>
-          <p:cNvSpPr txBox="1"/>
+          <p:cNvSpPr txBox="1">
+            <a:spLocks noGrp="1"/>
+          </p:cNvSpPr>
           <p:nvPr>
-            <p:ph idx="1" type="body"/>
+            <p:ph type="body" idx="1"/>
           </p:nvPr>
         </p:nvSpPr>
         <p:spPr>
@@ -2770,11 +2852,11 @@
           </a:prstGeom>
         </p:spPr>
         <p:txBody>
-          <a:bodyPr anchorCtr="0" anchor="t" bIns="91425" lIns="91425" spcFirstLastPara="1" rIns="91425" wrap="square" tIns="91425">
+          <a:bodyPr spcFirstLastPara="1" wrap="square" lIns="91425" tIns="91425" rIns="91425" bIns="91425" anchor="t" anchorCtr="0">
             <a:normAutofit/>
           </a:bodyPr>
           <a:lstStyle>
-            <a:lvl1pPr indent="-317500" lvl="0" marL="457200">
+            <a:lvl1pPr marL="457200" lvl="0" indent="-317500">
               <a:spcBef>
                 <a:spcPts val="0"/>
               </a:spcBef>
@@ -2785,7 +2867,7 @@
               <a:buChar char="●"/>
               <a:defRPr sz="1400"/>
             </a:lvl1pPr>
-            <a:lvl2pPr indent="-304800" lvl="1" marL="914400">
+            <a:lvl2pPr marL="914400" lvl="1" indent="-304800">
               <a:spcBef>
                 <a:spcPts val="0"/>
               </a:spcBef>
@@ -2796,7 +2878,7 @@
               <a:buChar char="○"/>
               <a:defRPr sz="1200"/>
             </a:lvl2pPr>
-            <a:lvl3pPr indent="-304800" lvl="2" marL="1371600">
+            <a:lvl3pPr marL="1371600" lvl="2" indent="-304800">
               <a:spcBef>
                 <a:spcPts val="0"/>
               </a:spcBef>
@@ -2807,7 +2889,7 @@
               <a:buChar char="■"/>
               <a:defRPr sz="1200"/>
             </a:lvl3pPr>
-            <a:lvl4pPr indent="-304800" lvl="3" marL="1828800">
+            <a:lvl4pPr marL="1828800" lvl="3" indent="-304800">
               <a:spcBef>
                 <a:spcPts val="0"/>
               </a:spcBef>
@@ -2818,7 +2900,7 @@
               <a:buChar char="●"/>
               <a:defRPr sz="1200"/>
             </a:lvl4pPr>
-            <a:lvl5pPr indent="-304800" lvl="4" marL="2286000">
+            <a:lvl5pPr marL="2286000" lvl="4" indent="-304800">
               <a:spcBef>
                 <a:spcPts val="0"/>
               </a:spcBef>
@@ -2829,7 +2911,7 @@
               <a:buChar char="○"/>
               <a:defRPr sz="1200"/>
             </a:lvl5pPr>
-            <a:lvl6pPr indent="-304800" lvl="5" marL="2743200">
+            <a:lvl6pPr marL="2743200" lvl="5" indent="-304800">
               <a:spcBef>
                 <a:spcPts val="0"/>
               </a:spcBef>
@@ -2840,7 +2922,7 @@
               <a:buChar char="■"/>
               <a:defRPr sz="1200"/>
             </a:lvl6pPr>
-            <a:lvl7pPr indent="-304800" lvl="6" marL="3200400">
+            <a:lvl7pPr marL="3200400" lvl="6" indent="-304800">
               <a:spcBef>
                 <a:spcPts val="0"/>
               </a:spcBef>
@@ -2851,7 +2933,7 @@
               <a:buChar char="●"/>
               <a:defRPr sz="1200"/>
             </a:lvl7pPr>
-            <a:lvl8pPr indent="-304800" lvl="7" marL="3657600">
+            <a:lvl8pPr marL="3657600" lvl="7" indent="-304800">
               <a:spcBef>
                 <a:spcPts val="0"/>
               </a:spcBef>
@@ -2862,7 +2944,7 @@
               <a:buChar char="○"/>
               <a:defRPr sz="1200"/>
             </a:lvl8pPr>
-            <a:lvl9pPr indent="-304800" lvl="8" marL="4114800">
+            <a:lvl9pPr marL="4114800" lvl="8" indent="-304800">
               <a:spcBef>
                 <a:spcPts val="0"/>
               </a:spcBef>
@@ -2874,15 +2956,19 @@
               <a:defRPr sz="1200"/>
             </a:lvl9pPr>
           </a:lstStyle>
-          <a:p/>
+          <a:p>
+            <a:endParaRPr/>
+          </a:p>
         </p:txBody>
       </p:sp>
       <p:sp>
         <p:nvSpPr>
           <p:cNvPr id="23" name="Google Shape;23;p5"/>
-          <p:cNvSpPr txBox="1"/>
+          <p:cNvSpPr txBox="1">
+            <a:spLocks noGrp="1"/>
+          </p:cNvSpPr>
           <p:nvPr>
-            <p:ph idx="2" type="body"/>
+            <p:ph type="body" idx="2"/>
           </p:nvPr>
         </p:nvSpPr>
         <p:spPr>
@@ -2895,11 +2981,11 @@
           </a:prstGeom>
         </p:spPr>
         <p:txBody>
-          <a:bodyPr anchorCtr="0" anchor="t" bIns="91425" lIns="91425" spcFirstLastPara="1" rIns="91425" wrap="square" tIns="91425">
+          <a:bodyPr spcFirstLastPara="1" wrap="square" lIns="91425" tIns="91425" rIns="91425" bIns="91425" anchor="t" anchorCtr="0">
             <a:normAutofit/>
           </a:bodyPr>
           <a:lstStyle>
-            <a:lvl1pPr indent="-317500" lvl="0" marL="457200">
+            <a:lvl1pPr marL="457200" lvl="0" indent="-317500">
               <a:spcBef>
                 <a:spcPts val="0"/>
               </a:spcBef>
@@ -2910,7 +2996,7 @@
               <a:buChar char="●"/>
               <a:defRPr sz="1400"/>
             </a:lvl1pPr>
-            <a:lvl2pPr indent="-304800" lvl="1" marL="914400">
+            <a:lvl2pPr marL="914400" lvl="1" indent="-304800">
               <a:spcBef>
                 <a:spcPts val="0"/>
               </a:spcBef>
@@ -2921,7 +3007,7 @@
               <a:buChar char="○"/>
               <a:defRPr sz="1200"/>
             </a:lvl2pPr>
-            <a:lvl3pPr indent="-304800" lvl="2" marL="1371600">
+            <a:lvl3pPr marL="1371600" lvl="2" indent="-304800">
               <a:spcBef>
                 <a:spcPts val="0"/>
               </a:spcBef>
@@ -2932,7 +3018,7 @@
               <a:buChar char="■"/>
               <a:defRPr sz="1200"/>
             </a:lvl3pPr>
-            <a:lvl4pPr indent="-304800" lvl="3" marL="1828800">
+            <a:lvl4pPr marL="1828800" lvl="3" indent="-304800">
               <a:spcBef>
                 <a:spcPts val="0"/>
               </a:spcBef>
@@ -2943,7 +3029,7 @@
               <a:buChar char="●"/>
               <a:defRPr sz="1200"/>
             </a:lvl4pPr>
-            <a:lvl5pPr indent="-304800" lvl="4" marL="2286000">
+            <a:lvl5pPr marL="2286000" lvl="4" indent="-304800">
               <a:spcBef>
                 <a:spcPts val="0"/>
               </a:spcBef>
@@ -2954,7 +3040,7 @@
               <a:buChar char="○"/>
               <a:defRPr sz="1200"/>
             </a:lvl5pPr>
-            <a:lvl6pPr indent="-304800" lvl="5" marL="2743200">
+            <a:lvl6pPr marL="2743200" lvl="5" indent="-304800">
               <a:spcBef>
                 <a:spcPts val="0"/>
               </a:spcBef>
@@ -2965,7 +3051,7 @@
               <a:buChar char="■"/>
               <a:defRPr sz="1200"/>
             </a:lvl6pPr>
-            <a:lvl7pPr indent="-304800" lvl="6" marL="3200400">
+            <a:lvl7pPr marL="3200400" lvl="6" indent="-304800">
               <a:spcBef>
                 <a:spcPts val="0"/>
               </a:spcBef>
@@ -2976,7 +3062,7 @@
               <a:buChar char="●"/>
               <a:defRPr sz="1200"/>
             </a:lvl7pPr>
-            <a:lvl8pPr indent="-304800" lvl="7" marL="3657600">
+            <a:lvl8pPr marL="3657600" lvl="7" indent="-304800">
               <a:spcBef>
                 <a:spcPts val="0"/>
               </a:spcBef>
@@ -2987,7 +3073,7 @@
               <a:buChar char="○"/>
               <a:defRPr sz="1200"/>
             </a:lvl8pPr>
-            <a:lvl9pPr indent="-304800" lvl="8" marL="4114800">
+            <a:lvl9pPr marL="4114800" lvl="8" indent="-304800">
               <a:spcBef>
                 <a:spcPts val="0"/>
               </a:spcBef>
@@ -2999,15 +3085,19 @@
               <a:defRPr sz="1200"/>
             </a:lvl9pPr>
           </a:lstStyle>
-          <a:p/>
+          <a:p>
+            <a:endParaRPr/>
+          </a:p>
         </p:txBody>
       </p:sp>
       <p:sp>
         <p:nvSpPr>
           <p:cNvPr id="24" name="Google Shape;24;p5"/>
-          <p:cNvSpPr txBox="1"/>
+          <p:cNvSpPr txBox="1">
+            <a:spLocks noGrp="1"/>
+          </p:cNvSpPr>
           <p:nvPr>
-            <p:ph idx="12" type="sldNum"/>
+            <p:ph type="sldNum" idx="12"/>
           </p:nvPr>
         </p:nvSpPr>
         <p:spPr>
@@ -3020,7 +3110,7 @@
           </a:prstGeom>
         </p:spPr>
         <p:txBody>
-          <a:bodyPr anchorCtr="0" anchor="ctr" bIns="91425" lIns="91425" spcFirstLastPara="1" rIns="91425" wrap="square" tIns="91425">
+          <a:bodyPr spcFirstLastPara="1" wrap="square" lIns="91425" tIns="91425" rIns="91425" bIns="91425" anchor="ctr" anchorCtr="0">
             <a:normAutofit/>
           </a:bodyPr>
           <a:lstStyle>
@@ -3062,7 +3152,7 @@
             </a:lvl9pPr>
           </a:lstStyle>
           <a:p>
-            <a:pPr indent="0" lvl="0" marL="0" rtl="0" algn="r">
+            <a:pPr marL="0" lvl="0" indent="0" algn="r" rtl="0">
               <a:spcBef>
                 <a:spcPts val="0"/>
               </a:spcBef>
@@ -3088,11 +3178,11 @@
 </file>
 
 <file path=ppt/slideLayouts/slideLayout5.xml><?xml version="1.0" encoding="utf-8"?>
-<p:sldLayout xmlns:a="http://schemas.openxmlformats.org/drawingml/2006/main" xmlns:r="http://schemas.openxmlformats.org/officeDocument/2006/relationships" xmlns:mc="http://schemas.openxmlformats.org/markup-compatibility/2006" xmlns:mv="urn:schemas-microsoft-com:mac:vml" xmlns:p="http://schemas.openxmlformats.org/presentationml/2006/main" xmlns:c="http://schemas.openxmlformats.org/drawingml/2006/chart" xmlns:dgm="http://schemas.openxmlformats.org/drawingml/2006/diagram" xmlns:o="urn:schemas-microsoft-com:office:office" xmlns:v="urn:schemas-microsoft-com:vml" xmlns:pvml="urn:schemas-microsoft-com:office:powerpoint" xmlns:com="http://schemas.openxmlformats.org/drawingml/2006/compatibility" xmlns:p14="http://schemas.microsoft.com/office/powerpoint/2010/main" xmlns:p15="http://schemas.microsoft.com/office/powerpoint/2012/main" xmlns:ahyp="http://schemas.microsoft.com/office/drawing/2018/hyperlinkcolor" matchingName="Title only" type="titleOnly">
+<p:sldLayout xmlns:a="http://schemas.openxmlformats.org/drawingml/2006/main" xmlns:r="http://schemas.openxmlformats.org/officeDocument/2006/relationships" xmlns:p="http://schemas.openxmlformats.org/presentationml/2006/main" matchingName="Title only" type="titleOnly">
   <p:cSld name="TITLE_ONLY">
     <p:spTree>
       <p:nvGrpSpPr>
-        <p:cNvPr id="25" name="Shape 25"/>
+        <p:cNvPr id="1" name="Shape 25"/>
         <p:cNvGrpSpPr/>
         <p:nvPr/>
       </p:nvGrpSpPr>
@@ -3107,7 +3197,9 @@
       <p:sp>
         <p:nvSpPr>
           <p:cNvPr id="26" name="Google Shape;26;p6"/>
-          <p:cNvSpPr txBox="1"/>
+          <p:cNvSpPr txBox="1">
+            <a:spLocks noGrp="1"/>
+          </p:cNvSpPr>
           <p:nvPr>
             <p:ph type="title"/>
           </p:nvPr>
@@ -3122,7 +3214,7 @@
           </a:prstGeom>
         </p:spPr>
         <p:txBody>
-          <a:bodyPr anchorCtr="0" anchor="t" bIns="91425" lIns="91425" spcFirstLastPara="1" rIns="91425" wrap="square" tIns="91425">
+          <a:bodyPr spcFirstLastPara="1" wrap="square" lIns="91425" tIns="91425" rIns="91425" bIns="91425" anchor="t" anchorCtr="0">
             <a:normAutofit/>
           </a:bodyPr>
           <a:lstStyle>
@@ -3226,15 +3318,19 @@
               <a:defRPr/>
             </a:lvl9pPr>
           </a:lstStyle>
-          <a:p/>
+          <a:p>
+            <a:endParaRPr/>
+          </a:p>
         </p:txBody>
       </p:sp>
       <p:sp>
         <p:nvSpPr>
           <p:cNvPr id="27" name="Google Shape;27;p6"/>
-          <p:cNvSpPr txBox="1"/>
+          <p:cNvSpPr txBox="1">
+            <a:spLocks noGrp="1"/>
+          </p:cNvSpPr>
           <p:nvPr>
-            <p:ph idx="12" type="sldNum"/>
+            <p:ph type="sldNum" idx="12"/>
           </p:nvPr>
         </p:nvSpPr>
         <p:spPr>
@@ -3247,7 +3343,7 @@
           </a:prstGeom>
         </p:spPr>
         <p:txBody>
-          <a:bodyPr anchorCtr="0" anchor="ctr" bIns="91425" lIns="91425" spcFirstLastPara="1" rIns="91425" wrap="square" tIns="91425">
+          <a:bodyPr spcFirstLastPara="1" wrap="square" lIns="91425" tIns="91425" rIns="91425" bIns="91425" anchor="ctr" anchorCtr="0">
             <a:normAutofit/>
           </a:bodyPr>
           <a:lstStyle>
@@ -3289,7 +3385,7 @@
             </a:lvl9pPr>
           </a:lstStyle>
           <a:p>
-            <a:pPr indent="0" lvl="0" marL="0" rtl="0" algn="r">
+            <a:pPr marL="0" lvl="0" indent="0" algn="r" rtl="0">
               <a:spcBef>
                 <a:spcPts val="0"/>
               </a:spcBef>
@@ -3315,11 +3411,11 @@
 </file>
 
 <file path=ppt/slideLayouts/slideLayout6.xml><?xml version="1.0" encoding="utf-8"?>
-<p:sldLayout xmlns:a="http://schemas.openxmlformats.org/drawingml/2006/main" xmlns:r="http://schemas.openxmlformats.org/officeDocument/2006/relationships" xmlns:mc="http://schemas.openxmlformats.org/markup-compatibility/2006" xmlns:mv="urn:schemas-microsoft-com:mac:vml" xmlns:p="http://schemas.openxmlformats.org/presentationml/2006/main" xmlns:c="http://schemas.openxmlformats.org/drawingml/2006/chart" xmlns:dgm="http://schemas.openxmlformats.org/drawingml/2006/diagram" xmlns:o="urn:schemas-microsoft-com:office:office" xmlns:v="urn:schemas-microsoft-com:vml" xmlns:pvml="urn:schemas-microsoft-com:office:powerpoint" xmlns:com="http://schemas.openxmlformats.org/drawingml/2006/compatibility" xmlns:p14="http://schemas.microsoft.com/office/powerpoint/2010/main" xmlns:p15="http://schemas.microsoft.com/office/powerpoint/2012/main" xmlns:ahyp="http://schemas.microsoft.com/office/drawing/2018/hyperlinkcolor" matchingName="One column text">
+<p:sldLayout xmlns:a="http://schemas.openxmlformats.org/drawingml/2006/main" xmlns:r="http://schemas.openxmlformats.org/officeDocument/2006/relationships" xmlns:p="http://schemas.openxmlformats.org/presentationml/2006/main" matchingName="One column text">
   <p:cSld name="ONE_COLUMN_TEXT">
     <p:spTree>
       <p:nvGrpSpPr>
-        <p:cNvPr id="28" name="Shape 28"/>
+        <p:cNvPr id="1" name="Shape 28"/>
         <p:cNvGrpSpPr/>
         <p:nvPr/>
       </p:nvGrpSpPr>
@@ -3334,7 +3430,9 @@
       <p:sp>
         <p:nvSpPr>
           <p:cNvPr id="29" name="Google Shape;29;p7"/>
-          <p:cNvSpPr txBox="1"/>
+          <p:cNvSpPr txBox="1">
+            <a:spLocks noGrp="1"/>
+          </p:cNvSpPr>
           <p:nvPr>
             <p:ph type="title"/>
           </p:nvPr>
@@ -3349,7 +3447,7 @@
           </a:prstGeom>
         </p:spPr>
         <p:txBody>
-          <a:bodyPr anchorCtr="0" anchor="b" bIns="91425" lIns="91425" spcFirstLastPara="1" rIns="91425" wrap="square" tIns="91425">
+          <a:bodyPr spcFirstLastPara="1" wrap="square" lIns="91425" tIns="91425" rIns="91425" bIns="91425" anchor="b" anchorCtr="0">
             <a:normAutofit/>
           </a:bodyPr>
           <a:lstStyle>
@@ -3453,15 +3551,19 @@
               <a:defRPr sz="2400"/>
             </a:lvl9pPr>
           </a:lstStyle>
-          <a:p/>
+          <a:p>
+            <a:endParaRPr/>
+          </a:p>
         </p:txBody>
       </p:sp>
       <p:sp>
         <p:nvSpPr>
           <p:cNvPr id="30" name="Google Shape;30;p7"/>
-          <p:cNvSpPr txBox="1"/>
+          <p:cNvSpPr txBox="1">
+            <a:spLocks noGrp="1"/>
+          </p:cNvSpPr>
           <p:nvPr>
-            <p:ph idx="1" type="body"/>
+            <p:ph type="body" idx="1"/>
           </p:nvPr>
         </p:nvSpPr>
         <p:spPr>
@@ -3474,11 +3576,11 @@
           </a:prstGeom>
         </p:spPr>
         <p:txBody>
-          <a:bodyPr anchorCtr="0" anchor="t" bIns="91425" lIns="91425" spcFirstLastPara="1" rIns="91425" wrap="square" tIns="91425">
+          <a:bodyPr spcFirstLastPara="1" wrap="square" lIns="91425" tIns="91425" rIns="91425" bIns="91425" anchor="t" anchorCtr="0">
             <a:normAutofit/>
           </a:bodyPr>
           <a:lstStyle>
-            <a:lvl1pPr indent="-304800" lvl="0" marL="457200">
+            <a:lvl1pPr marL="457200" lvl="0" indent="-304800">
               <a:spcBef>
                 <a:spcPts val="0"/>
               </a:spcBef>
@@ -3489,7 +3591,7 @@
               <a:buChar char="●"/>
               <a:defRPr sz="1200"/>
             </a:lvl1pPr>
-            <a:lvl2pPr indent="-304800" lvl="1" marL="914400">
+            <a:lvl2pPr marL="914400" lvl="1" indent="-304800">
               <a:spcBef>
                 <a:spcPts val="0"/>
               </a:spcBef>
@@ -3500,7 +3602,7 @@
               <a:buChar char="○"/>
               <a:defRPr sz="1200"/>
             </a:lvl2pPr>
-            <a:lvl3pPr indent="-304800" lvl="2" marL="1371600">
+            <a:lvl3pPr marL="1371600" lvl="2" indent="-304800">
               <a:spcBef>
                 <a:spcPts val="0"/>
               </a:spcBef>
@@ -3511,7 +3613,7 @@
               <a:buChar char="■"/>
               <a:defRPr sz="1200"/>
             </a:lvl3pPr>
-            <a:lvl4pPr indent="-304800" lvl="3" marL="1828800">
+            <a:lvl4pPr marL="1828800" lvl="3" indent="-304800">
               <a:spcBef>
                 <a:spcPts val="0"/>
               </a:spcBef>
@@ -3522,7 +3624,7 @@
               <a:buChar char="●"/>
               <a:defRPr sz="1200"/>
             </a:lvl4pPr>
-            <a:lvl5pPr indent="-304800" lvl="4" marL="2286000">
+            <a:lvl5pPr marL="2286000" lvl="4" indent="-304800">
               <a:spcBef>
                 <a:spcPts val="0"/>
               </a:spcBef>
@@ -3533,7 +3635,7 @@
               <a:buChar char="○"/>
               <a:defRPr sz="1200"/>
             </a:lvl5pPr>
-            <a:lvl6pPr indent="-304800" lvl="5" marL="2743200">
+            <a:lvl6pPr marL="2743200" lvl="5" indent="-304800">
               <a:spcBef>
                 <a:spcPts val="0"/>
               </a:spcBef>
@@ -3544,7 +3646,7 @@
               <a:buChar char="■"/>
               <a:defRPr sz="1200"/>
             </a:lvl6pPr>
-            <a:lvl7pPr indent="-304800" lvl="6" marL="3200400">
+            <a:lvl7pPr marL="3200400" lvl="6" indent="-304800">
               <a:spcBef>
                 <a:spcPts val="0"/>
               </a:spcBef>
@@ -3555,7 +3657,7 @@
               <a:buChar char="●"/>
               <a:defRPr sz="1200"/>
             </a:lvl7pPr>
-            <a:lvl8pPr indent="-304800" lvl="7" marL="3657600">
+            <a:lvl8pPr marL="3657600" lvl="7" indent="-304800">
               <a:spcBef>
                 <a:spcPts val="0"/>
               </a:spcBef>
@@ -3566,7 +3668,7 @@
               <a:buChar char="○"/>
               <a:defRPr sz="1200"/>
             </a:lvl8pPr>
-            <a:lvl9pPr indent="-304800" lvl="8" marL="4114800">
+            <a:lvl9pPr marL="4114800" lvl="8" indent="-304800">
               <a:spcBef>
                 <a:spcPts val="0"/>
               </a:spcBef>
@@ -3578,15 +3680,19 @@
               <a:defRPr sz="1200"/>
             </a:lvl9pPr>
           </a:lstStyle>
-          <a:p/>
+          <a:p>
+            <a:endParaRPr/>
+          </a:p>
         </p:txBody>
       </p:sp>
       <p:sp>
         <p:nvSpPr>
           <p:cNvPr id="31" name="Google Shape;31;p7"/>
-          <p:cNvSpPr txBox="1"/>
+          <p:cNvSpPr txBox="1">
+            <a:spLocks noGrp="1"/>
+          </p:cNvSpPr>
           <p:nvPr>
-            <p:ph idx="12" type="sldNum"/>
+            <p:ph type="sldNum" idx="12"/>
           </p:nvPr>
         </p:nvSpPr>
         <p:spPr>
@@ -3599,7 +3705,7 @@
           </a:prstGeom>
         </p:spPr>
         <p:txBody>
-          <a:bodyPr anchorCtr="0" anchor="ctr" bIns="91425" lIns="91425" spcFirstLastPara="1" rIns="91425" wrap="square" tIns="91425">
+          <a:bodyPr spcFirstLastPara="1" wrap="square" lIns="91425" tIns="91425" rIns="91425" bIns="91425" anchor="ctr" anchorCtr="0">
             <a:normAutofit/>
           </a:bodyPr>
           <a:lstStyle>
@@ -3641,7 +3747,7 @@
             </a:lvl9pPr>
           </a:lstStyle>
           <a:p>
-            <a:pPr indent="0" lvl="0" marL="0" rtl="0" algn="r">
+            <a:pPr marL="0" lvl="0" indent="0" algn="r" rtl="0">
               <a:spcBef>
                 <a:spcPts val="0"/>
               </a:spcBef>
@@ -3667,11 +3773,11 @@
 </file>
 
 <file path=ppt/slideLayouts/slideLayout7.xml><?xml version="1.0" encoding="utf-8"?>
-<p:sldLayout xmlns:a="http://schemas.openxmlformats.org/drawingml/2006/main" xmlns:r="http://schemas.openxmlformats.org/officeDocument/2006/relationships" xmlns:mc="http://schemas.openxmlformats.org/markup-compatibility/2006" xmlns:mv="urn:schemas-microsoft-com:mac:vml" xmlns:p="http://schemas.openxmlformats.org/presentationml/2006/main" xmlns:c="http://schemas.openxmlformats.org/drawingml/2006/chart" xmlns:dgm="http://schemas.openxmlformats.org/drawingml/2006/diagram" xmlns:o="urn:schemas-microsoft-com:office:office" xmlns:v="urn:schemas-microsoft-com:vml" xmlns:pvml="urn:schemas-microsoft-com:office:powerpoint" xmlns:com="http://schemas.openxmlformats.org/drawingml/2006/compatibility" xmlns:p14="http://schemas.microsoft.com/office/powerpoint/2010/main" xmlns:p15="http://schemas.microsoft.com/office/powerpoint/2012/main" xmlns:ahyp="http://schemas.microsoft.com/office/drawing/2018/hyperlinkcolor" matchingName="Main point">
+<p:sldLayout xmlns:a="http://schemas.openxmlformats.org/drawingml/2006/main" xmlns:r="http://schemas.openxmlformats.org/officeDocument/2006/relationships" xmlns:p="http://schemas.openxmlformats.org/presentationml/2006/main" matchingName="Main point">
   <p:cSld name="MAIN_POINT">
     <p:spTree>
       <p:nvGrpSpPr>
-        <p:cNvPr id="32" name="Shape 32"/>
+        <p:cNvPr id="1" name="Shape 32"/>
         <p:cNvGrpSpPr/>
         <p:nvPr/>
       </p:nvGrpSpPr>
@@ -3686,7 +3792,9 @@
       <p:sp>
         <p:nvSpPr>
           <p:cNvPr id="33" name="Google Shape;33;p8"/>
-          <p:cNvSpPr txBox="1"/>
+          <p:cNvSpPr txBox="1">
+            <a:spLocks noGrp="1"/>
+          </p:cNvSpPr>
           <p:nvPr>
             <p:ph type="title"/>
           </p:nvPr>
@@ -3701,7 +3809,7 @@
           </a:prstGeom>
         </p:spPr>
         <p:txBody>
-          <a:bodyPr anchorCtr="0" anchor="ctr" bIns="91425" lIns="91425" spcFirstLastPara="1" rIns="91425" wrap="square" tIns="91425">
+          <a:bodyPr spcFirstLastPara="1" wrap="square" lIns="91425" tIns="91425" rIns="91425" bIns="91425" anchor="ctr" anchorCtr="0">
             <a:normAutofit/>
           </a:bodyPr>
           <a:lstStyle>
@@ -3805,15 +3913,19 @@
               <a:defRPr sz="4800"/>
             </a:lvl9pPr>
           </a:lstStyle>
-          <a:p/>
+          <a:p>
+            <a:endParaRPr/>
+          </a:p>
         </p:txBody>
       </p:sp>
       <p:sp>
         <p:nvSpPr>
           <p:cNvPr id="34" name="Google Shape;34;p8"/>
-          <p:cNvSpPr txBox="1"/>
+          <p:cNvSpPr txBox="1">
+            <a:spLocks noGrp="1"/>
+          </p:cNvSpPr>
           <p:nvPr>
-            <p:ph idx="12" type="sldNum"/>
+            <p:ph type="sldNum" idx="12"/>
           </p:nvPr>
         </p:nvSpPr>
         <p:spPr>
@@ -3826,7 +3938,7 @@
           </a:prstGeom>
         </p:spPr>
         <p:txBody>
-          <a:bodyPr anchorCtr="0" anchor="ctr" bIns="91425" lIns="91425" spcFirstLastPara="1" rIns="91425" wrap="square" tIns="91425">
+          <a:bodyPr spcFirstLastPara="1" wrap="square" lIns="91425" tIns="91425" rIns="91425" bIns="91425" anchor="ctr" anchorCtr="0">
             <a:normAutofit/>
           </a:bodyPr>
           <a:lstStyle>
@@ -3868,7 +3980,7 @@
             </a:lvl9pPr>
           </a:lstStyle>
           <a:p>
-            <a:pPr indent="0" lvl="0" marL="0" rtl="0" algn="r">
+            <a:pPr marL="0" lvl="0" indent="0" algn="r" rtl="0">
               <a:spcBef>
                 <a:spcPts val="0"/>
               </a:spcBef>
@@ -3894,11 +4006,11 @@
 </file>
 
 <file path=ppt/slideLayouts/slideLayout8.xml><?xml version="1.0" encoding="utf-8"?>
-<p:sldLayout xmlns:a="http://schemas.openxmlformats.org/drawingml/2006/main" xmlns:r="http://schemas.openxmlformats.org/officeDocument/2006/relationships" xmlns:mc="http://schemas.openxmlformats.org/markup-compatibility/2006" xmlns:mv="urn:schemas-microsoft-com:mac:vml" xmlns:p="http://schemas.openxmlformats.org/presentationml/2006/main" xmlns:c="http://schemas.openxmlformats.org/drawingml/2006/chart" xmlns:dgm="http://schemas.openxmlformats.org/drawingml/2006/diagram" xmlns:o="urn:schemas-microsoft-com:office:office" xmlns:v="urn:schemas-microsoft-com:vml" xmlns:pvml="urn:schemas-microsoft-com:office:powerpoint" xmlns:com="http://schemas.openxmlformats.org/drawingml/2006/compatibility" xmlns:p14="http://schemas.microsoft.com/office/powerpoint/2010/main" xmlns:p15="http://schemas.microsoft.com/office/powerpoint/2012/main" xmlns:ahyp="http://schemas.microsoft.com/office/drawing/2018/hyperlinkcolor" matchingName="Section title and description">
+<p:sldLayout xmlns:a="http://schemas.openxmlformats.org/drawingml/2006/main" xmlns:r="http://schemas.openxmlformats.org/officeDocument/2006/relationships" xmlns:p="http://schemas.openxmlformats.org/presentationml/2006/main" matchingName="Section title and description">
   <p:cSld name="SECTION_TITLE_AND_DESCRIPTION">
     <p:spTree>
       <p:nvGrpSpPr>
-        <p:cNvPr id="35" name="Shape 35"/>
+        <p:cNvPr id="1" name="Shape 35"/>
         <p:cNvGrpSpPr/>
         <p:nvPr/>
       </p:nvGrpSpPr>
@@ -3932,12 +4044,12 @@
           </a:ln>
         </p:spPr>
         <p:txBody>
-          <a:bodyPr anchorCtr="0" anchor="ctr" bIns="91425" lIns="91425" spcFirstLastPara="1" rIns="91425" wrap="square" tIns="91425">
+          <a:bodyPr spcFirstLastPara="1" wrap="square" lIns="91425" tIns="91425" rIns="91425" bIns="91425" anchor="ctr" anchorCtr="0">
             <a:noAutofit/>
           </a:bodyPr>
           <a:lstStyle/>
           <a:p>
-            <a:pPr indent="0" lvl="0" marL="0" rtl="0" algn="l">
+            <a:pPr marL="0" lvl="0" indent="0" algn="l" rtl="0">
               <a:spcBef>
                 <a:spcPts val="0"/>
               </a:spcBef>
@@ -3946,9 +4058,6 @@
               </a:spcAft>
               <a:buNone/>
             </a:pPr>
-            <a:r>
-              <a:t/>
-            </a:r>
             <a:endParaRPr/>
           </a:p>
         </p:txBody>
@@ -3956,7 +4065,9 @@
       <p:sp>
         <p:nvSpPr>
           <p:cNvPr id="37" name="Google Shape;37;p9"/>
-          <p:cNvSpPr txBox="1"/>
+          <p:cNvSpPr txBox="1">
+            <a:spLocks noGrp="1"/>
+          </p:cNvSpPr>
           <p:nvPr>
             <p:ph type="title"/>
           </p:nvPr>
@@ -3971,7 +4082,7 @@
           </a:prstGeom>
         </p:spPr>
         <p:txBody>
-          <a:bodyPr anchorCtr="0" anchor="b" bIns="91425" lIns="91425" spcFirstLastPara="1" rIns="91425" wrap="square" tIns="91425">
+          <a:bodyPr spcFirstLastPara="1" wrap="square" lIns="91425" tIns="91425" rIns="91425" bIns="91425" anchor="b" anchorCtr="0">
             <a:normAutofit/>
           </a:bodyPr>
           <a:lstStyle>
@@ -4075,15 +4186,19 @@
               <a:defRPr sz="4200"/>
             </a:lvl9pPr>
           </a:lstStyle>
-          <a:p/>
+          <a:p>
+            <a:endParaRPr/>
+          </a:p>
         </p:txBody>
       </p:sp>
       <p:sp>
         <p:nvSpPr>
           <p:cNvPr id="38" name="Google Shape;38;p9"/>
-          <p:cNvSpPr txBox="1"/>
+          <p:cNvSpPr txBox="1">
+            <a:spLocks noGrp="1"/>
+          </p:cNvSpPr>
           <p:nvPr>
-            <p:ph idx="1" type="subTitle"/>
+            <p:ph type="subTitle" idx="1"/>
           </p:nvPr>
         </p:nvSpPr>
         <p:spPr>
@@ -4096,7 +4211,7 @@
           </a:prstGeom>
         </p:spPr>
         <p:txBody>
-          <a:bodyPr anchorCtr="0" anchor="t" bIns="91425" lIns="91425" spcFirstLastPara="1" rIns="91425" wrap="square" tIns="91425">
+          <a:bodyPr spcFirstLastPara="1" wrap="square" lIns="91425" tIns="91425" rIns="91425" bIns="91425" anchor="t" anchorCtr="0">
             <a:normAutofit/>
           </a:bodyPr>
           <a:lstStyle>
@@ -4227,15 +4342,19 @@
               <a:defRPr sz="2100"/>
             </a:lvl9pPr>
           </a:lstStyle>
-          <a:p/>
+          <a:p>
+            <a:endParaRPr/>
+          </a:p>
         </p:txBody>
       </p:sp>
       <p:sp>
         <p:nvSpPr>
           <p:cNvPr id="39" name="Google Shape;39;p9"/>
-          <p:cNvSpPr txBox="1"/>
+          <p:cNvSpPr txBox="1">
+            <a:spLocks noGrp="1"/>
+          </p:cNvSpPr>
           <p:nvPr>
-            <p:ph idx="2" type="body"/>
+            <p:ph type="body" idx="2"/>
           </p:nvPr>
         </p:nvSpPr>
         <p:spPr>
@@ -4248,11 +4367,11 @@
           </a:prstGeom>
         </p:spPr>
         <p:txBody>
-          <a:bodyPr anchorCtr="0" anchor="ctr" bIns="91425" lIns="91425" spcFirstLastPara="1" rIns="91425" wrap="square" tIns="91425">
+          <a:bodyPr spcFirstLastPara="1" wrap="square" lIns="91425" tIns="91425" rIns="91425" bIns="91425" anchor="ctr" anchorCtr="0">
             <a:normAutofit/>
           </a:bodyPr>
           <a:lstStyle>
-            <a:lvl1pPr indent="-342900" lvl="0" marL="457200">
+            <a:lvl1pPr marL="457200" lvl="0" indent="-342900">
               <a:spcBef>
                 <a:spcPts val="0"/>
               </a:spcBef>
@@ -4263,7 +4382,7 @@
               <a:buChar char="●"/>
               <a:defRPr/>
             </a:lvl1pPr>
-            <a:lvl2pPr indent="-317500" lvl="1" marL="914400">
+            <a:lvl2pPr marL="914400" lvl="1" indent="-317500">
               <a:spcBef>
                 <a:spcPts val="0"/>
               </a:spcBef>
@@ -4274,7 +4393,7 @@
               <a:buChar char="○"/>
               <a:defRPr/>
             </a:lvl2pPr>
-            <a:lvl3pPr indent="-317500" lvl="2" marL="1371600">
+            <a:lvl3pPr marL="1371600" lvl="2" indent="-317500">
               <a:spcBef>
                 <a:spcPts val="0"/>
               </a:spcBef>
@@ -4285,7 +4404,7 @@
               <a:buChar char="■"/>
               <a:defRPr/>
             </a:lvl3pPr>
-            <a:lvl4pPr indent="-317500" lvl="3" marL="1828800">
+            <a:lvl4pPr marL="1828800" lvl="3" indent="-317500">
               <a:spcBef>
                 <a:spcPts val="0"/>
               </a:spcBef>
@@ -4296,7 +4415,7 @@
               <a:buChar char="●"/>
               <a:defRPr/>
             </a:lvl4pPr>
-            <a:lvl5pPr indent="-317500" lvl="4" marL="2286000">
+            <a:lvl5pPr marL="2286000" lvl="4" indent="-317500">
               <a:spcBef>
                 <a:spcPts val="0"/>
               </a:spcBef>
@@ -4307,7 +4426,7 @@
               <a:buChar char="○"/>
               <a:defRPr/>
             </a:lvl5pPr>
-            <a:lvl6pPr indent="-317500" lvl="5" marL="2743200">
+            <a:lvl6pPr marL="2743200" lvl="5" indent="-317500">
               <a:spcBef>
                 <a:spcPts val="0"/>
               </a:spcBef>
@@ -4318,7 +4437,7 @@
               <a:buChar char="■"/>
               <a:defRPr/>
             </a:lvl6pPr>
-            <a:lvl7pPr indent="-317500" lvl="6" marL="3200400">
+            <a:lvl7pPr marL="3200400" lvl="6" indent="-317500">
               <a:spcBef>
                 <a:spcPts val="0"/>
               </a:spcBef>
@@ -4329,7 +4448,7 @@
               <a:buChar char="●"/>
               <a:defRPr/>
             </a:lvl7pPr>
-            <a:lvl8pPr indent="-317500" lvl="7" marL="3657600">
+            <a:lvl8pPr marL="3657600" lvl="7" indent="-317500">
               <a:spcBef>
                 <a:spcPts val="0"/>
               </a:spcBef>
@@ -4340,7 +4459,7 @@
               <a:buChar char="○"/>
               <a:defRPr/>
             </a:lvl8pPr>
-            <a:lvl9pPr indent="-317500" lvl="8" marL="4114800">
+            <a:lvl9pPr marL="4114800" lvl="8" indent="-317500">
               <a:spcBef>
                 <a:spcPts val="0"/>
               </a:spcBef>
@@ -4352,15 +4471,19 @@
               <a:defRPr/>
             </a:lvl9pPr>
           </a:lstStyle>
-          <a:p/>
+          <a:p>
+            <a:endParaRPr/>
+          </a:p>
         </p:txBody>
       </p:sp>
       <p:sp>
         <p:nvSpPr>
           <p:cNvPr id="40" name="Google Shape;40;p9"/>
-          <p:cNvSpPr txBox="1"/>
+          <p:cNvSpPr txBox="1">
+            <a:spLocks noGrp="1"/>
+          </p:cNvSpPr>
           <p:nvPr>
-            <p:ph idx="12" type="sldNum"/>
+            <p:ph type="sldNum" idx="12"/>
           </p:nvPr>
         </p:nvSpPr>
         <p:spPr>
@@ -4373,7 +4496,7 @@
           </a:prstGeom>
         </p:spPr>
         <p:txBody>
-          <a:bodyPr anchorCtr="0" anchor="ctr" bIns="91425" lIns="91425" spcFirstLastPara="1" rIns="91425" wrap="square" tIns="91425">
+          <a:bodyPr spcFirstLastPara="1" wrap="square" lIns="91425" tIns="91425" rIns="91425" bIns="91425" anchor="ctr" anchorCtr="0">
             <a:normAutofit/>
           </a:bodyPr>
           <a:lstStyle>
@@ -4415,7 +4538,7 @@
             </a:lvl9pPr>
           </a:lstStyle>
           <a:p>
-            <a:pPr indent="0" lvl="0" marL="0" rtl="0" algn="r">
+            <a:pPr marL="0" lvl="0" indent="0" algn="r" rtl="0">
               <a:spcBef>
                 <a:spcPts val="0"/>
               </a:spcBef>
@@ -4441,11 +4564,11 @@
 </file>
 
 <file path=ppt/slideLayouts/slideLayout9.xml><?xml version="1.0" encoding="utf-8"?>
-<p:sldLayout xmlns:a="http://schemas.openxmlformats.org/drawingml/2006/main" xmlns:r="http://schemas.openxmlformats.org/officeDocument/2006/relationships" xmlns:mc="http://schemas.openxmlformats.org/markup-compatibility/2006" xmlns:mv="urn:schemas-microsoft-com:mac:vml" xmlns:p="http://schemas.openxmlformats.org/presentationml/2006/main" xmlns:c="http://schemas.openxmlformats.org/drawingml/2006/chart" xmlns:dgm="http://schemas.openxmlformats.org/drawingml/2006/diagram" xmlns:o="urn:schemas-microsoft-com:office:office" xmlns:v="urn:schemas-microsoft-com:vml" xmlns:pvml="urn:schemas-microsoft-com:office:powerpoint" xmlns:com="http://schemas.openxmlformats.org/drawingml/2006/compatibility" xmlns:p14="http://schemas.microsoft.com/office/powerpoint/2010/main" xmlns:p15="http://schemas.microsoft.com/office/powerpoint/2012/main" xmlns:ahyp="http://schemas.microsoft.com/office/drawing/2018/hyperlinkcolor" matchingName="Caption">
+<p:sldLayout xmlns:a="http://schemas.openxmlformats.org/drawingml/2006/main" xmlns:r="http://schemas.openxmlformats.org/officeDocument/2006/relationships" xmlns:p="http://schemas.openxmlformats.org/presentationml/2006/main" matchingName="Caption">
   <p:cSld name="CAPTION_ONLY">
     <p:spTree>
       <p:nvGrpSpPr>
-        <p:cNvPr id="41" name="Shape 41"/>
+        <p:cNvPr id="1" name="Shape 41"/>
         <p:cNvGrpSpPr/>
         <p:nvPr/>
       </p:nvGrpSpPr>
@@ -4460,9 +4583,11 @@
       <p:sp>
         <p:nvSpPr>
           <p:cNvPr id="42" name="Google Shape;42;p10"/>
-          <p:cNvSpPr txBox="1"/>
+          <p:cNvSpPr txBox="1">
+            <a:spLocks noGrp="1"/>
+          </p:cNvSpPr>
           <p:nvPr>
-            <p:ph idx="1" type="body"/>
+            <p:ph type="body" idx="1"/>
           </p:nvPr>
         </p:nvSpPr>
         <p:spPr>
@@ -4475,11 +4600,11 @@
           </a:prstGeom>
         </p:spPr>
         <p:txBody>
-          <a:bodyPr anchorCtr="0" anchor="ctr" bIns="91425" lIns="91425" spcFirstLastPara="1" rIns="91425" wrap="square" tIns="91425">
+          <a:bodyPr spcFirstLastPara="1" wrap="square" lIns="91425" tIns="91425" rIns="91425" bIns="91425" anchor="ctr" anchorCtr="0">
             <a:normAutofit/>
           </a:bodyPr>
           <a:lstStyle>
-            <a:lvl1pPr indent="-228600" lvl="0" marL="457200">
+            <a:lvl1pPr marL="457200" lvl="0" indent="-228600">
               <a:lnSpc>
                 <a:spcPct val="100000"/>
               </a:lnSpc>
@@ -4494,15 +4619,19 @@
               <a:defRPr/>
             </a:lvl1pPr>
           </a:lstStyle>
-          <a:p/>
+          <a:p>
+            <a:endParaRPr/>
+          </a:p>
         </p:txBody>
       </p:sp>
       <p:sp>
         <p:nvSpPr>
           <p:cNvPr id="43" name="Google Shape;43;p10"/>
-          <p:cNvSpPr txBox="1"/>
+          <p:cNvSpPr txBox="1">
+            <a:spLocks noGrp="1"/>
+          </p:cNvSpPr>
           <p:nvPr>
-            <p:ph idx="12" type="sldNum"/>
+            <p:ph type="sldNum" idx="12"/>
           </p:nvPr>
         </p:nvSpPr>
         <p:spPr>
@@ -4515,7 +4644,7 @@
           </a:prstGeom>
         </p:spPr>
         <p:txBody>
-          <a:bodyPr anchorCtr="0" anchor="ctr" bIns="91425" lIns="91425" spcFirstLastPara="1" rIns="91425" wrap="square" tIns="91425">
+          <a:bodyPr spcFirstLastPara="1" wrap="square" lIns="91425" tIns="91425" rIns="91425" bIns="91425" anchor="ctr" anchorCtr="0">
             <a:normAutofit/>
           </a:bodyPr>
           <a:lstStyle>
@@ -4557,7 +4686,7 @@
             </a:lvl9pPr>
           </a:lstStyle>
           <a:p>
-            <a:pPr indent="0" lvl="0" marL="0" rtl="0" algn="r">
+            <a:pPr marL="0" lvl="0" indent="0" algn="r" rtl="0">
               <a:spcBef>
                 <a:spcPts val="0"/>
               </a:spcBef>
@@ -4583,18 +4712,19 @@
 </file>
 
 <file path=ppt/slideMasters/slideMaster1.xml><?xml version="1.0" encoding="utf-8"?>
-<p:sldMaster xmlns:a="http://schemas.openxmlformats.org/drawingml/2006/main" xmlns:r="http://schemas.openxmlformats.org/officeDocument/2006/relationships" xmlns:mc="http://schemas.openxmlformats.org/markup-compatibility/2006" xmlns:mv="urn:schemas-microsoft-com:mac:vml" xmlns:p="http://schemas.openxmlformats.org/presentationml/2006/main" xmlns:c="http://schemas.openxmlformats.org/drawingml/2006/chart" xmlns:dgm="http://schemas.openxmlformats.org/drawingml/2006/diagram" xmlns:o="urn:schemas-microsoft-com:office:office" xmlns:v="urn:schemas-microsoft-com:vml" xmlns:pvml="urn:schemas-microsoft-com:office:powerpoint" xmlns:com="http://schemas.openxmlformats.org/drawingml/2006/compatibility" xmlns:p14="http://schemas.microsoft.com/office/powerpoint/2010/main" xmlns:p15="http://schemas.microsoft.com/office/powerpoint/2012/main" xmlns:ahyp="http://schemas.microsoft.com/office/drawing/2018/hyperlinkcolor">
+<p:sldMaster xmlns:a="http://schemas.openxmlformats.org/drawingml/2006/main" xmlns:r="http://schemas.openxmlformats.org/officeDocument/2006/relationships" xmlns:p="http://schemas.openxmlformats.org/presentationml/2006/main">
   <p:cSld name="simple-light-2">
     <p:bg>
       <p:bgPr>
         <a:solidFill>
           <a:schemeClr val="lt1"/>
         </a:solidFill>
+        <a:effectLst/>
       </p:bgPr>
     </p:bg>
     <p:spTree>
       <p:nvGrpSpPr>
-        <p:cNvPr id="5" name="Shape 5"/>
+        <p:cNvPr id="1" name="Shape 5"/>
         <p:cNvGrpSpPr/>
         <p:nvPr/>
       </p:nvGrpSpPr>
@@ -4609,7 +4739,9 @@
       <p:sp>
         <p:nvSpPr>
           <p:cNvPr id="6" name="Google Shape;6;p1"/>
-          <p:cNvSpPr txBox="1"/>
+          <p:cNvSpPr txBox="1">
+            <a:spLocks noGrp="1"/>
+          </p:cNvSpPr>
           <p:nvPr>
             <p:ph type="title"/>
           </p:nvPr>
@@ -4628,7 +4760,7 @@
           </a:ln>
         </p:spPr>
         <p:txBody>
-          <a:bodyPr anchorCtr="0" anchor="t" bIns="91425" lIns="91425" spcFirstLastPara="1" rIns="91425" wrap="square" tIns="91425">
+          <a:bodyPr spcFirstLastPara="1" wrap="square" lIns="91425" tIns="91425" rIns="91425" bIns="91425" anchor="t" anchorCtr="0">
             <a:normAutofit/>
           </a:bodyPr>
           <a:lstStyle>
@@ -4795,15 +4927,19 @@
               </a:defRPr>
             </a:lvl9pPr>
           </a:lstStyle>
-          <a:p/>
+          <a:p>
+            <a:endParaRPr/>
+          </a:p>
         </p:txBody>
       </p:sp>
       <p:sp>
         <p:nvSpPr>
           <p:cNvPr id="7" name="Google Shape;7;p1"/>
-          <p:cNvSpPr txBox="1"/>
+          <p:cNvSpPr txBox="1">
+            <a:spLocks noGrp="1"/>
+          </p:cNvSpPr>
           <p:nvPr>
-            <p:ph idx="1" type="body"/>
+            <p:ph type="body" idx="1"/>
           </p:nvPr>
         </p:nvSpPr>
         <p:spPr>
@@ -4820,11 +4956,11 @@
           </a:ln>
         </p:spPr>
         <p:txBody>
-          <a:bodyPr anchorCtr="0" anchor="t" bIns="91425" lIns="91425" spcFirstLastPara="1" rIns="91425" wrap="square" tIns="91425">
+          <a:bodyPr spcFirstLastPara="1" wrap="square" lIns="91425" tIns="91425" rIns="91425" bIns="91425" anchor="t" anchorCtr="0">
             <a:normAutofit/>
           </a:bodyPr>
           <a:lstStyle>
-            <a:lvl1pPr indent="-342900" lvl="0" marL="457200">
+            <a:lvl1pPr marL="457200" lvl="0" indent="-342900">
               <a:lnSpc>
                 <a:spcPct val="115000"/>
               </a:lnSpc>
@@ -4845,7 +4981,7 @@
                 </a:solidFill>
               </a:defRPr>
             </a:lvl1pPr>
-            <a:lvl2pPr indent="-317500" lvl="1" marL="914400">
+            <a:lvl2pPr marL="914400" lvl="1" indent="-317500">
               <a:lnSpc>
                 <a:spcPct val="115000"/>
               </a:lnSpc>
@@ -4866,7 +5002,7 @@
                 </a:solidFill>
               </a:defRPr>
             </a:lvl2pPr>
-            <a:lvl3pPr indent="-317500" lvl="2" marL="1371600">
+            <a:lvl3pPr marL="1371600" lvl="2" indent="-317500">
               <a:lnSpc>
                 <a:spcPct val="115000"/>
               </a:lnSpc>
@@ -4887,7 +5023,7 @@
                 </a:solidFill>
               </a:defRPr>
             </a:lvl3pPr>
-            <a:lvl4pPr indent="-317500" lvl="3" marL="1828800">
+            <a:lvl4pPr marL="1828800" lvl="3" indent="-317500">
               <a:lnSpc>
                 <a:spcPct val="115000"/>
               </a:lnSpc>
@@ -4908,7 +5044,7 @@
                 </a:solidFill>
               </a:defRPr>
             </a:lvl4pPr>
-            <a:lvl5pPr indent="-317500" lvl="4" marL="2286000">
+            <a:lvl5pPr marL="2286000" lvl="4" indent="-317500">
               <a:lnSpc>
                 <a:spcPct val="115000"/>
               </a:lnSpc>
@@ -4929,7 +5065,7 @@
                 </a:solidFill>
               </a:defRPr>
             </a:lvl5pPr>
-            <a:lvl6pPr indent="-317500" lvl="5" marL="2743200">
+            <a:lvl6pPr marL="2743200" lvl="5" indent="-317500">
               <a:lnSpc>
                 <a:spcPct val="115000"/>
               </a:lnSpc>
@@ -4950,7 +5086,7 @@
                 </a:solidFill>
               </a:defRPr>
             </a:lvl6pPr>
-            <a:lvl7pPr indent="-317500" lvl="6" marL="3200400">
+            <a:lvl7pPr marL="3200400" lvl="6" indent="-317500">
               <a:lnSpc>
                 <a:spcPct val="115000"/>
               </a:lnSpc>
@@ -4971,7 +5107,7 @@
                 </a:solidFill>
               </a:defRPr>
             </a:lvl7pPr>
-            <a:lvl8pPr indent="-317500" lvl="7" marL="3657600">
+            <a:lvl8pPr marL="3657600" lvl="7" indent="-317500">
               <a:lnSpc>
                 <a:spcPct val="115000"/>
               </a:lnSpc>
@@ -4992,7 +5128,7 @@
                 </a:solidFill>
               </a:defRPr>
             </a:lvl8pPr>
-            <a:lvl9pPr indent="-317500" lvl="8" marL="4114800">
+            <a:lvl9pPr marL="4114800" lvl="8" indent="-317500">
               <a:lnSpc>
                 <a:spcPct val="115000"/>
               </a:lnSpc>
@@ -5014,15 +5150,19 @@
               </a:defRPr>
             </a:lvl9pPr>
           </a:lstStyle>
-          <a:p/>
+          <a:p>
+            <a:endParaRPr/>
+          </a:p>
         </p:txBody>
       </p:sp>
       <p:sp>
         <p:nvSpPr>
           <p:cNvPr id="8" name="Google Shape;8;p1"/>
-          <p:cNvSpPr txBox="1"/>
+          <p:cNvSpPr txBox="1">
+            <a:spLocks noGrp="1"/>
+          </p:cNvSpPr>
           <p:nvPr>
-            <p:ph idx="12" type="sldNum"/>
+            <p:ph type="sldNum" idx="12"/>
           </p:nvPr>
         </p:nvSpPr>
         <p:spPr>
@@ -5039,7 +5179,7 @@
           </a:ln>
         </p:spPr>
         <p:txBody>
-          <a:bodyPr anchorCtr="0" anchor="ctr" bIns="91425" lIns="91425" spcFirstLastPara="1" rIns="91425" wrap="square" tIns="91425">
+          <a:bodyPr spcFirstLastPara="1" wrap="square" lIns="91425" tIns="91425" rIns="91425" bIns="91425" anchor="ctr" anchorCtr="0">
             <a:normAutofit/>
           </a:bodyPr>
           <a:lstStyle>
@@ -5117,7 +5257,7 @@
             </a:lvl9pPr>
           </a:lstStyle>
           <a:p>
-            <a:pPr indent="0" lvl="0" marL="0" rtl="0" algn="r">
+            <a:pPr marL="0" lvl="0" indent="0" algn="r" rtl="0">
               <a:spcBef>
                 <a:spcPts val="0"/>
               </a:spcBef>
@@ -5136,7 +5276,7 @@
       </p:sp>
     </p:spTree>
   </p:cSld>
-  <p:clrMap accent1="accent1" accent2="accent2" accent3="accent3" accent4="accent4" accent5="accent5" accent6="accent6" bg1="lt1" bg2="dk2" tx1="dk1" tx2="lt2" folHlink="folHlink" hlink="hlink"/>
+  <p:clrMap bg1="lt1" tx1="dk1" bg2="dk2" tx2="lt2" accent1="accent1" accent2="accent2" accent3="accent3" accent4="accent4" accent5="accent5" accent6="accent6" hlink="hlink" folHlink="folHlink"/>
   <p:sldLayoutIdLst>
     <p:sldLayoutId id="2147483648" r:id="rId1"/>
     <p:sldLayoutId id="2147483649" r:id="rId2"/>
@@ -5150,10 +5290,10 @@
     <p:sldLayoutId id="2147483657" r:id="rId10"/>
     <p:sldLayoutId id="2147483658" r:id="rId11"/>
   </p:sldLayoutIdLst>
-  <p:hf dt="0" ftr="0" hdr="0" sldNum="0"/>
+  <p:hf sldNum="0" hdr="0" ftr="0" dt="0"/>
   <p:txStyles>
     <p:titleStyle>
-      <a:defPPr lvl="0" marR="0" rtl="0" algn="l">
+      <a:defPPr marR="0" lvl="0" algn="l" rtl="0">
         <a:lnSpc>
           <a:spcPct val="100000"/>
         </a:lnSpc>
@@ -5164,7 +5304,7 @@
           <a:spcPts val="0"/>
         </a:spcAft>
       </a:defPPr>
-      <a:lvl1pPr lvl="0" marR="0" rtl="0" algn="l">
+      <a:lvl1pPr marR="0" lvl="0" algn="l" rtl="0">
         <a:lnSpc>
           <a:spcPct val="100000"/>
         </a:lnSpc>
@@ -5178,7 +5318,7 @@
           <a:srgbClr val="000000"/>
         </a:buClr>
         <a:buFont typeface="Arial"/>
-        <a:defRPr b="0" i="0" sz="1400" u="none" cap="none" strike="noStrike">
+        <a:defRPr sz="1400" b="0" i="0" u="none" strike="noStrike" cap="none">
           <a:solidFill>
             <a:srgbClr val="000000"/>
           </a:solidFill>
@@ -5188,7 +5328,7 @@
           <a:sym typeface="Arial"/>
         </a:defRPr>
       </a:lvl1pPr>
-      <a:lvl2pPr lvl="1" marR="0" rtl="0" algn="l">
+      <a:lvl2pPr marR="0" lvl="1" algn="l" rtl="0">
         <a:lnSpc>
           <a:spcPct val="100000"/>
         </a:lnSpc>
@@ -5202,7 +5342,7 @@
           <a:srgbClr val="000000"/>
         </a:buClr>
         <a:buFont typeface="Arial"/>
-        <a:defRPr b="0" i="0" sz="1400" u="none" cap="none" strike="noStrike">
+        <a:defRPr sz="1400" b="0" i="0" u="none" strike="noStrike" cap="none">
           <a:solidFill>
             <a:srgbClr val="000000"/>
           </a:solidFill>
@@ -5212,7 +5352,7 @@
           <a:sym typeface="Arial"/>
         </a:defRPr>
       </a:lvl2pPr>
-      <a:lvl3pPr lvl="2" marR="0" rtl="0" algn="l">
+      <a:lvl3pPr marR="0" lvl="2" algn="l" rtl="0">
         <a:lnSpc>
           <a:spcPct val="100000"/>
         </a:lnSpc>
@@ -5226,7 +5366,7 @@
           <a:srgbClr val="000000"/>
         </a:buClr>
         <a:buFont typeface="Arial"/>
-        <a:defRPr b="0" i="0" sz="1400" u="none" cap="none" strike="noStrike">
+        <a:defRPr sz="1400" b="0" i="0" u="none" strike="noStrike" cap="none">
           <a:solidFill>
             <a:srgbClr val="000000"/>
           </a:solidFill>
@@ -5236,7 +5376,7 @@
           <a:sym typeface="Arial"/>
         </a:defRPr>
       </a:lvl3pPr>
-      <a:lvl4pPr lvl="3" marR="0" rtl="0" algn="l">
+      <a:lvl4pPr marR="0" lvl="3" algn="l" rtl="0">
         <a:lnSpc>
           <a:spcPct val="100000"/>
         </a:lnSpc>
@@ -5250,7 +5390,7 @@
           <a:srgbClr val="000000"/>
         </a:buClr>
         <a:buFont typeface="Arial"/>
-        <a:defRPr b="0" i="0" sz="1400" u="none" cap="none" strike="noStrike">
+        <a:defRPr sz="1400" b="0" i="0" u="none" strike="noStrike" cap="none">
           <a:solidFill>
             <a:srgbClr val="000000"/>
           </a:solidFill>
@@ -5260,7 +5400,7 @@
           <a:sym typeface="Arial"/>
         </a:defRPr>
       </a:lvl4pPr>
-      <a:lvl5pPr lvl="4" marR="0" rtl="0" algn="l">
+      <a:lvl5pPr marR="0" lvl="4" algn="l" rtl="0">
         <a:lnSpc>
           <a:spcPct val="100000"/>
         </a:lnSpc>
@@ -5274,7 +5414,7 @@
           <a:srgbClr val="000000"/>
         </a:buClr>
         <a:buFont typeface="Arial"/>
-        <a:defRPr b="0" i="0" sz="1400" u="none" cap="none" strike="noStrike">
+        <a:defRPr sz="1400" b="0" i="0" u="none" strike="noStrike" cap="none">
           <a:solidFill>
             <a:srgbClr val="000000"/>
           </a:solidFill>
@@ -5284,7 +5424,7 @@
           <a:sym typeface="Arial"/>
         </a:defRPr>
       </a:lvl5pPr>
-      <a:lvl6pPr lvl="5" marR="0" rtl="0" algn="l">
+      <a:lvl6pPr marR="0" lvl="5" algn="l" rtl="0">
         <a:lnSpc>
           <a:spcPct val="100000"/>
         </a:lnSpc>
@@ -5298,7 +5438,7 @@
           <a:srgbClr val="000000"/>
         </a:buClr>
         <a:buFont typeface="Arial"/>
-        <a:defRPr b="0" i="0" sz="1400" u="none" cap="none" strike="noStrike">
+        <a:defRPr sz="1400" b="0" i="0" u="none" strike="noStrike" cap="none">
           <a:solidFill>
             <a:srgbClr val="000000"/>
           </a:solidFill>
@@ -5308,7 +5448,7 @@
           <a:sym typeface="Arial"/>
         </a:defRPr>
       </a:lvl6pPr>
-      <a:lvl7pPr lvl="6" marR="0" rtl="0" algn="l">
+      <a:lvl7pPr marR="0" lvl="6" algn="l" rtl="0">
         <a:lnSpc>
           <a:spcPct val="100000"/>
         </a:lnSpc>
@@ -5322,7 +5462,7 @@
           <a:srgbClr val="000000"/>
         </a:buClr>
         <a:buFont typeface="Arial"/>
-        <a:defRPr b="0" i="0" sz="1400" u="none" cap="none" strike="noStrike">
+        <a:defRPr sz="1400" b="0" i="0" u="none" strike="noStrike" cap="none">
           <a:solidFill>
             <a:srgbClr val="000000"/>
           </a:solidFill>
@@ -5332,7 +5472,7 @@
           <a:sym typeface="Arial"/>
         </a:defRPr>
       </a:lvl7pPr>
-      <a:lvl8pPr lvl="7" marR="0" rtl="0" algn="l">
+      <a:lvl8pPr marR="0" lvl="7" algn="l" rtl="0">
         <a:lnSpc>
           <a:spcPct val="100000"/>
         </a:lnSpc>
@@ -5346,7 +5486,7 @@
           <a:srgbClr val="000000"/>
         </a:buClr>
         <a:buFont typeface="Arial"/>
-        <a:defRPr b="0" i="0" sz="1400" u="none" cap="none" strike="noStrike">
+        <a:defRPr sz="1400" b="0" i="0" u="none" strike="noStrike" cap="none">
           <a:solidFill>
             <a:srgbClr val="000000"/>
           </a:solidFill>
@@ -5356,7 +5496,7 @@
           <a:sym typeface="Arial"/>
         </a:defRPr>
       </a:lvl8pPr>
-      <a:lvl9pPr lvl="8" marR="0" rtl="0" algn="l">
+      <a:lvl9pPr marR="0" lvl="8" algn="l" rtl="0">
         <a:lnSpc>
           <a:spcPct val="100000"/>
         </a:lnSpc>
@@ -5370,7 +5510,7 @@
           <a:srgbClr val="000000"/>
         </a:buClr>
         <a:buFont typeface="Arial"/>
-        <a:defRPr b="0" i="0" sz="1400" u="none" cap="none" strike="noStrike">
+        <a:defRPr sz="1400" b="0" i="0" u="none" strike="noStrike" cap="none">
           <a:solidFill>
             <a:srgbClr val="000000"/>
           </a:solidFill>
@@ -5382,7 +5522,7 @@
       </a:lvl9pPr>
     </p:titleStyle>
     <p:bodyStyle>
-      <a:defPPr lvl="0" marR="0" rtl="0" algn="l">
+      <a:defPPr marR="0" lvl="0" algn="l" rtl="0">
         <a:lnSpc>
           <a:spcPct val="100000"/>
         </a:lnSpc>
@@ -5393,7 +5533,7 @@
           <a:spcPts val="0"/>
         </a:spcAft>
       </a:defPPr>
-      <a:lvl1pPr lvl="0" marR="0" rtl="0" algn="l">
+      <a:lvl1pPr marR="0" lvl="0" algn="l" rtl="0">
         <a:lnSpc>
           <a:spcPct val="100000"/>
         </a:lnSpc>
@@ -5407,7 +5547,7 @@
           <a:srgbClr val="000000"/>
         </a:buClr>
         <a:buFont typeface="Arial"/>
-        <a:defRPr b="0" i="0" sz="1400" u="none" cap="none" strike="noStrike">
+        <a:defRPr sz="1400" b="0" i="0" u="none" strike="noStrike" cap="none">
           <a:solidFill>
             <a:srgbClr val="000000"/>
           </a:solidFill>
@@ -5417,7 +5557,7 @@
           <a:sym typeface="Arial"/>
         </a:defRPr>
       </a:lvl1pPr>
-      <a:lvl2pPr lvl="1" marR="0" rtl="0" algn="l">
+      <a:lvl2pPr marR="0" lvl="1" algn="l" rtl="0">
         <a:lnSpc>
           <a:spcPct val="100000"/>
         </a:lnSpc>
@@ -5431,7 +5571,7 @@
           <a:srgbClr val="000000"/>
         </a:buClr>
         <a:buFont typeface="Arial"/>
-        <a:defRPr b="0" i="0" sz="1400" u="none" cap="none" strike="noStrike">
+        <a:defRPr sz="1400" b="0" i="0" u="none" strike="noStrike" cap="none">
           <a:solidFill>
             <a:srgbClr val="000000"/>
           </a:solidFill>
@@ -5441,7 +5581,7 @@
           <a:sym typeface="Arial"/>
         </a:defRPr>
       </a:lvl2pPr>
-      <a:lvl3pPr lvl="2" marR="0" rtl="0" algn="l">
+      <a:lvl3pPr marR="0" lvl="2" algn="l" rtl="0">
         <a:lnSpc>
           <a:spcPct val="100000"/>
         </a:lnSpc>
@@ -5455,7 +5595,7 @@
           <a:srgbClr val="000000"/>
         </a:buClr>
         <a:buFont typeface="Arial"/>
-        <a:defRPr b="0" i="0" sz="1400" u="none" cap="none" strike="noStrike">
+        <a:defRPr sz="1400" b="0" i="0" u="none" strike="noStrike" cap="none">
           <a:solidFill>
             <a:srgbClr val="000000"/>
           </a:solidFill>
@@ -5465,7 +5605,7 @@
           <a:sym typeface="Arial"/>
         </a:defRPr>
       </a:lvl3pPr>
-      <a:lvl4pPr lvl="3" marR="0" rtl="0" algn="l">
+      <a:lvl4pPr marR="0" lvl="3" algn="l" rtl="0">
         <a:lnSpc>
           <a:spcPct val="100000"/>
         </a:lnSpc>
@@ -5479,7 +5619,7 @@
           <a:srgbClr val="000000"/>
         </a:buClr>
         <a:buFont typeface="Arial"/>
-        <a:defRPr b="0" i="0" sz="1400" u="none" cap="none" strike="noStrike">
+        <a:defRPr sz="1400" b="0" i="0" u="none" strike="noStrike" cap="none">
           <a:solidFill>
             <a:srgbClr val="000000"/>
           </a:solidFill>
@@ -5489,7 +5629,7 @@
           <a:sym typeface="Arial"/>
         </a:defRPr>
       </a:lvl4pPr>
-      <a:lvl5pPr lvl="4" marR="0" rtl="0" algn="l">
+      <a:lvl5pPr marR="0" lvl="4" algn="l" rtl="0">
         <a:lnSpc>
           <a:spcPct val="100000"/>
         </a:lnSpc>
@@ -5503,7 +5643,7 @@
           <a:srgbClr val="000000"/>
         </a:buClr>
         <a:buFont typeface="Arial"/>
-        <a:defRPr b="0" i="0" sz="1400" u="none" cap="none" strike="noStrike">
+        <a:defRPr sz="1400" b="0" i="0" u="none" strike="noStrike" cap="none">
           <a:solidFill>
             <a:srgbClr val="000000"/>
           </a:solidFill>
@@ -5513,7 +5653,7 @@
           <a:sym typeface="Arial"/>
         </a:defRPr>
       </a:lvl5pPr>
-      <a:lvl6pPr lvl="5" marR="0" rtl="0" algn="l">
+      <a:lvl6pPr marR="0" lvl="5" algn="l" rtl="0">
         <a:lnSpc>
           <a:spcPct val="100000"/>
         </a:lnSpc>
@@ -5527,7 +5667,7 @@
           <a:srgbClr val="000000"/>
         </a:buClr>
         <a:buFont typeface="Arial"/>
-        <a:defRPr b="0" i="0" sz="1400" u="none" cap="none" strike="noStrike">
+        <a:defRPr sz="1400" b="0" i="0" u="none" strike="noStrike" cap="none">
           <a:solidFill>
             <a:srgbClr val="000000"/>
           </a:solidFill>
@@ -5537,7 +5677,7 @@
           <a:sym typeface="Arial"/>
         </a:defRPr>
       </a:lvl6pPr>
-      <a:lvl7pPr lvl="6" marR="0" rtl="0" algn="l">
+      <a:lvl7pPr marR="0" lvl="6" algn="l" rtl="0">
         <a:lnSpc>
           <a:spcPct val="100000"/>
         </a:lnSpc>
@@ -5551,7 +5691,7 @@
           <a:srgbClr val="000000"/>
         </a:buClr>
         <a:buFont typeface="Arial"/>
-        <a:defRPr b="0" i="0" sz="1400" u="none" cap="none" strike="noStrike">
+        <a:defRPr sz="1400" b="0" i="0" u="none" strike="noStrike" cap="none">
           <a:solidFill>
             <a:srgbClr val="000000"/>
           </a:solidFill>
@@ -5561,7 +5701,7 @@
           <a:sym typeface="Arial"/>
         </a:defRPr>
       </a:lvl7pPr>
-      <a:lvl8pPr lvl="7" marR="0" rtl="0" algn="l">
+      <a:lvl8pPr marR="0" lvl="7" algn="l" rtl="0">
         <a:lnSpc>
           <a:spcPct val="100000"/>
         </a:lnSpc>
@@ -5575,7 +5715,7 @@
           <a:srgbClr val="000000"/>
         </a:buClr>
         <a:buFont typeface="Arial"/>
-        <a:defRPr b="0" i="0" sz="1400" u="none" cap="none" strike="noStrike">
+        <a:defRPr sz="1400" b="0" i="0" u="none" strike="noStrike" cap="none">
           <a:solidFill>
             <a:srgbClr val="000000"/>
           </a:solidFill>
@@ -5585,7 +5725,7 @@
           <a:sym typeface="Arial"/>
         </a:defRPr>
       </a:lvl8pPr>
-      <a:lvl9pPr lvl="8" marR="0" rtl="0" algn="l">
+      <a:lvl9pPr marR="0" lvl="8" algn="l" rtl="0">
         <a:lnSpc>
           <a:spcPct val="100000"/>
         </a:lnSpc>
@@ -5599,7 +5739,7 @@
           <a:srgbClr val="000000"/>
         </a:buClr>
         <a:buFont typeface="Arial"/>
-        <a:defRPr b="0" i="0" sz="1400" u="none" cap="none" strike="noStrike">
+        <a:defRPr sz="1400" b="0" i="0" u="none" strike="noStrike" cap="none">
           <a:solidFill>
             <a:srgbClr val="000000"/>
           </a:solidFill>
@@ -5611,7 +5751,7 @@
       </a:lvl9pPr>
     </p:bodyStyle>
     <p:otherStyle>
-      <a:defPPr lvl="0" marR="0" rtl="0" algn="l">
+      <a:defPPr marR="0" lvl="0" algn="l" rtl="0">
         <a:lnSpc>
           <a:spcPct val="100000"/>
         </a:lnSpc>
@@ -5622,7 +5762,7 @@
           <a:spcPts val="0"/>
         </a:spcAft>
       </a:defPPr>
-      <a:lvl1pPr lvl="0" marR="0" rtl="0" algn="l">
+      <a:lvl1pPr marR="0" lvl="0" algn="l" rtl="0">
         <a:lnSpc>
           <a:spcPct val="100000"/>
         </a:lnSpc>
@@ -5636,7 +5776,7 @@
           <a:srgbClr val="000000"/>
         </a:buClr>
         <a:buFont typeface="Arial"/>
-        <a:defRPr b="0" i="0" sz="1400" u="none" cap="none" strike="noStrike">
+        <a:defRPr sz="1400" b="0" i="0" u="none" strike="noStrike" cap="none">
           <a:solidFill>
             <a:srgbClr val="000000"/>
           </a:solidFill>
@@ -5646,7 +5786,7 @@
           <a:sym typeface="Arial"/>
         </a:defRPr>
       </a:lvl1pPr>
-      <a:lvl2pPr lvl="1" marR="0" rtl="0" algn="l">
+      <a:lvl2pPr marR="0" lvl="1" algn="l" rtl="0">
         <a:lnSpc>
           <a:spcPct val="100000"/>
         </a:lnSpc>
@@ -5660,7 +5800,7 @@
           <a:srgbClr val="000000"/>
         </a:buClr>
         <a:buFont typeface="Arial"/>
-        <a:defRPr b="0" i="0" sz="1400" u="none" cap="none" strike="noStrike">
+        <a:defRPr sz="1400" b="0" i="0" u="none" strike="noStrike" cap="none">
           <a:solidFill>
             <a:srgbClr val="000000"/>
           </a:solidFill>
@@ -5670,7 +5810,7 @@
           <a:sym typeface="Arial"/>
         </a:defRPr>
       </a:lvl2pPr>
-      <a:lvl3pPr lvl="2" marR="0" rtl="0" algn="l">
+      <a:lvl3pPr marR="0" lvl="2" algn="l" rtl="0">
         <a:lnSpc>
           <a:spcPct val="100000"/>
         </a:lnSpc>
@@ -5684,7 +5824,7 @@
           <a:srgbClr val="000000"/>
         </a:buClr>
         <a:buFont typeface="Arial"/>
-        <a:defRPr b="0" i="0" sz="1400" u="none" cap="none" strike="noStrike">
+        <a:defRPr sz="1400" b="0" i="0" u="none" strike="noStrike" cap="none">
           <a:solidFill>
             <a:srgbClr val="000000"/>
           </a:solidFill>
@@ -5694,7 +5834,7 @@
           <a:sym typeface="Arial"/>
         </a:defRPr>
       </a:lvl3pPr>
-      <a:lvl4pPr lvl="3" marR="0" rtl="0" algn="l">
+      <a:lvl4pPr marR="0" lvl="3" algn="l" rtl="0">
         <a:lnSpc>
           <a:spcPct val="100000"/>
         </a:lnSpc>
@@ -5708,7 +5848,7 @@
           <a:srgbClr val="000000"/>
         </a:buClr>
         <a:buFont typeface="Arial"/>
-        <a:defRPr b="0" i="0" sz="1400" u="none" cap="none" strike="noStrike">
+        <a:defRPr sz="1400" b="0" i="0" u="none" strike="noStrike" cap="none">
           <a:solidFill>
             <a:srgbClr val="000000"/>
           </a:solidFill>
@@ -5718,7 +5858,7 @@
           <a:sym typeface="Arial"/>
         </a:defRPr>
       </a:lvl4pPr>
-      <a:lvl5pPr lvl="4" marR="0" rtl="0" algn="l">
+      <a:lvl5pPr marR="0" lvl="4" algn="l" rtl="0">
         <a:lnSpc>
           <a:spcPct val="100000"/>
         </a:lnSpc>
@@ -5732,7 +5872,7 @@
           <a:srgbClr val="000000"/>
         </a:buClr>
         <a:buFont typeface="Arial"/>
-        <a:defRPr b="0" i="0" sz="1400" u="none" cap="none" strike="noStrike">
+        <a:defRPr sz="1400" b="0" i="0" u="none" strike="noStrike" cap="none">
           <a:solidFill>
             <a:srgbClr val="000000"/>
           </a:solidFill>
@@ -5742,7 +5882,7 @@
           <a:sym typeface="Arial"/>
         </a:defRPr>
       </a:lvl5pPr>
-      <a:lvl6pPr lvl="5" marR="0" rtl="0" algn="l">
+      <a:lvl6pPr marR="0" lvl="5" algn="l" rtl="0">
         <a:lnSpc>
           <a:spcPct val="100000"/>
         </a:lnSpc>
@@ -5756,7 +5896,7 @@
           <a:srgbClr val="000000"/>
         </a:buClr>
         <a:buFont typeface="Arial"/>
-        <a:defRPr b="0" i="0" sz="1400" u="none" cap="none" strike="noStrike">
+        <a:defRPr sz="1400" b="0" i="0" u="none" strike="noStrike" cap="none">
           <a:solidFill>
             <a:srgbClr val="000000"/>
           </a:solidFill>
@@ -5766,7 +5906,7 @@
           <a:sym typeface="Arial"/>
         </a:defRPr>
       </a:lvl6pPr>
-      <a:lvl7pPr lvl="6" marR="0" rtl="0" algn="l">
+      <a:lvl7pPr marR="0" lvl="6" algn="l" rtl="0">
         <a:lnSpc>
           <a:spcPct val="100000"/>
         </a:lnSpc>
@@ -5780,7 +5920,7 @@
           <a:srgbClr val="000000"/>
         </a:buClr>
         <a:buFont typeface="Arial"/>
-        <a:defRPr b="0" i="0" sz="1400" u="none" cap="none" strike="noStrike">
+        <a:defRPr sz="1400" b="0" i="0" u="none" strike="noStrike" cap="none">
           <a:solidFill>
             <a:srgbClr val="000000"/>
           </a:solidFill>
@@ -5790,7 +5930,7 @@
           <a:sym typeface="Arial"/>
         </a:defRPr>
       </a:lvl7pPr>
-      <a:lvl8pPr lvl="7" marR="0" rtl="0" algn="l">
+      <a:lvl8pPr marR="0" lvl="7" algn="l" rtl="0">
         <a:lnSpc>
           <a:spcPct val="100000"/>
         </a:lnSpc>
@@ -5804,7 +5944,7 @@
           <a:srgbClr val="000000"/>
         </a:buClr>
         <a:buFont typeface="Arial"/>
-        <a:defRPr b="0" i="0" sz="1400" u="none" cap="none" strike="noStrike">
+        <a:defRPr sz="1400" b="0" i="0" u="none" strike="noStrike" cap="none">
           <a:solidFill>
             <a:srgbClr val="000000"/>
           </a:solidFill>
@@ -5814,7 +5954,7 @@
           <a:sym typeface="Arial"/>
         </a:defRPr>
       </a:lvl8pPr>
-      <a:lvl9pPr lvl="8" marR="0" rtl="0" algn="l">
+      <a:lvl9pPr marR="0" lvl="8" algn="l" rtl="0">
         <a:lnSpc>
           <a:spcPct val="100000"/>
         </a:lnSpc>
@@ -5828,7 +5968,7 @@
           <a:srgbClr val="000000"/>
         </a:buClr>
         <a:buFont typeface="Arial"/>
-        <a:defRPr b="0" i="0" sz="1400" u="none" cap="none" strike="noStrike">
+        <a:defRPr sz="1400" b="0" i="0" u="none" strike="noStrike" cap="none">
           <a:solidFill>
             <a:srgbClr val="000000"/>
           </a:solidFill>
@@ -5844,11 +5984,11 @@
 </file>
 
 <file path=ppt/slides/slide1.xml><?xml version="1.0" encoding="utf-8"?>
-<p:sld xmlns:a="http://schemas.openxmlformats.org/drawingml/2006/main" xmlns:r="http://schemas.openxmlformats.org/officeDocument/2006/relationships" xmlns:mc="http://schemas.openxmlformats.org/markup-compatibility/2006" xmlns:mv="urn:schemas-microsoft-com:mac:vml" xmlns:p="http://schemas.openxmlformats.org/presentationml/2006/main" xmlns:c="http://schemas.openxmlformats.org/drawingml/2006/chart" xmlns:dgm="http://schemas.openxmlformats.org/drawingml/2006/diagram" xmlns:o="urn:schemas-microsoft-com:office:office" xmlns:v="urn:schemas-microsoft-com:vml" xmlns:pvml="urn:schemas-microsoft-com:office:powerpoint" xmlns:com="http://schemas.openxmlformats.org/drawingml/2006/compatibility" xmlns:p14="http://schemas.microsoft.com/office/powerpoint/2010/main" xmlns:p15="http://schemas.microsoft.com/office/powerpoint/2012/main" xmlns:ahyp="http://schemas.microsoft.com/office/drawing/2018/hyperlinkcolor">
+<p:sld xmlns:a="http://schemas.openxmlformats.org/drawingml/2006/main" xmlns:r="http://schemas.openxmlformats.org/officeDocument/2006/relationships" xmlns:p="http://schemas.openxmlformats.org/presentationml/2006/main">
   <p:cSld>
     <p:spTree>
       <p:nvGrpSpPr>
-        <p:cNvPr id="53" name="Shape 53"/>
+        <p:cNvPr id="1" name="Shape 53"/>
         <p:cNvGrpSpPr/>
         <p:nvPr/>
       </p:nvGrpSpPr>
@@ -5863,7 +6003,9 @@
       <p:sp>
         <p:nvSpPr>
           <p:cNvPr id="54" name="Google Shape;54;p13"/>
-          <p:cNvSpPr txBox="1"/>
+          <p:cNvSpPr txBox="1">
+            <a:spLocks noGrp="1"/>
+          </p:cNvSpPr>
           <p:nvPr>
             <p:ph type="ctrTitle"/>
           </p:nvPr>
@@ -5878,12 +6020,12 @@
           </a:prstGeom>
         </p:spPr>
         <p:txBody>
-          <a:bodyPr anchorCtr="0" anchor="b" bIns="91425" lIns="91425" spcFirstLastPara="1" rIns="91425" wrap="square" tIns="91425">
+          <a:bodyPr spcFirstLastPara="1" wrap="square" lIns="91425" tIns="91425" rIns="91425" bIns="91425" anchor="b" anchorCtr="0">
             <a:normAutofit/>
           </a:bodyPr>
           <a:lstStyle/>
           <a:p>
-            <a:pPr indent="0" lvl="0" marL="0" rtl="0" algn="ctr">
+            <a:pPr marL="0" lvl="0" indent="0" algn="ctr" rtl="0">
               <a:spcBef>
                 <a:spcPts val="0"/>
               </a:spcBef>
@@ -5903,9 +6045,11 @@
       <p:sp>
         <p:nvSpPr>
           <p:cNvPr id="55" name="Google Shape;55;p13"/>
-          <p:cNvSpPr txBox="1"/>
+          <p:cNvSpPr txBox="1">
+            <a:spLocks noGrp="1"/>
+          </p:cNvSpPr>
           <p:nvPr>
-            <p:ph idx="1" type="subTitle"/>
+            <p:ph type="subTitle" idx="1"/>
           </p:nvPr>
         </p:nvSpPr>
         <p:spPr>
@@ -5918,12 +6062,12 @@
           </a:prstGeom>
         </p:spPr>
         <p:txBody>
-          <a:bodyPr anchorCtr="0" anchor="t" bIns="91425" lIns="91425" spcFirstLastPara="1" rIns="91425" wrap="square" tIns="91425">
+          <a:bodyPr spcFirstLastPara="1" wrap="square" lIns="91425" tIns="91425" rIns="91425" bIns="91425" anchor="t" anchorCtr="0">
             <a:normAutofit/>
           </a:bodyPr>
           <a:lstStyle/>
           <a:p>
-            <a:pPr indent="0" lvl="0" marL="0" rtl="0" algn="ctr">
+            <a:pPr marL="0" lvl="0" indent="0" algn="ctr" rtl="0">
               <a:spcBef>
                 <a:spcPts val="0"/>
               </a:spcBef>
@@ -5949,11 +6093,11 @@
 </file>
 
 <file path=ppt/slides/slide2.xml><?xml version="1.0" encoding="utf-8"?>
-<p:sld xmlns:a="http://schemas.openxmlformats.org/drawingml/2006/main" xmlns:r="http://schemas.openxmlformats.org/officeDocument/2006/relationships" xmlns:mc="http://schemas.openxmlformats.org/markup-compatibility/2006" xmlns:mv="urn:schemas-microsoft-com:mac:vml" xmlns:p="http://schemas.openxmlformats.org/presentationml/2006/main" xmlns:c="http://schemas.openxmlformats.org/drawingml/2006/chart" xmlns:dgm="http://schemas.openxmlformats.org/drawingml/2006/diagram" xmlns:o="urn:schemas-microsoft-com:office:office" xmlns:v="urn:schemas-microsoft-com:vml" xmlns:pvml="urn:schemas-microsoft-com:office:powerpoint" xmlns:com="http://schemas.openxmlformats.org/drawingml/2006/compatibility" xmlns:p14="http://schemas.microsoft.com/office/powerpoint/2010/main" xmlns:p15="http://schemas.microsoft.com/office/powerpoint/2012/main" xmlns:ahyp="http://schemas.microsoft.com/office/drawing/2018/hyperlinkcolor">
+<p:sld xmlns:a="http://schemas.openxmlformats.org/drawingml/2006/main" xmlns:r="http://schemas.openxmlformats.org/officeDocument/2006/relationships" xmlns:p="http://schemas.openxmlformats.org/presentationml/2006/main">
   <p:cSld>
     <p:spTree>
       <p:nvGrpSpPr>
-        <p:cNvPr id="59" name="Shape 59"/>
+        <p:cNvPr id="1" name="Shape 59"/>
         <p:cNvGrpSpPr/>
         <p:nvPr/>
       </p:nvGrpSpPr>
@@ -5968,7 +6112,9 @@
       <p:sp>
         <p:nvSpPr>
           <p:cNvPr id="60" name="Google Shape;60;p14"/>
-          <p:cNvSpPr txBox="1"/>
+          <p:cNvSpPr txBox="1">
+            <a:spLocks noGrp="1"/>
+          </p:cNvSpPr>
           <p:nvPr>
             <p:ph type="title"/>
           </p:nvPr>
@@ -5983,12 +6129,12 @@
           </a:prstGeom>
         </p:spPr>
         <p:txBody>
-          <a:bodyPr anchorCtr="0" anchor="t" bIns="91425" lIns="91425" spcFirstLastPara="1" rIns="91425" wrap="square" tIns="91425">
+          <a:bodyPr spcFirstLastPara="1" wrap="square" lIns="91425" tIns="91425" rIns="91425" bIns="91425" anchor="t" anchorCtr="0">
             <a:noAutofit/>
           </a:bodyPr>
           <a:lstStyle/>
           <a:p>
-            <a:pPr indent="0" lvl="0" marL="0" rtl="0" algn="l">
+            <a:pPr marL="0" lvl="0" indent="0" algn="l" rtl="0">
               <a:lnSpc>
                 <a:spcPct val="160000"/>
               </a:lnSpc>
@@ -6006,7 +6152,7 @@
               <a:buNone/>
             </a:pPr>
             <a:r>
-              <a:rPr b="1" lang="en" sz="1650">
+              <a:rPr lang="en" sz="1650" b="1">
                 <a:solidFill>
                   <a:srgbClr val="0D0D0D"/>
                 </a:solidFill>
@@ -6020,7 +6166,7 @@
               </a:rPr>
               <a:t>Overview of Account Sales Performance</a:t>
             </a:r>
-            <a:endParaRPr b="1" sz="1650">
+            <a:endParaRPr sz="1650" b="1">
               <a:solidFill>
                 <a:srgbClr val="0D0D0D"/>
               </a:solidFill>
@@ -6034,7 +6180,7 @@
             </a:endParaRPr>
           </a:p>
           <a:p>
-            <a:pPr indent="0" lvl="0" marL="0" rtl="0" algn="l">
+            <a:pPr marL="0" lvl="0" indent="0" algn="l" rtl="0">
               <a:spcBef>
                 <a:spcPts val="400"/>
               </a:spcBef>
@@ -6044,10 +6190,7 @@
               <a:buSzPts val="990"/>
               <a:buNone/>
             </a:pPr>
-            <a:r>
-              <a:t/>
-            </a:r>
-            <a:endParaRPr b="1" i="1" sz="1779" u="sng">
+            <a:endParaRPr sz="1779" b="1" i="1" u="sng">
               <a:solidFill>
                 <a:srgbClr val="0D0D0D"/>
               </a:solidFill>
@@ -6065,9 +6208,11 @@
       <p:sp>
         <p:nvSpPr>
           <p:cNvPr id="61" name="Google Shape;61;p14"/>
-          <p:cNvSpPr txBox="1"/>
+          <p:cNvSpPr txBox="1">
+            <a:spLocks noGrp="1"/>
+          </p:cNvSpPr>
           <p:nvPr>
-            <p:ph idx="1" type="body"/>
+            <p:ph type="body" idx="1"/>
           </p:nvPr>
         </p:nvSpPr>
         <p:spPr>
@@ -6080,12 +6225,12 @@
           </a:prstGeom>
         </p:spPr>
         <p:txBody>
-          <a:bodyPr anchorCtr="0" anchor="t" bIns="91425" lIns="91425" spcFirstLastPara="1" rIns="91425" wrap="square" tIns="91425">
+          <a:bodyPr spcFirstLastPara="1" wrap="square" lIns="91425" tIns="91425" rIns="91425" bIns="91425" anchor="t" anchorCtr="0">
             <a:normAutofit/>
           </a:bodyPr>
           <a:lstStyle/>
           <a:p>
-            <a:pPr indent="0" lvl="0" marL="0" rtl="0" algn="l">
+            <a:pPr marL="0" lvl="0" indent="0" algn="l" rtl="0">
               <a:spcBef>
                 <a:spcPts val="1500"/>
               </a:spcBef>
@@ -6123,7 +6268,7 @@
             </a:endParaRPr>
           </a:p>
           <a:p>
-            <a:pPr indent="-304800" lvl="0" marL="457200" rtl="0" algn="l">
+            <a:pPr marL="457200" lvl="0" indent="-304800" algn="l" rtl="0">
               <a:spcBef>
                 <a:spcPts val="2100"/>
               </a:spcBef>
@@ -6166,7 +6311,7 @@
             </a:endParaRPr>
           </a:p>
           <a:p>
-            <a:pPr indent="-304800" lvl="0" marL="457200" rtl="0" algn="l">
+            <a:pPr marL="457200" lvl="0" indent="-304800" algn="l" rtl="0">
               <a:spcBef>
                 <a:spcPts val="0"/>
               </a:spcBef>
@@ -6209,7 +6354,7 @@
             </a:endParaRPr>
           </a:p>
           <a:p>
-            <a:pPr indent="-304800" lvl="0" marL="457200" rtl="0" algn="l">
+            <a:pPr marL="457200" lvl="0" indent="-304800" algn="l" rtl="0">
               <a:spcBef>
                 <a:spcPts val="0"/>
               </a:spcBef>
@@ -6252,7 +6397,7 @@
             </a:endParaRPr>
           </a:p>
           <a:p>
-            <a:pPr indent="-304800" lvl="0" marL="457200" rtl="0" algn="l">
+            <a:pPr marL="457200" lvl="0" indent="-304800" algn="l" rtl="0">
               <a:spcBef>
                 <a:spcPts val="0"/>
               </a:spcBef>
@@ -6295,7 +6440,7 @@
             </a:endParaRPr>
           </a:p>
           <a:p>
-            <a:pPr indent="0" lvl="0" marL="0" rtl="0" algn="l">
+            <a:pPr marL="0" lvl="0" indent="0" algn="l" rtl="0">
               <a:spcBef>
                 <a:spcPts val="2100"/>
               </a:spcBef>
@@ -6304,9 +6449,6 @@
               </a:spcAft>
               <a:buNone/>
             </a:pPr>
-            <a:r>
-              <a:t/>
-            </a:r>
             <a:endParaRPr/>
           </a:p>
         </p:txBody>
@@ -6327,8 +6469,8 @@
         </p:blipFill>
         <p:spPr>
           <a:xfrm>
-            <a:off x="500575" y="2252525"/>
-            <a:ext cx="8091725" cy="2820976"/>
+            <a:off x="500575" y="2468137"/>
+            <a:ext cx="8091725" cy="2605364"/>
           </a:xfrm>
           <a:prstGeom prst="rect">
             <a:avLst/>
@@ -6348,11 +6490,11 @@
 </file>
 
 <file path=ppt/slides/slide3.xml><?xml version="1.0" encoding="utf-8"?>
-<p:sld xmlns:a="http://schemas.openxmlformats.org/drawingml/2006/main" xmlns:r="http://schemas.openxmlformats.org/officeDocument/2006/relationships" xmlns:mc="http://schemas.openxmlformats.org/markup-compatibility/2006" xmlns:mv="urn:schemas-microsoft-com:mac:vml" xmlns:p="http://schemas.openxmlformats.org/presentationml/2006/main" xmlns:c="http://schemas.openxmlformats.org/drawingml/2006/chart" xmlns:dgm="http://schemas.openxmlformats.org/drawingml/2006/diagram" xmlns:o="urn:schemas-microsoft-com:office:office" xmlns:v="urn:schemas-microsoft-com:vml" xmlns:pvml="urn:schemas-microsoft-com:office:powerpoint" xmlns:com="http://schemas.openxmlformats.org/drawingml/2006/compatibility" xmlns:p14="http://schemas.microsoft.com/office/powerpoint/2010/main" xmlns:p15="http://schemas.microsoft.com/office/powerpoint/2012/main" xmlns:ahyp="http://schemas.microsoft.com/office/drawing/2018/hyperlinkcolor">
+<p:sld xmlns:a="http://schemas.openxmlformats.org/drawingml/2006/main" xmlns:r="http://schemas.openxmlformats.org/officeDocument/2006/relationships" xmlns:p="http://schemas.openxmlformats.org/presentationml/2006/main">
   <p:cSld>
     <p:spTree>
       <p:nvGrpSpPr>
-        <p:cNvPr id="66" name="Shape 66"/>
+        <p:cNvPr id="1" name="Shape 66"/>
         <p:cNvGrpSpPr/>
         <p:nvPr/>
       </p:nvGrpSpPr>
@@ -6367,7 +6509,9 @@
       <p:sp>
         <p:nvSpPr>
           <p:cNvPr id="67" name="Google Shape;67;p15"/>
-          <p:cNvSpPr txBox="1"/>
+          <p:cNvSpPr txBox="1">
+            <a:spLocks noGrp="1"/>
+          </p:cNvSpPr>
           <p:nvPr>
             <p:ph type="title"/>
           </p:nvPr>
@@ -6382,12 +6526,12 @@
           </a:prstGeom>
         </p:spPr>
         <p:txBody>
-          <a:bodyPr anchorCtr="0" anchor="t" bIns="91425" lIns="91425" spcFirstLastPara="1" rIns="91425" wrap="square" tIns="91425">
+          <a:bodyPr spcFirstLastPara="1" wrap="square" lIns="91425" tIns="91425" rIns="91425" bIns="91425" anchor="t" anchorCtr="0">
             <a:normAutofit fontScale="90000"/>
           </a:bodyPr>
           <a:lstStyle/>
           <a:p>
-            <a:pPr indent="0" lvl="0" marL="0" rtl="0" algn="l">
+            <a:pPr marL="0" lvl="0" indent="0" algn="l" rtl="0">
               <a:lnSpc>
                 <a:spcPct val="160000"/>
               </a:lnSpc>
@@ -6405,7 +6549,7 @@
               <a:buNone/>
             </a:pPr>
             <a:r>
-              <a:rPr b="1" lang="en" sz="1650">
+              <a:rPr lang="en" sz="1650" b="1">
                 <a:solidFill>
                   <a:srgbClr val="0D0D0D"/>
                 </a:solidFill>
@@ -6419,7 +6563,7 @@
               </a:rPr>
               <a:t>Monthly Sales Analysis</a:t>
             </a:r>
-            <a:endParaRPr b="1" sz="1650">
+            <a:endParaRPr sz="1650" b="1">
               <a:solidFill>
                 <a:srgbClr val="0D0D0D"/>
               </a:solidFill>
@@ -6433,7 +6577,7 @@
             </a:endParaRPr>
           </a:p>
           <a:p>
-            <a:pPr indent="0" lvl="0" marL="0" rtl="0" algn="l">
+            <a:pPr marL="0" lvl="0" indent="0" algn="l" rtl="0">
               <a:lnSpc>
                 <a:spcPct val="115000"/>
               </a:lnSpc>
@@ -6451,7 +6595,7 @@
               <a:buNone/>
             </a:pPr>
             <a:r>
-              <a:rPr b="1" i="1" lang="en" sz="1200" u="sng">
+              <a:rPr lang="en" sz="1200" b="1" i="1" u="sng">
                 <a:solidFill>
                   <a:srgbClr val="0D0D0D"/>
                 </a:solidFill>
@@ -6465,7 +6609,7 @@
               </a:rPr>
               <a:t> Monthly Sales Trends</a:t>
             </a:r>
-            <a:endParaRPr b="1" i="1" sz="1200" u="sng">
+            <a:endParaRPr sz="1200" b="1" i="1" u="sng">
               <a:solidFill>
                 <a:srgbClr val="0D0D0D"/>
               </a:solidFill>
@@ -6479,7 +6623,7 @@
             </a:endParaRPr>
           </a:p>
           <a:p>
-            <a:pPr indent="0" lvl="0" marL="0" rtl="0" algn="l">
+            <a:pPr marL="0" lvl="0" indent="0" algn="l" rtl="0">
               <a:lnSpc>
                 <a:spcPct val="115000"/>
               </a:lnSpc>
@@ -6525,7 +6669,7 @@
             </a:endParaRPr>
           </a:p>
           <a:p>
-            <a:pPr indent="-297180" lvl="0" marL="457200" rtl="0" algn="l">
+            <a:pPr marL="457200" lvl="0" indent="-297180" algn="l" rtl="0">
               <a:lnSpc>
                 <a:spcPct val="115000"/>
               </a:lnSpc>
@@ -6571,7 +6715,7 @@
             </a:endParaRPr>
           </a:p>
           <a:p>
-            <a:pPr indent="-297180" lvl="0" marL="457200" rtl="0" algn="l">
+            <a:pPr marL="457200" lvl="0" indent="-297180" algn="l" rtl="0">
               <a:lnSpc>
                 <a:spcPct val="115000"/>
               </a:lnSpc>
@@ -6617,7 +6761,7 @@
             </a:endParaRPr>
           </a:p>
           <a:p>
-            <a:pPr indent="0" lvl="0" marL="0" rtl="0" algn="l">
+            <a:pPr marL="0" lvl="0" indent="0" algn="l" rtl="0">
               <a:lnSpc>
                 <a:spcPct val="115000"/>
               </a:lnSpc>
@@ -6629,9 +6773,6 @@
               </a:spcAft>
               <a:buNone/>
             </a:pPr>
-            <a:r>
-              <a:t/>
-            </a:r>
             <a:endParaRPr/>
           </a:p>
         </p:txBody>
@@ -6646,13 +6787,13 @@
           <a:blip r:embed="rId3">
             <a:alphaModFix/>
           </a:blip>
-          <a:srcRect b="-7261" l="17234" r="40160" t="0"/>
+          <a:srcRect l="17234" r="40160" b="-7261"/>
           <a:stretch/>
         </p:blipFill>
         <p:spPr>
           <a:xfrm>
-            <a:off x="606625" y="2252525"/>
-            <a:ext cx="7328150" cy="2820976"/>
+            <a:off x="606625" y="2571749"/>
+            <a:ext cx="7328150" cy="2501751"/>
           </a:xfrm>
           <a:prstGeom prst="rect">
             <a:avLst/>
@@ -6672,11 +6813,11 @@
 </file>
 
 <file path=ppt/slides/slide4.xml><?xml version="1.0" encoding="utf-8"?>
-<p:sld xmlns:a="http://schemas.openxmlformats.org/drawingml/2006/main" xmlns:r="http://schemas.openxmlformats.org/officeDocument/2006/relationships" xmlns:mc="http://schemas.openxmlformats.org/markup-compatibility/2006" xmlns:mv="urn:schemas-microsoft-com:mac:vml" xmlns:p="http://schemas.openxmlformats.org/presentationml/2006/main" xmlns:c="http://schemas.openxmlformats.org/drawingml/2006/chart" xmlns:dgm="http://schemas.openxmlformats.org/drawingml/2006/diagram" xmlns:o="urn:schemas-microsoft-com:office:office" xmlns:v="urn:schemas-microsoft-com:vml" xmlns:pvml="urn:schemas-microsoft-com:office:powerpoint" xmlns:com="http://schemas.openxmlformats.org/drawingml/2006/compatibility" xmlns:p14="http://schemas.microsoft.com/office/powerpoint/2010/main" xmlns:p15="http://schemas.microsoft.com/office/powerpoint/2012/main" xmlns:ahyp="http://schemas.microsoft.com/office/drawing/2018/hyperlinkcolor">
+<p:sld xmlns:a="http://schemas.openxmlformats.org/drawingml/2006/main" xmlns:r="http://schemas.openxmlformats.org/officeDocument/2006/relationships" xmlns:p="http://schemas.openxmlformats.org/presentationml/2006/main">
   <p:cSld>
     <p:spTree>
       <p:nvGrpSpPr>
-        <p:cNvPr id="72" name="Shape 72"/>
+        <p:cNvPr id="1" name="Shape 72"/>
         <p:cNvGrpSpPr/>
         <p:nvPr/>
       </p:nvGrpSpPr>
@@ -6691,7 +6832,9 @@
       <p:sp>
         <p:nvSpPr>
           <p:cNvPr id="73" name="Google Shape;73;p16"/>
-          <p:cNvSpPr txBox="1"/>
+          <p:cNvSpPr txBox="1">
+            <a:spLocks noGrp="1"/>
+          </p:cNvSpPr>
           <p:nvPr>
             <p:ph type="title"/>
           </p:nvPr>
@@ -6706,12 +6849,12 @@
           </a:prstGeom>
         </p:spPr>
         <p:txBody>
-          <a:bodyPr anchorCtr="0" anchor="t" bIns="91425" lIns="91425" spcFirstLastPara="1" rIns="91425" wrap="square" tIns="91425">
+          <a:bodyPr spcFirstLastPara="1" wrap="square" lIns="91425" tIns="91425" rIns="91425" bIns="91425" anchor="t" anchorCtr="0">
             <a:normAutofit fontScale="90000"/>
           </a:bodyPr>
           <a:lstStyle/>
           <a:p>
-            <a:pPr indent="0" lvl="0" marL="0" rtl="0" algn="l">
+            <a:pPr marL="0" lvl="0" indent="0" algn="l" rtl="0">
               <a:lnSpc>
                 <a:spcPct val="160000"/>
               </a:lnSpc>
@@ -6729,7 +6872,7 @@
               <a:buNone/>
             </a:pPr>
             <a:r>
-              <a:rPr b="1" lang="en" sz="1650">
+              <a:rPr lang="en" sz="1650" b="1">
                 <a:solidFill>
                   <a:srgbClr val="0D0D0D"/>
                 </a:solidFill>
@@ -6743,7 +6886,7 @@
               </a:rPr>
               <a:t>Sales Opportunities and Pipeline</a:t>
             </a:r>
-            <a:endParaRPr b="1" sz="1650">
+            <a:endParaRPr sz="1650" b="1">
               <a:solidFill>
                 <a:srgbClr val="0D0D0D"/>
               </a:solidFill>
@@ -6757,7 +6900,7 @@
             </a:endParaRPr>
           </a:p>
           <a:p>
-            <a:pPr indent="0" lvl="0" marL="0" rtl="0" algn="l">
+            <a:pPr marL="0" lvl="0" indent="0" algn="l" rtl="0">
               <a:lnSpc>
                 <a:spcPct val="115000"/>
               </a:lnSpc>
@@ -6775,7 +6918,7 @@
               <a:buNone/>
             </a:pPr>
             <a:r>
-              <a:rPr b="1" i="1" lang="en" sz="1200" u="sng">
+              <a:rPr lang="en" sz="1200" b="1" i="1" u="sng">
                 <a:solidFill>
                   <a:srgbClr val="0D0D0D"/>
                 </a:solidFill>
@@ -6789,7 +6932,7 @@
               </a:rPr>
               <a:t>Sales Pipeline and Opportunities</a:t>
             </a:r>
-            <a:endParaRPr b="1" i="1" sz="1650" u="sng">
+            <a:endParaRPr sz="1650" b="1" i="1" u="sng">
               <a:solidFill>
                 <a:srgbClr val="0D0D0D"/>
               </a:solidFill>
@@ -6807,9 +6950,11 @@
       <p:sp>
         <p:nvSpPr>
           <p:cNvPr id="74" name="Google Shape;74;p16"/>
-          <p:cNvSpPr txBox="1"/>
+          <p:cNvSpPr txBox="1">
+            <a:spLocks noGrp="1"/>
+          </p:cNvSpPr>
           <p:nvPr>
-            <p:ph idx="1" type="body"/>
+            <p:ph type="body" idx="1"/>
           </p:nvPr>
         </p:nvSpPr>
         <p:spPr>
@@ -6822,12 +6967,12 @@
           </a:prstGeom>
         </p:spPr>
         <p:txBody>
-          <a:bodyPr anchorCtr="0" anchor="t" bIns="91425" lIns="91425" spcFirstLastPara="1" rIns="91425" wrap="square" tIns="91425">
+          <a:bodyPr spcFirstLastPara="1" wrap="square" lIns="91425" tIns="91425" rIns="91425" bIns="91425" anchor="t" anchorCtr="0">
             <a:normAutofit/>
           </a:bodyPr>
           <a:lstStyle/>
           <a:p>
-            <a:pPr indent="0" lvl="0" marL="0" rtl="0" algn="l">
+            <a:pPr marL="0" lvl="0" indent="0" algn="l" rtl="0">
               <a:spcBef>
                 <a:spcPts val="0"/>
               </a:spcBef>
@@ -6841,9 +6986,6 @@
               <a:buFont typeface="Arial"/>
               <a:buNone/>
             </a:pPr>
-            <a:r>
-              <a:t/>
-            </a:r>
             <a:endParaRPr sz="1200">
               <a:solidFill>
                 <a:srgbClr val="0D0D0D"/>
@@ -6858,7 +7000,7 @@
             </a:endParaRPr>
           </a:p>
           <a:p>
-            <a:pPr indent="0" lvl="0" marL="0" rtl="0" algn="l">
+            <a:pPr marL="0" lvl="0" indent="0" algn="l" rtl="0">
               <a:spcBef>
                 <a:spcPts val="1500"/>
               </a:spcBef>
@@ -6901,7 +7043,7 @@
             </a:endParaRPr>
           </a:p>
           <a:p>
-            <a:pPr indent="-304800" lvl="0" marL="457200" rtl="0" algn="l">
+            <a:pPr marL="457200" lvl="0" indent="-304800" algn="l" rtl="0">
               <a:spcBef>
                 <a:spcPts val="2100"/>
               </a:spcBef>
@@ -6944,7 +7086,7 @@
             </a:endParaRPr>
           </a:p>
           <a:p>
-            <a:pPr indent="-304800" lvl="0" marL="457200" rtl="0" algn="l">
+            <a:pPr marL="457200" lvl="0" indent="-304800" algn="l" rtl="0">
               <a:spcBef>
                 <a:spcPts val="0"/>
               </a:spcBef>
@@ -6987,7 +7129,7 @@
             </a:endParaRPr>
           </a:p>
           <a:p>
-            <a:pPr indent="-304800" lvl="0" marL="457200" rtl="0" algn="l">
+            <a:pPr marL="457200" lvl="0" indent="-304800" algn="l" rtl="0">
               <a:spcBef>
                 <a:spcPts val="0"/>
               </a:spcBef>
@@ -7030,7 +7172,7 @@
             </a:endParaRPr>
           </a:p>
           <a:p>
-            <a:pPr indent="0" lvl="0" marL="0" rtl="0" algn="l">
+            <a:pPr marL="0" lvl="0" indent="0" algn="l" rtl="0">
               <a:spcBef>
                 <a:spcPts val="2100"/>
               </a:spcBef>
@@ -7044,9 +7186,6 @@
               <a:buFont typeface="Arial"/>
               <a:buNone/>
             </a:pPr>
-            <a:r>
-              <a:t/>
-            </a:r>
             <a:endParaRPr sz="1200">
               <a:solidFill>
                 <a:srgbClr val="0D0D0D"/>
@@ -7061,7 +7200,7 @@
             </a:endParaRPr>
           </a:p>
           <a:p>
-            <a:pPr indent="0" lvl="0" marL="0" rtl="0" algn="l">
+            <a:pPr marL="0" lvl="0" indent="0" algn="l" rtl="0">
               <a:spcBef>
                 <a:spcPts val="1500"/>
               </a:spcBef>
@@ -7070,9 +7209,6 @@
               </a:spcAft>
               <a:buNone/>
             </a:pPr>
-            <a:r>
-              <a:t/>
-            </a:r>
             <a:endParaRPr/>
           </a:p>
         </p:txBody>
@@ -7087,7 +7223,7 @@
           <a:blip r:embed="rId3">
             <a:alphaModFix/>
           </a:blip>
-          <a:srcRect b="0" l="66841" r="0" t="46039"/>
+          <a:srcRect l="66841" t="46039"/>
           <a:stretch/>
         </p:blipFill>
         <p:spPr>
@@ -7113,11 +7249,11 @@
 </file>
 
 <file path=ppt/slides/slide5.xml><?xml version="1.0" encoding="utf-8"?>
-<p:sld xmlns:a="http://schemas.openxmlformats.org/drawingml/2006/main" xmlns:r="http://schemas.openxmlformats.org/officeDocument/2006/relationships" xmlns:mc="http://schemas.openxmlformats.org/markup-compatibility/2006" xmlns:mv="urn:schemas-microsoft-com:mac:vml" xmlns:p="http://schemas.openxmlformats.org/presentationml/2006/main" xmlns:c="http://schemas.openxmlformats.org/drawingml/2006/chart" xmlns:dgm="http://schemas.openxmlformats.org/drawingml/2006/diagram" xmlns:o="urn:schemas-microsoft-com:office:office" xmlns:v="urn:schemas-microsoft-com:vml" xmlns:pvml="urn:schemas-microsoft-com:office:powerpoint" xmlns:com="http://schemas.openxmlformats.org/drawingml/2006/compatibility" xmlns:p14="http://schemas.microsoft.com/office/powerpoint/2010/main" xmlns:p15="http://schemas.microsoft.com/office/powerpoint/2012/main" xmlns:ahyp="http://schemas.microsoft.com/office/drawing/2018/hyperlinkcolor">
+<p:sld xmlns:a="http://schemas.openxmlformats.org/drawingml/2006/main" xmlns:r="http://schemas.openxmlformats.org/officeDocument/2006/relationships" xmlns:p="http://schemas.openxmlformats.org/presentationml/2006/main">
   <p:cSld>
     <p:spTree>
       <p:nvGrpSpPr>
-        <p:cNvPr id="79" name="Shape 79"/>
+        <p:cNvPr id="1" name="Shape 79"/>
         <p:cNvGrpSpPr/>
         <p:nvPr/>
       </p:nvGrpSpPr>
@@ -7132,7 +7268,9 @@
       <p:sp>
         <p:nvSpPr>
           <p:cNvPr id="80" name="Google Shape;80;p17"/>
-          <p:cNvSpPr txBox="1"/>
+          <p:cNvSpPr txBox="1">
+            <a:spLocks noGrp="1"/>
+          </p:cNvSpPr>
           <p:nvPr>
             <p:ph type="title"/>
           </p:nvPr>
@@ -7147,12 +7285,12 @@
           </a:prstGeom>
         </p:spPr>
         <p:txBody>
-          <a:bodyPr anchorCtr="0" anchor="t" bIns="91425" lIns="91425" spcFirstLastPara="1" rIns="91425" wrap="square" tIns="91425">
+          <a:bodyPr spcFirstLastPara="1" wrap="square" lIns="91425" tIns="91425" rIns="91425" bIns="91425" anchor="t" anchorCtr="0">
             <a:normAutofit fontScale="90000"/>
           </a:bodyPr>
           <a:lstStyle/>
           <a:p>
-            <a:pPr indent="0" lvl="0" marL="0" rtl="0" algn="l">
+            <a:pPr marL="0" lvl="0" indent="0" algn="l" rtl="0">
               <a:lnSpc>
                 <a:spcPct val="115000"/>
               </a:lnSpc>
@@ -7198,7 +7336,7 @@
             </a:endParaRPr>
           </a:p>
           <a:p>
-            <a:pPr indent="0" lvl="0" marL="0" rtl="0" algn="l">
+            <a:pPr marL="0" lvl="0" indent="0" algn="l" rtl="0">
               <a:lnSpc>
                 <a:spcPct val="115000"/>
               </a:lnSpc>
@@ -7244,7 +7382,7 @@
             </a:endParaRPr>
           </a:p>
           <a:p>
-            <a:pPr indent="-297180" lvl="0" marL="457200" rtl="0" algn="l">
+            <a:pPr marL="457200" lvl="0" indent="-297180" algn="l" rtl="0">
               <a:lnSpc>
                 <a:spcPct val="115000"/>
               </a:lnSpc>
@@ -7290,7 +7428,7 @@
             </a:endParaRPr>
           </a:p>
           <a:p>
-            <a:pPr indent="-297180" lvl="0" marL="457200" rtl="0" algn="l">
+            <a:pPr marL="457200" lvl="0" indent="-297180" algn="l" rtl="0">
               <a:lnSpc>
                 <a:spcPct val="115000"/>
               </a:lnSpc>
@@ -7336,7 +7474,7 @@
             </a:endParaRPr>
           </a:p>
           <a:p>
-            <a:pPr indent="-297180" lvl="0" marL="457200" rtl="0" algn="l">
+            <a:pPr marL="457200" lvl="0" indent="-297180" algn="l" rtl="0">
               <a:lnSpc>
                 <a:spcPct val="115000"/>
               </a:lnSpc>
@@ -7382,7 +7520,7 @@
             </a:endParaRPr>
           </a:p>
           <a:p>
-            <a:pPr indent="-297180" lvl="0" marL="457200" rtl="0" algn="l">
+            <a:pPr marL="457200" lvl="0" indent="-297180" algn="l" rtl="0">
               <a:lnSpc>
                 <a:spcPct val="115000"/>
               </a:lnSpc>
@@ -7428,7 +7566,7 @@
             </a:endParaRPr>
           </a:p>
           <a:p>
-            <a:pPr indent="0" lvl="0" marL="0" rtl="0" algn="l">
+            <a:pPr marL="0" lvl="0" indent="0" algn="l" rtl="0">
               <a:spcBef>
                 <a:spcPts val="2100"/>
               </a:spcBef>
@@ -7437,9 +7575,6 @@
               </a:spcAft>
               <a:buNone/>
             </a:pPr>
-            <a:r>
-              <a:t/>
-            </a:r>
             <a:endParaRPr/>
           </a:p>
         </p:txBody>
@@ -7447,9 +7582,11 @@
       <p:sp>
         <p:nvSpPr>
           <p:cNvPr id="81" name="Google Shape;81;p17"/>
-          <p:cNvSpPr txBox="1"/>
+          <p:cNvSpPr txBox="1">
+            <a:spLocks noGrp="1"/>
+          </p:cNvSpPr>
           <p:nvPr>
-            <p:ph idx="1" type="body"/>
+            <p:ph type="body" idx="1"/>
           </p:nvPr>
         </p:nvSpPr>
         <p:spPr>
@@ -7462,12 +7599,12 @@
           </a:prstGeom>
         </p:spPr>
         <p:txBody>
-          <a:bodyPr anchorCtr="0" anchor="t" bIns="91425" lIns="91425" spcFirstLastPara="1" rIns="91425" wrap="square" tIns="91425">
+          <a:bodyPr spcFirstLastPara="1" wrap="square" lIns="91425" tIns="91425" rIns="91425" bIns="91425" anchor="t" anchorCtr="0">
             <a:normAutofit/>
           </a:bodyPr>
           <a:lstStyle/>
           <a:p>
-            <a:pPr indent="0" lvl="0" marL="0" rtl="0" algn="l">
+            <a:pPr marL="0" lvl="0" indent="0" algn="l" rtl="0">
               <a:spcBef>
                 <a:spcPts val="0"/>
               </a:spcBef>
@@ -7476,9 +7613,6 @@
               </a:spcAft>
               <a:buNone/>
             </a:pPr>
-            <a:r>
-              <a:t/>
-            </a:r>
             <a:endParaRPr/>
           </a:p>
         </p:txBody>
@@ -7520,7 +7654,288 @@
 </file>
 
 <file path=ppt/theme/theme1.xml><?xml version="1.0" encoding="utf-8"?>
-<a:theme xmlns:a="http://schemas.openxmlformats.org/drawingml/2006/main" xmlns:r="http://schemas.openxmlformats.org/officeDocument/2006/relationships">
+<a:theme xmlns:a="http://schemas.openxmlformats.org/drawingml/2006/main" name="Simple Light">
+  <a:themeElements>
+    <a:clrScheme name="Simple Light">
+      <a:dk1>
+        <a:srgbClr val="000000"/>
+      </a:dk1>
+      <a:lt1>
+        <a:srgbClr val="FFFFFF"/>
+      </a:lt1>
+      <a:dk2>
+        <a:srgbClr val="595959"/>
+      </a:dk2>
+      <a:lt2>
+        <a:srgbClr val="EEEEEE"/>
+      </a:lt2>
+      <a:accent1>
+        <a:srgbClr val="4285F4"/>
+      </a:accent1>
+      <a:accent2>
+        <a:srgbClr val="212121"/>
+      </a:accent2>
+      <a:accent3>
+        <a:srgbClr val="78909C"/>
+      </a:accent3>
+      <a:accent4>
+        <a:srgbClr val="FFAB40"/>
+      </a:accent4>
+      <a:accent5>
+        <a:srgbClr val="0097A7"/>
+      </a:accent5>
+      <a:accent6>
+        <a:srgbClr val="EEFF41"/>
+      </a:accent6>
+      <a:hlink>
+        <a:srgbClr val="0097A7"/>
+      </a:hlink>
+      <a:folHlink>
+        <a:srgbClr val="0097A7"/>
+      </a:folHlink>
+    </a:clrScheme>
+    <a:fontScheme name="Office">
+      <a:majorFont>
+        <a:latin typeface="Arial"/>
+        <a:ea typeface=""/>
+        <a:cs typeface=""/>
+        <a:font script="Jpan" typeface="ＭＳ Ｐゴシック"/>
+        <a:font script="Hang" typeface="맑은 고딕"/>
+        <a:font script="Hans" typeface="宋体"/>
+        <a:font script="Hant" typeface="新細明體"/>
+        <a:font script="Arab" typeface="Times New Roman"/>
+        <a:font script="Hebr" typeface="Times New Roman"/>
+        <a:font script="Thai" typeface="Angsana New"/>
+        <a:font script="Ethi" typeface="Nyala"/>
+        <a:font script="Beng" typeface="Vrinda"/>
+        <a:font script="Gujr" typeface="Shruti"/>
+        <a:font script="Khmr" typeface="MoolBoran"/>
+        <a:font script="Knda" typeface="Tunga"/>
+        <a:font script="Guru" typeface="Raavi"/>
+        <a:font script="Cans" typeface="Euphemia"/>
+        <a:font script="Cher" typeface="Plantagenet Cherokee"/>
+        <a:font script="Yiii" typeface="Microsoft Yi Baiti"/>
+        <a:font script="Tibt" typeface="Microsoft Himalaya"/>
+        <a:font script="Thaa" typeface="MV Boli"/>
+        <a:font script="Deva" typeface="Mangal"/>
+        <a:font script="Telu" typeface="Gautami"/>
+        <a:font script="Taml" typeface="Latha"/>
+        <a:font script="Syrc" typeface="Estrangelo Edessa"/>
+        <a:font script="Orya" typeface="Kalinga"/>
+        <a:font script="Mlym" typeface="Kartika"/>
+        <a:font script="Laoo" typeface="DokChampa"/>
+        <a:font script="Sinh" typeface="Iskoola Pota"/>
+        <a:font script="Mong" typeface="Mongolian Baiti"/>
+        <a:font script="Viet" typeface="Times New Roman"/>
+        <a:font script="Uigh" typeface="Microsoft Uighur"/>
+        <a:font script="Geor" typeface="Sylfaen"/>
+      </a:majorFont>
+      <a:minorFont>
+        <a:latin typeface="Arial"/>
+        <a:ea typeface=""/>
+        <a:cs typeface=""/>
+        <a:font script="Jpan" typeface="ＭＳ Ｐゴシック"/>
+        <a:font script="Hang" typeface="맑은 고딕"/>
+        <a:font script="Hans" typeface="宋体"/>
+        <a:font script="Hant" typeface="新細明體"/>
+        <a:font script="Arab" typeface="Arial"/>
+        <a:font script="Hebr" typeface="Arial"/>
+        <a:font script="Thai" typeface="Cordia New"/>
+        <a:font script="Ethi" typeface="Nyala"/>
+        <a:font script="Beng" typeface="Vrinda"/>
+        <a:font script="Gujr" typeface="Shruti"/>
+        <a:font script="Khmr" typeface="DaunPenh"/>
+        <a:font script="Knda" typeface="Tunga"/>
+        <a:font script="Guru" typeface="Raavi"/>
+        <a:font script="Cans" typeface="Euphemia"/>
+        <a:font script="Cher" typeface="Plantagenet Cherokee"/>
+        <a:font script="Yiii" typeface="Microsoft Yi Baiti"/>
+        <a:font script="Tibt" typeface="Microsoft Himalaya"/>
+        <a:font script="Thaa" typeface="MV Boli"/>
+        <a:font script="Deva" typeface="Mangal"/>
+        <a:font script="Telu" typeface="Gautami"/>
+        <a:font script="Taml" typeface="Latha"/>
+        <a:font script="Syrc" typeface="Estrangelo Edessa"/>
+        <a:font script="Orya" typeface="Kalinga"/>
+        <a:font script="Mlym" typeface="Kartika"/>
+        <a:font script="Laoo" typeface="DokChampa"/>
+        <a:font script="Sinh" typeface="Iskoola Pota"/>
+        <a:font script="Mong" typeface="Mongolian Baiti"/>
+        <a:font script="Viet" typeface="Arial"/>
+        <a:font script="Uigh" typeface="Microsoft Uighur"/>
+        <a:font script="Geor" typeface="Sylfaen"/>
+      </a:minorFont>
+    </a:fontScheme>
+    <a:fmtScheme name="Office">
+      <a:fillStyleLst>
+        <a:solidFill>
+          <a:schemeClr val="phClr"/>
+        </a:solidFill>
+        <a:gradFill rotWithShape="1">
+          <a:gsLst>
+            <a:gs pos="0">
+              <a:schemeClr val="phClr">
+                <a:tint val="50000"/>
+                <a:satMod val="300000"/>
+              </a:schemeClr>
+            </a:gs>
+            <a:gs pos="35000">
+              <a:schemeClr val="phClr">
+                <a:tint val="37000"/>
+                <a:satMod val="300000"/>
+              </a:schemeClr>
+            </a:gs>
+            <a:gs pos="100000">
+              <a:schemeClr val="phClr">
+                <a:tint val="15000"/>
+                <a:satMod val="350000"/>
+              </a:schemeClr>
+            </a:gs>
+          </a:gsLst>
+          <a:lin ang="16200000" scaled="1"/>
+        </a:gradFill>
+        <a:gradFill rotWithShape="1">
+          <a:gsLst>
+            <a:gs pos="0">
+              <a:schemeClr val="phClr">
+                <a:tint val="100000"/>
+                <a:shade val="100000"/>
+                <a:satMod val="130000"/>
+              </a:schemeClr>
+            </a:gs>
+            <a:gs pos="100000">
+              <a:schemeClr val="phClr">
+                <a:tint val="50000"/>
+                <a:shade val="100000"/>
+                <a:satMod val="350000"/>
+              </a:schemeClr>
+            </a:gs>
+          </a:gsLst>
+          <a:lin ang="16200000" scaled="0"/>
+        </a:gradFill>
+      </a:fillStyleLst>
+      <a:lnStyleLst>
+        <a:ln w="9525" cap="flat" cmpd="sng" algn="ctr">
+          <a:solidFill>
+            <a:schemeClr val="phClr">
+              <a:shade val="95000"/>
+              <a:satMod val="105000"/>
+            </a:schemeClr>
+          </a:solidFill>
+          <a:prstDash val="solid"/>
+        </a:ln>
+        <a:ln w="25400" cap="flat" cmpd="sng" algn="ctr">
+          <a:solidFill>
+            <a:schemeClr val="phClr"/>
+          </a:solidFill>
+          <a:prstDash val="solid"/>
+        </a:ln>
+        <a:ln w="38100" cap="flat" cmpd="sng" algn="ctr">
+          <a:solidFill>
+            <a:schemeClr val="phClr"/>
+          </a:solidFill>
+          <a:prstDash val="solid"/>
+        </a:ln>
+      </a:lnStyleLst>
+      <a:effectStyleLst>
+        <a:effectStyle>
+          <a:effectLst>
+            <a:outerShdw blurRad="40000" dist="20000" dir="5400000" rotWithShape="0">
+              <a:srgbClr val="000000">
+                <a:alpha val="38000"/>
+              </a:srgbClr>
+            </a:outerShdw>
+          </a:effectLst>
+        </a:effectStyle>
+        <a:effectStyle>
+          <a:effectLst>
+            <a:outerShdw blurRad="40000" dist="23000" dir="5400000" rotWithShape="0">
+              <a:srgbClr val="000000">
+                <a:alpha val="35000"/>
+              </a:srgbClr>
+            </a:outerShdw>
+          </a:effectLst>
+        </a:effectStyle>
+        <a:effectStyle>
+          <a:effectLst>
+            <a:outerShdw blurRad="40000" dist="23000" dir="5400000" rotWithShape="0">
+              <a:srgbClr val="000000">
+                <a:alpha val="35000"/>
+              </a:srgbClr>
+            </a:outerShdw>
+          </a:effectLst>
+          <a:scene3d>
+            <a:camera prst="orthographicFront">
+              <a:rot lat="0" lon="0" rev="0"/>
+            </a:camera>
+            <a:lightRig rig="threePt" dir="t">
+              <a:rot lat="0" lon="0" rev="1200000"/>
+            </a:lightRig>
+          </a:scene3d>
+          <a:sp3d>
+            <a:bevelT w="63500" h="25400"/>
+          </a:sp3d>
+        </a:effectStyle>
+      </a:effectStyleLst>
+      <a:bgFillStyleLst>
+        <a:solidFill>
+          <a:schemeClr val="phClr"/>
+        </a:solidFill>
+        <a:gradFill rotWithShape="1">
+          <a:gsLst>
+            <a:gs pos="0">
+              <a:schemeClr val="phClr">
+                <a:tint val="40000"/>
+                <a:satMod val="350000"/>
+              </a:schemeClr>
+            </a:gs>
+            <a:gs pos="40000">
+              <a:schemeClr val="phClr">
+                <a:tint val="45000"/>
+                <a:shade val="99000"/>
+                <a:satMod val="350000"/>
+              </a:schemeClr>
+            </a:gs>
+            <a:gs pos="100000">
+              <a:schemeClr val="phClr">
+                <a:shade val="20000"/>
+                <a:satMod val="255000"/>
+              </a:schemeClr>
+            </a:gs>
+          </a:gsLst>
+          <a:path path="circle">
+            <a:fillToRect l="50000" t="-80000" r="50000" b="180000"/>
+          </a:path>
+        </a:gradFill>
+        <a:gradFill rotWithShape="1">
+          <a:gsLst>
+            <a:gs pos="0">
+              <a:schemeClr val="phClr">
+                <a:tint val="80000"/>
+                <a:satMod val="300000"/>
+              </a:schemeClr>
+            </a:gs>
+            <a:gs pos="100000">
+              <a:schemeClr val="phClr">
+                <a:shade val="30000"/>
+                <a:satMod val="200000"/>
+              </a:schemeClr>
+            </a:gs>
+          </a:gsLst>
+          <a:path path="circle">
+            <a:fillToRect l="50000" t="50000" r="50000" b="50000"/>
+          </a:path>
+        </a:gradFill>
+      </a:bgFillStyleLst>
+    </a:fmtScheme>
+  </a:themeElements>
+  <a:objectDefaults/>
+  <a:extraClrSchemeLst/>
+</a:theme>
+</file>
+
+<file path=ppt/theme/theme2.xml><?xml version="1.0" encoding="utf-8"?>
+<a:theme xmlns:a="http://schemas.openxmlformats.org/drawingml/2006/main">
   <a:themeElements>
     <a:clrScheme name="Default">
       <a:dk1>
@@ -7795,284 +8210,7 @@
       </a:bgFillStyleLst>
     </a:fmtScheme>
   </a:themeElements>
-</a:theme>
-</file>
-
-<file path=ppt/theme/theme2.xml><?xml version="1.0" encoding="utf-8"?>
-<a:theme xmlns:a="http://schemas.openxmlformats.org/drawingml/2006/main" xmlns:r="http://schemas.openxmlformats.org/officeDocument/2006/relationships" name="Simple Light">
-  <a:themeElements>
-    <a:clrScheme name="Simple Light">
-      <a:dk1>
-        <a:srgbClr val="000000"/>
-      </a:dk1>
-      <a:lt1>
-        <a:srgbClr val="FFFFFF"/>
-      </a:lt1>
-      <a:dk2>
-        <a:srgbClr val="595959"/>
-      </a:dk2>
-      <a:lt2>
-        <a:srgbClr val="EEEEEE"/>
-      </a:lt2>
-      <a:accent1>
-        <a:srgbClr val="4285F4"/>
-      </a:accent1>
-      <a:accent2>
-        <a:srgbClr val="212121"/>
-      </a:accent2>
-      <a:accent3>
-        <a:srgbClr val="78909C"/>
-      </a:accent3>
-      <a:accent4>
-        <a:srgbClr val="FFAB40"/>
-      </a:accent4>
-      <a:accent5>
-        <a:srgbClr val="0097A7"/>
-      </a:accent5>
-      <a:accent6>
-        <a:srgbClr val="EEFF41"/>
-      </a:accent6>
-      <a:hlink>
-        <a:srgbClr val="0097A7"/>
-      </a:hlink>
-      <a:folHlink>
-        <a:srgbClr val="0097A7"/>
-      </a:folHlink>
-    </a:clrScheme>
-    <a:fontScheme name="Office">
-      <a:majorFont>
-        <a:latin typeface="Arial"/>
-        <a:ea typeface=""/>
-        <a:cs typeface=""/>
-        <a:font script="Jpan" typeface="ＭＳ Ｐゴシック"/>
-        <a:font script="Hang" typeface="맑은 고딕"/>
-        <a:font script="Hans" typeface="宋体"/>
-        <a:font script="Hant" typeface="新細明體"/>
-        <a:font script="Arab" typeface="Times New Roman"/>
-        <a:font script="Hebr" typeface="Times New Roman"/>
-        <a:font script="Thai" typeface="Angsana New"/>
-        <a:font script="Ethi" typeface="Nyala"/>
-        <a:font script="Beng" typeface="Vrinda"/>
-        <a:font script="Gujr" typeface="Shruti"/>
-        <a:font script="Khmr" typeface="MoolBoran"/>
-        <a:font script="Knda" typeface="Tunga"/>
-        <a:font script="Guru" typeface="Raavi"/>
-        <a:font script="Cans" typeface="Euphemia"/>
-        <a:font script="Cher" typeface="Plantagenet Cherokee"/>
-        <a:font script="Yiii" typeface="Microsoft Yi Baiti"/>
-        <a:font script="Tibt" typeface="Microsoft Himalaya"/>
-        <a:font script="Thaa" typeface="MV Boli"/>
-        <a:font script="Deva" typeface="Mangal"/>
-        <a:font script="Telu" typeface="Gautami"/>
-        <a:font script="Taml" typeface="Latha"/>
-        <a:font script="Syrc" typeface="Estrangelo Edessa"/>
-        <a:font script="Orya" typeface="Kalinga"/>
-        <a:font script="Mlym" typeface="Kartika"/>
-        <a:font script="Laoo" typeface="DokChampa"/>
-        <a:font script="Sinh" typeface="Iskoola Pota"/>
-        <a:font script="Mong" typeface="Mongolian Baiti"/>
-        <a:font script="Viet" typeface="Times New Roman"/>
-        <a:font script="Uigh" typeface="Microsoft Uighur"/>
-        <a:font script="Geor" typeface="Sylfaen"/>
-      </a:majorFont>
-      <a:minorFont>
-        <a:latin typeface="Arial"/>
-        <a:ea typeface=""/>
-        <a:cs typeface=""/>
-        <a:font script="Jpan" typeface="ＭＳ Ｐゴシック"/>
-        <a:font script="Hang" typeface="맑은 고딕"/>
-        <a:font script="Hans" typeface="宋体"/>
-        <a:font script="Hant" typeface="新細明體"/>
-        <a:font script="Arab" typeface="Arial"/>
-        <a:font script="Hebr" typeface="Arial"/>
-        <a:font script="Thai" typeface="Cordia New"/>
-        <a:font script="Ethi" typeface="Nyala"/>
-        <a:font script="Beng" typeface="Vrinda"/>
-        <a:font script="Gujr" typeface="Shruti"/>
-        <a:font script="Khmr" typeface="DaunPenh"/>
-        <a:font script="Knda" typeface="Tunga"/>
-        <a:font script="Guru" typeface="Raavi"/>
-        <a:font script="Cans" typeface="Euphemia"/>
-        <a:font script="Cher" typeface="Plantagenet Cherokee"/>
-        <a:font script="Yiii" typeface="Microsoft Yi Baiti"/>
-        <a:font script="Tibt" typeface="Microsoft Himalaya"/>
-        <a:font script="Thaa" typeface="MV Boli"/>
-        <a:font script="Deva" typeface="Mangal"/>
-        <a:font script="Telu" typeface="Gautami"/>
-        <a:font script="Taml" typeface="Latha"/>
-        <a:font script="Syrc" typeface="Estrangelo Edessa"/>
-        <a:font script="Orya" typeface="Kalinga"/>
-        <a:font script="Mlym" typeface="Kartika"/>
-        <a:font script="Laoo" typeface="DokChampa"/>
-        <a:font script="Sinh" typeface="Iskoola Pota"/>
-        <a:font script="Mong" typeface="Mongolian Baiti"/>
-        <a:font script="Viet" typeface="Arial"/>
-        <a:font script="Uigh" typeface="Microsoft Uighur"/>
-        <a:font script="Geor" typeface="Sylfaen"/>
-      </a:minorFont>
-    </a:fontScheme>
-    <a:fmtScheme name="Office">
-      <a:fillStyleLst>
-        <a:solidFill>
-          <a:schemeClr val="phClr"/>
-        </a:solidFill>
-        <a:gradFill rotWithShape="1">
-          <a:gsLst>
-            <a:gs pos="0">
-              <a:schemeClr val="phClr">
-                <a:tint val="50000"/>
-                <a:satMod val="300000"/>
-              </a:schemeClr>
-            </a:gs>
-            <a:gs pos="35000">
-              <a:schemeClr val="phClr">
-                <a:tint val="37000"/>
-                <a:satMod val="300000"/>
-              </a:schemeClr>
-            </a:gs>
-            <a:gs pos="100000">
-              <a:schemeClr val="phClr">
-                <a:tint val="15000"/>
-                <a:satMod val="350000"/>
-              </a:schemeClr>
-            </a:gs>
-          </a:gsLst>
-          <a:lin ang="16200000" scaled="1"/>
-        </a:gradFill>
-        <a:gradFill rotWithShape="1">
-          <a:gsLst>
-            <a:gs pos="0">
-              <a:schemeClr val="phClr">
-                <a:tint val="100000"/>
-                <a:shade val="100000"/>
-                <a:satMod val="130000"/>
-              </a:schemeClr>
-            </a:gs>
-            <a:gs pos="100000">
-              <a:schemeClr val="phClr">
-                <a:tint val="50000"/>
-                <a:shade val="100000"/>
-                <a:satMod val="350000"/>
-              </a:schemeClr>
-            </a:gs>
-          </a:gsLst>
-          <a:lin ang="16200000" scaled="0"/>
-        </a:gradFill>
-      </a:fillStyleLst>
-      <a:lnStyleLst>
-        <a:ln w="9525" cap="flat" cmpd="sng" algn="ctr">
-          <a:solidFill>
-            <a:schemeClr val="phClr">
-              <a:shade val="95000"/>
-              <a:satMod val="105000"/>
-            </a:schemeClr>
-          </a:solidFill>
-          <a:prstDash val="solid"/>
-        </a:ln>
-        <a:ln w="25400" cap="flat" cmpd="sng" algn="ctr">
-          <a:solidFill>
-            <a:schemeClr val="phClr"/>
-          </a:solidFill>
-          <a:prstDash val="solid"/>
-        </a:ln>
-        <a:ln w="38100" cap="flat" cmpd="sng" algn="ctr">
-          <a:solidFill>
-            <a:schemeClr val="phClr"/>
-          </a:solidFill>
-          <a:prstDash val="solid"/>
-        </a:ln>
-      </a:lnStyleLst>
-      <a:effectStyleLst>
-        <a:effectStyle>
-          <a:effectLst>
-            <a:outerShdw blurRad="40000" dist="20000" dir="5400000" rotWithShape="0">
-              <a:srgbClr val="000000">
-                <a:alpha val="38000"/>
-              </a:srgbClr>
-            </a:outerShdw>
-          </a:effectLst>
-        </a:effectStyle>
-        <a:effectStyle>
-          <a:effectLst>
-            <a:outerShdw blurRad="40000" dist="23000" dir="5400000" rotWithShape="0">
-              <a:srgbClr val="000000">
-                <a:alpha val="35000"/>
-              </a:srgbClr>
-            </a:outerShdw>
-          </a:effectLst>
-        </a:effectStyle>
-        <a:effectStyle>
-          <a:effectLst>
-            <a:outerShdw blurRad="40000" dist="23000" dir="5400000" rotWithShape="0">
-              <a:srgbClr val="000000">
-                <a:alpha val="35000"/>
-              </a:srgbClr>
-            </a:outerShdw>
-          </a:effectLst>
-          <a:scene3d>
-            <a:camera prst="orthographicFront">
-              <a:rot lat="0" lon="0" rev="0"/>
-            </a:camera>
-            <a:lightRig rig="threePt" dir="t">
-              <a:rot lat="0" lon="0" rev="1200000"/>
-            </a:lightRig>
-          </a:scene3d>
-          <a:sp3d>
-            <a:bevelT w="63500" h="25400"/>
-          </a:sp3d>
-        </a:effectStyle>
-      </a:effectStyleLst>
-      <a:bgFillStyleLst>
-        <a:solidFill>
-          <a:schemeClr val="phClr"/>
-        </a:solidFill>
-        <a:gradFill rotWithShape="1">
-          <a:gsLst>
-            <a:gs pos="0">
-              <a:schemeClr val="phClr">
-                <a:tint val="40000"/>
-                <a:satMod val="350000"/>
-              </a:schemeClr>
-            </a:gs>
-            <a:gs pos="40000">
-              <a:schemeClr val="phClr">
-                <a:tint val="45000"/>
-                <a:shade val="99000"/>
-                <a:satMod val="350000"/>
-              </a:schemeClr>
-            </a:gs>
-            <a:gs pos="100000">
-              <a:schemeClr val="phClr">
-                <a:shade val="20000"/>
-                <a:satMod val="255000"/>
-              </a:schemeClr>
-            </a:gs>
-          </a:gsLst>
-          <a:path path="circle">
-            <a:fillToRect l="50000" t="-80000" r="50000" b="180000"/>
-          </a:path>
-        </a:gradFill>
-        <a:gradFill rotWithShape="1">
-          <a:gsLst>
-            <a:gs pos="0">
-              <a:schemeClr val="phClr">
-                <a:tint val="80000"/>
-                <a:satMod val="300000"/>
-              </a:schemeClr>
-            </a:gs>
-            <a:gs pos="100000">
-              <a:schemeClr val="phClr">
-                <a:shade val="30000"/>
-                <a:satMod val="200000"/>
-              </a:schemeClr>
-            </a:gs>
-          </a:gsLst>
-          <a:path path="circle">
-            <a:fillToRect l="50000" t="50000" r="50000" b="50000"/>
-          </a:path>
-        </a:gradFill>
-      </a:bgFillStyleLst>
-    </a:fmtScheme>
-  </a:themeElements>
+  <a:objectDefaults/>
+  <a:extraClrSchemeLst/>
 </a:theme>
 </file>